--- a/slides/00-CourseIntroduction.pptx
+++ b/slides/00-CourseIntroduction.pptx
@@ -5,39 +5,34 @@
     <p:sldMasterId id="2147484006" r:id="rId1"/>
   </p:sldMasterIdLst>
   <p:notesMasterIdLst>
-    <p:notesMasterId r:id="rId32"/>
+    <p:notesMasterId r:id="rId27"/>
   </p:notesMasterIdLst>
   <p:sldIdLst>
     <p:sldId id="256" r:id="rId2"/>
-    <p:sldId id="505" r:id="rId3"/>
-    <p:sldId id="513" r:id="rId4"/>
-    <p:sldId id="507" r:id="rId5"/>
-    <p:sldId id="508" r:id="rId6"/>
-    <p:sldId id="511" r:id="rId7"/>
+    <p:sldId id="507" r:id="rId3"/>
+    <p:sldId id="508" r:id="rId4"/>
+    <p:sldId id="511" r:id="rId5"/>
+    <p:sldId id="495" r:id="rId6"/>
+    <p:sldId id="403" r:id="rId7"/>
     <p:sldId id="512" r:id="rId8"/>
     <p:sldId id="510" r:id="rId9"/>
     <p:sldId id="504" r:id="rId10"/>
-    <p:sldId id="426" r:id="rId11"/>
-    <p:sldId id="403" r:id="rId12"/>
-    <p:sldId id="470" r:id="rId13"/>
-    <p:sldId id="495" r:id="rId14"/>
+    <p:sldId id="515" r:id="rId11"/>
+    <p:sldId id="426" r:id="rId12"/>
+    <p:sldId id="516" r:id="rId13"/>
+    <p:sldId id="470" r:id="rId14"/>
     <p:sldId id="474" r:id="rId15"/>
-    <p:sldId id="497" r:id="rId16"/>
-    <p:sldId id="487" r:id="rId17"/>
-    <p:sldId id="498" r:id="rId18"/>
-    <p:sldId id="490" r:id="rId19"/>
-    <p:sldId id="488" r:id="rId20"/>
-    <p:sldId id="489" r:id="rId21"/>
-    <p:sldId id="501" r:id="rId22"/>
-    <p:sldId id="506" r:id="rId23"/>
-    <p:sldId id="491" r:id="rId24"/>
-    <p:sldId id="496" r:id="rId25"/>
-    <p:sldId id="471" r:id="rId26"/>
-    <p:sldId id="485" r:id="rId27"/>
-    <p:sldId id="463" r:id="rId28"/>
-    <p:sldId id="502" r:id="rId29"/>
-    <p:sldId id="464" r:id="rId30"/>
-    <p:sldId id="514" r:id="rId31"/>
+    <p:sldId id="488" r:id="rId16"/>
+    <p:sldId id="517" r:id="rId17"/>
+    <p:sldId id="489" r:id="rId18"/>
+    <p:sldId id="487" r:id="rId19"/>
+    <p:sldId id="490" r:id="rId20"/>
+    <p:sldId id="522" r:id="rId21"/>
+    <p:sldId id="518" r:id="rId22"/>
+    <p:sldId id="521" r:id="rId23"/>
+    <p:sldId id="519" r:id="rId24"/>
+    <p:sldId id="491" r:id="rId25"/>
+    <p:sldId id="514" r:id="rId26"/>
   </p:sldIdLst>
   <p:sldSz cx="12192000" cy="6858000"/>
   <p:notesSz cx="6858000" cy="9144000"/>
@@ -226,7 +221,7 @@
           <a:p>
             <a:fld id="{C5B45307-6ED4-B142-BD64-10F739779302}" type="datetimeFigureOut">
               <a:rPr lang="en-US" smtClean="0"/>
-              <a:t>8/27/24</a:t>
+              <a:t>1/6/25</a:t>
             </a:fld>
             <a:endParaRPr lang="en-US"/>
           </a:p>
@@ -577,101 +572,6 @@
 </p:notes>
 </file>
 
-<file path=ppt/notesSlides/notesSlide2.xml><?xml version="1.0" encoding="utf-8"?>
-<p:notes xmlns:a="http://schemas.openxmlformats.org/drawingml/2006/main" xmlns:r="http://schemas.openxmlformats.org/officeDocument/2006/relationships" xmlns:p="http://schemas.openxmlformats.org/presentationml/2006/main">
-  <p:cSld>
-    <p:spTree>
-      <p:nvGrpSpPr>
-        <p:cNvPr id="1" name=""/>
-        <p:cNvGrpSpPr/>
-        <p:nvPr/>
-      </p:nvGrpSpPr>
-      <p:grpSpPr>
-        <a:xfrm>
-          <a:off x="0" y="0"/>
-          <a:ext cx="0" cy="0"/>
-          <a:chOff x="0" y="0"/>
-          <a:chExt cx="0" cy="0"/>
-        </a:xfrm>
-      </p:grpSpPr>
-      <p:sp>
-        <p:nvSpPr>
-          <p:cNvPr id="2" name="Slide Image Placeholder 1"/>
-          <p:cNvSpPr>
-            <a:spLocks noGrp="1" noRot="1" noChangeAspect="1"/>
-          </p:cNvSpPr>
-          <p:nvPr>
-            <p:ph type="sldImg"/>
-          </p:nvPr>
-        </p:nvSpPr>
-        <p:spPr>
-          <a:xfrm>
-            <a:off x="457200" y="720725"/>
-            <a:ext cx="6400800" cy="3600450"/>
-          </a:xfrm>
-        </p:spPr>
-      </p:sp>
-      <p:sp>
-        <p:nvSpPr>
-          <p:cNvPr id="3" name="Notes Placeholder 2"/>
-          <p:cNvSpPr>
-            <a:spLocks noGrp="1"/>
-          </p:cNvSpPr>
-          <p:nvPr>
-            <p:ph type="body" idx="1"/>
-          </p:nvPr>
-        </p:nvSpPr>
-        <p:spPr/>
-        <p:txBody>
-          <a:bodyPr/>
-          <a:lstStyle/>
-          <a:p>
-            <a:endParaRPr lang="en-US" dirty="0"/>
-          </a:p>
-        </p:txBody>
-      </p:sp>
-      <p:sp>
-        <p:nvSpPr>
-          <p:cNvPr id="4" name="Slide Number Placeholder 3"/>
-          <p:cNvSpPr>
-            <a:spLocks noGrp="1"/>
-          </p:cNvSpPr>
-          <p:nvPr>
-            <p:ph type="sldNum" sz="quarter" idx="5"/>
-          </p:nvPr>
-        </p:nvSpPr>
-        <p:spPr/>
-        <p:txBody>
-          <a:bodyPr/>
-          <a:lstStyle/>
-          <a:p>
-            <a:pPr>
-              <a:defRPr/>
-            </a:pPr>
-            <a:fld id="{31890EBB-E05E-4685-8A9C-8E0AC45FB38E}" type="slidenum">
-              <a:rPr lang="en-US" smtClean="0"/>
-              <a:pPr>
-                <a:defRPr/>
-              </a:pPr>
-              <a:t>15</a:t>
-            </a:fld>
-            <a:endParaRPr lang="en-US"/>
-          </a:p>
-        </p:txBody>
-      </p:sp>
-    </p:spTree>
-    <p:extLst>
-      <p:ext uri="{BB962C8B-B14F-4D97-AF65-F5344CB8AC3E}">
-        <p14:creationId xmlns:p14="http://schemas.microsoft.com/office/powerpoint/2010/main" val="3091642604"/>
-      </p:ext>
-    </p:extLst>
-  </p:cSld>
-  <p:clrMapOvr>
-    <a:masterClrMapping/>
-  </p:clrMapOvr>
-</p:notes>
-</file>
-
 <file path=ppt/slideLayouts/slideLayout1.xml><?xml version="1.0" encoding="utf-8"?>
 <p:sldLayout xmlns:a="http://schemas.openxmlformats.org/drawingml/2006/main" xmlns:r="http://schemas.openxmlformats.org/officeDocument/2006/relationships" xmlns:p="http://schemas.openxmlformats.org/presentationml/2006/main" showMasterSp="0" type="title" preserve="1">
   <p:cSld name="Title Slide">
@@ -729,7 +629,7 @@
           <a:noFill/>
           <a:extLst>
             <a:ext uri="{909E8E84-426E-40dd-AFC4-6F175D3DCCD1}">
-              <a14:hiddenFill xmlns:a14="http://schemas.microsoft.com/office/drawing/2010/main" xmlns="">
+              <a14:hiddenFill xmlns="" xmlns:a14="http://schemas.microsoft.com/office/drawing/2010/main">
                 <a:solidFill>
                   <a:srgbClr val="FFFFFF"/>
                 </a:solidFill>
@@ -788,7 +688,7 @@
             </a:ln>
             <a:extLst>
               <a:ext uri="{91240B29-F687-4f45-9708-019B960494DF}">
-                <a14:hiddenLine xmlns:a14="http://schemas.microsoft.com/office/drawing/2010/main" xmlns="" w="9525">
+                <a14:hiddenLine xmlns="" xmlns:a14="http://schemas.microsoft.com/office/drawing/2010/main" w="9525">
                   <a:solidFill>
                     <a:srgbClr val="000000"/>
                   </a:solidFill>
@@ -878,7 +778,7 @@
             </a:ln>
             <a:extLst>
               <a:ext uri="{91240B29-F687-4f45-9708-019B960494DF}">
-                <a14:hiddenLine xmlns:a14="http://schemas.microsoft.com/office/drawing/2010/main" xmlns="" w="9525">
+                <a14:hiddenLine xmlns="" xmlns:a14="http://schemas.microsoft.com/office/drawing/2010/main" w="9525">
                   <a:solidFill>
                     <a:srgbClr val="000000"/>
                   </a:solidFill>
@@ -968,7 +868,7 @@
             </a:ln>
             <a:extLst>
               <a:ext uri="{91240B29-F687-4f45-9708-019B960494DF}">
-                <a14:hiddenLine xmlns:a14="http://schemas.microsoft.com/office/drawing/2010/main" xmlns="" w="9525">
+                <a14:hiddenLine xmlns="" xmlns:a14="http://schemas.microsoft.com/office/drawing/2010/main" w="9525">
                   <a:solidFill>
                     <a:srgbClr val="000000"/>
                   </a:solidFill>
@@ -1002,7 +902,7 @@
             </a:ln>
             <a:extLst>
               <a:ext uri="{91240B29-F687-4f45-9708-019B960494DF}">
-                <a14:hiddenLine xmlns:a14="http://schemas.microsoft.com/office/drawing/2010/main" xmlns="" w="9525">
+                <a14:hiddenLine xmlns="" xmlns:a14="http://schemas.microsoft.com/office/drawing/2010/main" w="9525">
                   <a:solidFill>
                     <a:srgbClr val="000000"/>
                   </a:solidFill>
@@ -1092,7 +992,7 @@
             </a:ln>
             <a:extLst>
               <a:ext uri="{91240B29-F687-4f45-9708-019B960494DF}">
-                <a14:hiddenLine xmlns:a14="http://schemas.microsoft.com/office/drawing/2010/main" xmlns="" w="9525">
+                <a14:hiddenLine xmlns="" xmlns:a14="http://schemas.microsoft.com/office/drawing/2010/main" w="9525">
                   <a:solidFill>
                     <a:srgbClr val="000000"/>
                   </a:solidFill>
@@ -1154,7 +1054,7 @@
             </a:ln>
             <a:extLst>
               <a:ext uri="{91240B29-F687-4f45-9708-019B960494DF}">
-                <a14:hiddenLine xmlns:a14="http://schemas.microsoft.com/office/drawing/2010/main" xmlns="" w="9525">
+                <a14:hiddenLine xmlns="" xmlns:a14="http://schemas.microsoft.com/office/drawing/2010/main" w="9525">
                   <a:solidFill>
                     <a:srgbClr val="000000"/>
                   </a:solidFill>
@@ -1216,7 +1116,7 @@
             </a:ln>
             <a:extLst>
               <a:ext uri="{91240B29-F687-4f45-9708-019B960494DF}">
-                <a14:hiddenLine xmlns:a14="http://schemas.microsoft.com/office/drawing/2010/main" xmlns="" w="9525">
+                <a14:hiddenLine xmlns="" xmlns:a14="http://schemas.microsoft.com/office/drawing/2010/main" w="9525">
                   <a:solidFill>
                     <a:srgbClr val="000000"/>
                   </a:solidFill>
@@ -1306,7 +1206,7 @@
             </a:ln>
             <a:extLst>
               <a:ext uri="{91240B29-F687-4f45-9708-019B960494DF}">
-                <a14:hiddenLine xmlns:a14="http://schemas.microsoft.com/office/drawing/2010/main" xmlns="" w="9525">
+                <a14:hiddenLine xmlns="" xmlns:a14="http://schemas.microsoft.com/office/drawing/2010/main" w="9525">
                   <a:solidFill>
                     <a:srgbClr val="000000"/>
                   </a:solidFill>
@@ -1368,7 +1268,7 @@
             </a:ln>
             <a:extLst>
               <a:ext uri="{91240B29-F687-4f45-9708-019B960494DF}">
-                <a14:hiddenLine xmlns:a14="http://schemas.microsoft.com/office/drawing/2010/main" xmlns="" w="9525">
+                <a14:hiddenLine xmlns="" xmlns:a14="http://schemas.microsoft.com/office/drawing/2010/main" w="9525">
                   <a:solidFill>
                     <a:srgbClr val="000000"/>
                   </a:solidFill>
@@ -1430,7 +1330,7 @@
             </a:ln>
             <a:extLst>
               <a:ext uri="{91240B29-F687-4f45-9708-019B960494DF}">
-                <a14:hiddenLine xmlns:a14="http://schemas.microsoft.com/office/drawing/2010/main" xmlns="" w="9525">
+                <a14:hiddenLine xmlns="" xmlns:a14="http://schemas.microsoft.com/office/drawing/2010/main" w="9525">
                   <a:solidFill>
                     <a:srgbClr val="000000"/>
                   </a:solidFill>
@@ -1520,7 +1420,7 @@
             </a:ln>
             <a:extLst>
               <a:ext uri="{91240B29-F687-4f45-9708-019B960494DF}">
-                <a14:hiddenLine xmlns:a14="http://schemas.microsoft.com/office/drawing/2010/main" xmlns="" w="9525">
+                <a14:hiddenLine xmlns="" xmlns:a14="http://schemas.microsoft.com/office/drawing/2010/main" w="9525">
                   <a:solidFill>
                     <a:srgbClr val="000000"/>
                   </a:solidFill>
@@ -1610,7 +1510,7 @@
             </a:ln>
             <a:extLst>
               <a:ext uri="{91240B29-F687-4f45-9708-019B960494DF}">
-                <a14:hiddenLine xmlns:a14="http://schemas.microsoft.com/office/drawing/2010/main" xmlns="" w="9525">
+                <a14:hiddenLine xmlns="" xmlns:a14="http://schemas.microsoft.com/office/drawing/2010/main" w="9525">
                   <a:solidFill>
                     <a:srgbClr val="000000"/>
                   </a:solidFill>
@@ -1672,7 +1572,7 @@
             </a:ln>
             <a:extLst>
               <a:ext uri="{91240B29-F687-4f45-9708-019B960494DF}">
-                <a14:hiddenLine xmlns:a14="http://schemas.microsoft.com/office/drawing/2010/main" xmlns="" w="9525">
+                <a14:hiddenLine xmlns="" xmlns:a14="http://schemas.microsoft.com/office/drawing/2010/main" w="9525">
                   <a:solidFill>
                     <a:srgbClr val="000000"/>
                   </a:solidFill>
@@ -1782,7 +1682,7 @@
             </a:ln>
             <a:extLst>
               <a:ext uri="{91240B29-F687-4f45-9708-019B960494DF}">
-                <a14:hiddenLine xmlns:a14="http://schemas.microsoft.com/office/drawing/2010/main" xmlns="" w="9525">
+                <a14:hiddenLine xmlns="" xmlns:a14="http://schemas.microsoft.com/office/drawing/2010/main" w="9525">
                   <a:solidFill>
                     <a:srgbClr val="000000"/>
                   </a:solidFill>
@@ -1844,7 +1744,7 @@
             </a:ln>
             <a:extLst>
               <a:ext uri="{91240B29-F687-4f45-9708-019B960494DF}">
-                <a14:hiddenLine xmlns:a14="http://schemas.microsoft.com/office/drawing/2010/main" xmlns="" w="9525">
+                <a14:hiddenLine xmlns="" xmlns:a14="http://schemas.microsoft.com/office/drawing/2010/main" w="9525">
                   <a:solidFill>
                     <a:srgbClr val="000000"/>
                   </a:solidFill>
@@ -1934,7 +1834,7 @@
             </a:ln>
             <a:extLst>
               <a:ext uri="{91240B29-F687-4f45-9708-019B960494DF}">
-                <a14:hiddenLine xmlns:a14="http://schemas.microsoft.com/office/drawing/2010/main" xmlns="" w="9525">
+                <a14:hiddenLine xmlns="" xmlns:a14="http://schemas.microsoft.com/office/drawing/2010/main" w="9525">
                   <a:solidFill>
                     <a:srgbClr val="000000"/>
                   </a:solidFill>
@@ -2024,7 +1924,7 @@
             </a:ln>
             <a:extLst>
               <a:ext uri="{91240B29-F687-4f45-9708-019B960494DF}">
-                <a14:hiddenLine xmlns:a14="http://schemas.microsoft.com/office/drawing/2010/main" xmlns="" w="9525">
+                <a14:hiddenLine xmlns="" xmlns:a14="http://schemas.microsoft.com/office/drawing/2010/main" w="9525">
                   <a:solidFill>
                     <a:srgbClr val="000000"/>
                   </a:solidFill>
@@ -2086,7 +1986,7 @@
             </a:ln>
             <a:extLst>
               <a:ext uri="{91240B29-F687-4f45-9708-019B960494DF}">
-                <a14:hiddenLine xmlns:a14="http://schemas.microsoft.com/office/drawing/2010/main" xmlns="" w="9525">
+                <a14:hiddenLine xmlns="" xmlns:a14="http://schemas.microsoft.com/office/drawing/2010/main" w="9525">
                   <a:solidFill>
                     <a:srgbClr val="000000"/>
                   </a:solidFill>
@@ -2176,7 +2076,7 @@
             </a:ln>
             <a:extLst>
               <a:ext uri="{91240B29-F687-4f45-9708-019B960494DF}">
-                <a14:hiddenLine xmlns:a14="http://schemas.microsoft.com/office/drawing/2010/main" xmlns="" w="9525">
+                <a14:hiddenLine xmlns="" xmlns:a14="http://schemas.microsoft.com/office/drawing/2010/main" w="9525">
                   <a:solidFill>
                     <a:srgbClr val="000000"/>
                   </a:solidFill>
@@ -2266,7 +2166,7 @@
             </a:ln>
             <a:extLst>
               <a:ext uri="{91240B29-F687-4f45-9708-019B960494DF}">
-                <a14:hiddenLine xmlns:a14="http://schemas.microsoft.com/office/drawing/2010/main" xmlns="" w="9525">
+                <a14:hiddenLine xmlns="" xmlns:a14="http://schemas.microsoft.com/office/drawing/2010/main" w="9525">
                   <a:solidFill>
                     <a:srgbClr val="000000"/>
                   </a:solidFill>
@@ -2322,7 +2222,7 @@
             </a:ln>
             <a:extLst>
               <a:ext uri="{91240B29-F687-4f45-9708-019B960494DF}">
-                <a14:hiddenLine xmlns:a14="http://schemas.microsoft.com/office/drawing/2010/main" xmlns="" w="9525">
+                <a14:hiddenLine xmlns="" xmlns:a14="http://schemas.microsoft.com/office/drawing/2010/main" w="9525">
                   <a:solidFill>
                     <a:srgbClr val="000000"/>
                   </a:solidFill>
@@ -2412,7 +2312,7 @@
             </a:ln>
             <a:extLst>
               <a:ext uri="{91240B29-F687-4f45-9708-019B960494DF}">
-                <a14:hiddenLine xmlns:a14="http://schemas.microsoft.com/office/drawing/2010/main" xmlns="" w="9525">
+                <a14:hiddenLine xmlns="" xmlns:a14="http://schemas.microsoft.com/office/drawing/2010/main" w="9525">
                   <a:solidFill>
                     <a:srgbClr val="000000"/>
                   </a:solidFill>
@@ -2468,7 +2368,7 @@
             </a:ln>
             <a:extLst>
               <a:ext uri="{91240B29-F687-4f45-9708-019B960494DF}">
-                <a14:hiddenLine xmlns:a14="http://schemas.microsoft.com/office/drawing/2010/main" xmlns="" w="9525">
+                <a14:hiddenLine xmlns="" xmlns:a14="http://schemas.microsoft.com/office/drawing/2010/main" w="9525">
                   <a:solidFill>
                     <a:srgbClr val="000000"/>
                   </a:solidFill>
@@ -2558,7 +2458,7 @@
             </a:ln>
             <a:extLst>
               <a:ext uri="{91240B29-F687-4f45-9708-019B960494DF}">
-                <a14:hiddenLine xmlns:a14="http://schemas.microsoft.com/office/drawing/2010/main" xmlns="" w="9525">
+                <a14:hiddenLine xmlns="" xmlns:a14="http://schemas.microsoft.com/office/drawing/2010/main" w="9525">
                   <a:solidFill>
                     <a:srgbClr val="000000"/>
                   </a:solidFill>
@@ -2626,7 +2526,7 @@
             </a:ln>
             <a:extLst>
               <a:ext uri="{91240B29-F687-4f45-9708-019B960494DF}">
-                <a14:hiddenLine xmlns:a14="http://schemas.microsoft.com/office/drawing/2010/main" xmlns="" w="9525">
+                <a14:hiddenLine xmlns="" xmlns:a14="http://schemas.microsoft.com/office/drawing/2010/main" w="9525">
                   <a:solidFill>
                     <a:srgbClr val="000000"/>
                   </a:solidFill>
@@ -2716,7 +2616,7 @@
             </a:ln>
             <a:extLst>
               <a:ext uri="{91240B29-F687-4f45-9708-019B960494DF}">
-                <a14:hiddenLine xmlns:a14="http://schemas.microsoft.com/office/drawing/2010/main" xmlns="" w="9525">
+                <a14:hiddenLine xmlns="" xmlns:a14="http://schemas.microsoft.com/office/drawing/2010/main" w="9525">
                   <a:solidFill>
                     <a:srgbClr val="000000"/>
                   </a:solidFill>
@@ -2784,7 +2684,7 @@
             </a:ln>
             <a:extLst>
               <a:ext uri="{91240B29-F687-4f45-9708-019B960494DF}">
-                <a14:hiddenLine xmlns:a14="http://schemas.microsoft.com/office/drawing/2010/main" xmlns="" w="9525">
+                <a14:hiddenLine xmlns="" xmlns:a14="http://schemas.microsoft.com/office/drawing/2010/main" w="9525">
                   <a:solidFill>
                     <a:srgbClr val="000000"/>
                   </a:solidFill>
@@ -2874,7 +2774,7 @@
             </a:ln>
             <a:extLst>
               <a:ext uri="{91240B29-F687-4f45-9708-019B960494DF}">
-                <a14:hiddenLine xmlns:a14="http://schemas.microsoft.com/office/drawing/2010/main" xmlns="" w="9525">
+                <a14:hiddenLine xmlns="" xmlns:a14="http://schemas.microsoft.com/office/drawing/2010/main" w="9525">
                   <a:solidFill>
                     <a:srgbClr val="000000"/>
                   </a:solidFill>
@@ -2908,7 +2808,7 @@
             </a:ln>
             <a:extLst>
               <a:ext uri="{91240B29-F687-4f45-9708-019B960494DF}">
-                <a14:hiddenLine xmlns:a14="http://schemas.microsoft.com/office/drawing/2010/main" xmlns="" w="9525">
+                <a14:hiddenLine xmlns="" xmlns:a14="http://schemas.microsoft.com/office/drawing/2010/main" w="9525">
                   <a:solidFill>
                     <a:srgbClr val="000000"/>
                   </a:solidFill>
@@ -2998,7 +2898,7 @@
             </a:ln>
             <a:extLst>
               <a:ext uri="{91240B29-F687-4f45-9708-019B960494DF}">
-                <a14:hiddenLine xmlns:a14="http://schemas.microsoft.com/office/drawing/2010/main" xmlns="" w="9525">
+                <a14:hiddenLine xmlns="" xmlns:a14="http://schemas.microsoft.com/office/drawing/2010/main" w="9525">
                   <a:solidFill>
                     <a:srgbClr val="000000"/>
                   </a:solidFill>
@@ -3060,7 +2960,7 @@
             </a:ln>
             <a:extLst>
               <a:ext uri="{91240B29-F687-4f45-9708-019B960494DF}">
-                <a14:hiddenLine xmlns:a14="http://schemas.microsoft.com/office/drawing/2010/main" xmlns="" w="9525">
+                <a14:hiddenLine xmlns="" xmlns:a14="http://schemas.microsoft.com/office/drawing/2010/main" w="9525">
                   <a:solidFill>
                     <a:srgbClr val="000000"/>
                   </a:solidFill>
@@ -3122,7 +3022,7 @@
             </a:ln>
             <a:extLst>
               <a:ext uri="{91240B29-F687-4f45-9708-019B960494DF}">
-                <a14:hiddenLine xmlns:a14="http://schemas.microsoft.com/office/drawing/2010/main" xmlns="" w="9525">
+                <a14:hiddenLine xmlns="" xmlns:a14="http://schemas.microsoft.com/office/drawing/2010/main" w="9525">
                   <a:solidFill>
                     <a:srgbClr val="000000"/>
                   </a:solidFill>
@@ -3212,7 +3112,7 @@
             </a:ln>
             <a:extLst>
               <a:ext uri="{91240B29-F687-4f45-9708-019B960494DF}">
-                <a14:hiddenLine xmlns:a14="http://schemas.microsoft.com/office/drawing/2010/main" xmlns="" w="9525">
+                <a14:hiddenLine xmlns="" xmlns:a14="http://schemas.microsoft.com/office/drawing/2010/main" w="9525">
                   <a:solidFill>
                     <a:srgbClr val="000000"/>
                   </a:solidFill>
@@ -3280,7 +3180,7 @@
             </a:ln>
             <a:extLst>
               <a:ext uri="{91240B29-F687-4f45-9708-019B960494DF}">
-                <a14:hiddenLine xmlns:a14="http://schemas.microsoft.com/office/drawing/2010/main" xmlns="" w="9525">
+                <a14:hiddenLine xmlns="" xmlns:a14="http://schemas.microsoft.com/office/drawing/2010/main" w="9525">
                   <a:solidFill>
                     <a:srgbClr val="000000"/>
                   </a:solidFill>
@@ -3342,7 +3242,7 @@
             </a:ln>
             <a:extLst>
               <a:ext uri="{91240B29-F687-4f45-9708-019B960494DF}">
-                <a14:hiddenLine xmlns:a14="http://schemas.microsoft.com/office/drawing/2010/main" xmlns="" w="9525">
+                <a14:hiddenLine xmlns="" xmlns:a14="http://schemas.microsoft.com/office/drawing/2010/main" w="9525">
                   <a:solidFill>
                     <a:srgbClr val="000000"/>
                   </a:solidFill>
@@ -3432,7 +3332,7 @@
             </a:ln>
             <a:extLst>
               <a:ext uri="{91240B29-F687-4f45-9708-019B960494DF}">
-                <a14:hiddenLine xmlns:a14="http://schemas.microsoft.com/office/drawing/2010/main" xmlns="" w="9525">
+                <a14:hiddenLine xmlns="" xmlns:a14="http://schemas.microsoft.com/office/drawing/2010/main" w="9525">
                   <a:solidFill>
                     <a:srgbClr val="000000"/>
                   </a:solidFill>
@@ -3494,7 +3394,7 @@
             </a:ln>
             <a:extLst>
               <a:ext uri="{91240B29-F687-4f45-9708-019B960494DF}">
-                <a14:hiddenLine xmlns:a14="http://schemas.microsoft.com/office/drawing/2010/main" xmlns="" w="9525">
+                <a14:hiddenLine xmlns="" xmlns:a14="http://schemas.microsoft.com/office/drawing/2010/main" w="9525">
                   <a:solidFill>
                     <a:srgbClr val="000000"/>
                   </a:solidFill>
@@ -3584,7 +3484,7 @@
             </a:ln>
             <a:extLst>
               <a:ext uri="{91240B29-F687-4f45-9708-019B960494DF}">
-                <a14:hiddenLine xmlns:a14="http://schemas.microsoft.com/office/drawing/2010/main" xmlns="" w="9525">
+                <a14:hiddenLine xmlns="" xmlns:a14="http://schemas.microsoft.com/office/drawing/2010/main" w="9525">
                   <a:solidFill>
                     <a:srgbClr val="000000"/>
                   </a:solidFill>
@@ -3646,7 +3546,7 @@
             </a:ln>
             <a:extLst>
               <a:ext uri="{91240B29-F687-4f45-9708-019B960494DF}">
-                <a14:hiddenLine xmlns:a14="http://schemas.microsoft.com/office/drawing/2010/main" xmlns="" w="9525">
+                <a14:hiddenLine xmlns="" xmlns:a14="http://schemas.microsoft.com/office/drawing/2010/main" w="9525">
                   <a:solidFill>
                     <a:srgbClr val="000000"/>
                   </a:solidFill>
@@ -3736,7 +3636,7 @@
             </a:ln>
             <a:extLst>
               <a:ext uri="{91240B29-F687-4f45-9708-019B960494DF}">
-                <a14:hiddenLine xmlns:a14="http://schemas.microsoft.com/office/drawing/2010/main" xmlns="" w="9525">
+                <a14:hiddenLine xmlns="" xmlns:a14="http://schemas.microsoft.com/office/drawing/2010/main" w="9525">
                   <a:solidFill>
                     <a:srgbClr val="000000"/>
                   </a:solidFill>
@@ -3770,7 +3670,7 @@
             </a:ln>
             <a:extLst>
               <a:ext uri="{91240B29-F687-4f45-9708-019B960494DF}">
-                <a14:hiddenLine xmlns:a14="http://schemas.microsoft.com/office/drawing/2010/main" xmlns="" w="9525">
+                <a14:hiddenLine xmlns="" xmlns:a14="http://schemas.microsoft.com/office/drawing/2010/main" w="9525">
                   <a:solidFill>
                     <a:srgbClr val="000000"/>
                   </a:solidFill>
@@ -3835,7 +3735,7 @@
             </a:ln>
             <a:extLst>
               <a:ext uri="{91240B29-F687-4f45-9708-019B960494DF}">
-                <a14:hiddenLine xmlns:a14="http://schemas.microsoft.com/office/drawing/2010/main" xmlns="" w="9525">
+                <a14:hiddenLine xmlns="" xmlns:a14="http://schemas.microsoft.com/office/drawing/2010/main" w="9525">
                   <a:solidFill>
                     <a:srgbClr val="000000"/>
                   </a:solidFill>
@@ -3925,7 +3825,7 @@
             </a:ln>
             <a:extLst>
               <a:ext uri="{91240B29-F687-4f45-9708-019B960494DF}">
-                <a14:hiddenLine xmlns:a14="http://schemas.microsoft.com/office/drawing/2010/main" xmlns="" w="9525">
+                <a14:hiddenLine xmlns="" xmlns:a14="http://schemas.microsoft.com/office/drawing/2010/main" w="9525">
                   <a:solidFill>
                     <a:srgbClr val="000000"/>
                   </a:solidFill>
@@ -3987,7 +3887,7 @@
             </a:ln>
             <a:extLst>
               <a:ext uri="{91240B29-F687-4f45-9708-019B960494DF}">
-                <a14:hiddenLine xmlns:a14="http://schemas.microsoft.com/office/drawing/2010/main" xmlns="" w="9525">
+                <a14:hiddenLine xmlns="" xmlns:a14="http://schemas.microsoft.com/office/drawing/2010/main" w="9525">
                   <a:solidFill>
                     <a:srgbClr val="000000"/>
                   </a:solidFill>
@@ -4077,7 +3977,7 @@
             </a:ln>
             <a:extLst>
               <a:ext uri="{91240B29-F687-4f45-9708-019B960494DF}">
-                <a14:hiddenLine xmlns:a14="http://schemas.microsoft.com/office/drawing/2010/main" xmlns="" w="9525">
+                <a14:hiddenLine xmlns="" xmlns:a14="http://schemas.microsoft.com/office/drawing/2010/main" w="9525">
                   <a:solidFill>
                     <a:srgbClr val="000000"/>
                   </a:solidFill>
@@ -4167,7 +4067,7 @@
             </a:ln>
             <a:extLst>
               <a:ext uri="{91240B29-F687-4f45-9708-019B960494DF}">
-                <a14:hiddenLine xmlns:a14="http://schemas.microsoft.com/office/drawing/2010/main" xmlns="" w="9525">
+                <a14:hiddenLine xmlns="" xmlns:a14="http://schemas.microsoft.com/office/drawing/2010/main" w="9525">
                   <a:solidFill>
                     <a:srgbClr val="000000"/>
                   </a:solidFill>
@@ -4232,7 +4132,7 @@
             </a:ln>
             <a:extLst>
               <a:ext uri="{91240B29-F687-4f45-9708-019B960494DF}">
-                <a14:hiddenLine xmlns:a14="http://schemas.microsoft.com/office/drawing/2010/main" xmlns="" w="9525">
+                <a14:hiddenLine xmlns="" xmlns:a14="http://schemas.microsoft.com/office/drawing/2010/main" w="9525">
                   <a:solidFill>
                     <a:srgbClr val="000000"/>
                   </a:solidFill>
@@ -4294,7 +4194,7 @@
             </a:ln>
             <a:extLst>
               <a:ext uri="{91240B29-F687-4f45-9708-019B960494DF}">
-                <a14:hiddenLine xmlns:a14="http://schemas.microsoft.com/office/drawing/2010/main" xmlns="" w="9525">
+                <a14:hiddenLine xmlns="" xmlns:a14="http://schemas.microsoft.com/office/drawing/2010/main" w="9525">
                   <a:solidFill>
                     <a:srgbClr val="000000"/>
                   </a:solidFill>
@@ -4384,7 +4284,7 @@
             </a:ln>
             <a:extLst>
               <a:ext uri="{91240B29-F687-4f45-9708-019B960494DF}">
-                <a14:hiddenLine xmlns:a14="http://schemas.microsoft.com/office/drawing/2010/main" xmlns="" w="9525">
+                <a14:hiddenLine xmlns="" xmlns:a14="http://schemas.microsoft.com/office/drawing/2010/main" w="9525">
                   <a:solidFill>
                     <a:srgbClr val="000000"/>
                   </a:solidFill>
@@ -4474,7 +4374,7 @@
             </a:ln>
             <a:extLst>
               <a:ext uri="{91240B29-F687-4f45-9708-019B960494DF}">
-                <a14:hiddenLine xmlns:a14="http://schemas.microsoft.com/office/drawing/2010/main" xmlns="" w="9525">
+                <a14:hiddenLine xmlns="" xmlns:a14="http://schemas.microsoft.com/office/drawing/2010/main" w="9525">
                   <a:solidFill>
                     <a:srgbClr val="000000"/>
                   </a:solidFill>
@@ -4536,7 +4436,7 @@
             </a:ln>
             <a:extLst>
               <a:ext uri="{91240B29-F687-4f45-9708-019B960494DF}">
-                <a14:hiddenLine xmlns:a14="http://schemas.microsoft.com/office/drawing/2010/main" xmlns="" w="9525">
+                <a14:hiddenLine xmlns="" xmlns:a14="http://schemas.microsoft.com/office/drawing/2010/main" w="9525">
                   <a:solidFill>
                     <a:srgbClr val="000000"/>
                   </a:solidFill>
@@ -4656,7 +4556,7 @@
             </a:ln>
             <a:extLst>
               <a:ext uri="{91240B29-F687-4f45-9708-019B960494DF}">
-                <a14:hiddenLine xmlns:a14="http://schemas.microsoft.com/office/drawing/2010/main" xmlns="" w="9525">
+                <a14:hiddenLine xmlns="" xmlns:a14="http://schemas.microsoft.com/office/drawing/2010/main" w="9525">
                   <a:solidFill>
                     <a:srgbClr val="000000"/>
                   </a:solidFill>
@@ -4724,7 +4624,7 @@
             </a:ln>
             <a:extLst>
               <a:ext uri="{91240B29-F687-4f45-9708-019B960494DF}">
-                <a14:hiddenLine xmlns:a14="http://schemas.microsoft.com/office/drawing/2010/main" xmlns="" w="9525">
+                <a14:hiddenLine xmlns="" xmlns:a14="http://schemas.microsoft.com/office/drawing/2010/main" w="9525">
                   <a:solidFill>
                     <a:srgbClr val="000000"/>
                   </a:solidFill>
@@ -4814,7 +4714,7 @@
             </a:ln>
             <a:extLst>
               <a:ext uri="{91240B29-F687-4f45-9708-019B960494DF}">
-                <a14:hiddenLine xmlns:a14="http://schemas.microsoft.com/office/drawing/2010/main" xmlns="" w="9525">
+                <a14:hiddenLine xmlns="" xmlns:a14="http://schemas.microsoft.com/office/drawing/2010/main" w="9525">
                   <a:solidFill>
                     <a:srgbClr val="000000"/>
                   </a:solidFill>
@@ -4954,7 +4854,7 @@
           <a:p>
             <a:fld id="{EC4347D3-4C9A-C240-8F14-750059DFEEB0}" type="datetimeFigureOut">
               <a:rPr lang="en-US" smtClean="0"/>
-              <a:t>8/27/24</a:t>
+              <a:t>1/6/25</a:t>
             </a:fld>
             <a:endParaRPr lang="en-US"/>
           </a:p>
@@ -5221,7 +5121,7 @@
           <a:p>
             <a:fld id="{EC4347D3-4C9A-C240-8F14-750059DFEEB0}" type="datetimeFigureOut">
               <a:rPr lang="en-US" smtClean="0"/>
-              <a:t>8/27/24</a:t>
+              <a:t>1/6/25</a:t>
             </a:fld>
             <a:endParaRPr lang="en-US"/>
           </a:p>
@@ -5417,7 +5317,7 @@
           <a:p>
             <a:fld id="{EC4347D3-4C9A-C240-8F14-750059DFEEB0}" type="datetimeFigureOut">
               <a:rPr lang="en-US" smtClean="0"/>
-              <a:t>8/27/24</a:t>
+              <a:t>1/6/25</a:t>
             </a:fld>
             <a:endParaRPr lang="en-US"/>
           </a:p>
@@ -5680,7 +5580,7 @@
           <a:p>
             <a:fld id="{EC4347D3-4C9A-C240-8F14-750059DFEEB0}" type="datetimeFigureOut">
               <a:rPr lang="en-US" smtClean="0"/>
-              <a:t>8/27/24</a:t>
+              <a:t>1/6/25</a:t>
             </a:fld>
             <a:endParaRPr lang="en-US"/>
           </a:p>
@@ -6114,7 +6014,7 @@
           <a:p>
             <a:fld id="{EC4347D3-4C9A-C240-8F14-750059DFEEB0}" type="datetimeFigureOut">
               <a:rPr lang="en-US" smtClean="0"/>
-              <a:t>8/27/24</a:t>
+              <a:t>1/6/25</a:t>
             </a:fld>
             <a:endParaRPr lang="en-US"/>
           </a:p>
@@ -6660,7 +6560,7 @@
           <a:p>
             <a:fld id="{EC4347D3-4C9A-C240-8F14-750059DFEEB0}" type="datetimeFigureOut">
               <a:rPr lang="en-US" smtClean="0"/>
-              <a:t>8/27/24</a:t>
+              <a:t>1/6/25</a:t>
             </a:fld>
             <a:endParaRPr lang="en-US"/>
           </a:p>
@@ -7380,7 +7280,7 @@
           <a:p>
             <a:fld id="{EC4347D3-4C9A-C240-8F14-750059DFEEB0}" type="datetimeFigureOut">
               <a:rPr lang="en-US" smtClean="0"/>
-              <a:t>8/27/24</a:t>
+              <a:t>1/6/25</a:t>
             </a:fld>
             <a:endParaRPr lang="en-US"/>
           </a:p>
@@ -7550,7 +7450,7 @@
           <a:p>
             <a:fld id="{EC4347D3-4C9A-C240-8F14-750059DFEEB0}" type="datetimeFigureOut">
               <a:rPr lang="en-US" smtClean="0"/>
-              <a:t>8/27/24</a:t>
+              <a:t>1/6/25</a:t>
             </a:fld>
             <a:endParaRPr lang="en-US"/>
           </a:p>
@@ -7730,7 +7630,7 @@
           <a:p>
             <a:fld id="{EC4347D3-4C9A-C240-8F14-750059DFEEB0}" type="datetimeFigureOut">
               <a:rPr lang="en-US" smtClean="0"/>
-              <a:t>8/27/24</a:t>
+              <a:t>1/6/25</a:t>
             </a:fld>
             <a:endParaRPr lang="en-US"/>
           </a:p>
@@ -7900,7 +7800,7 @@
           <a:p>
             <a:fld id="{EC4347D3-4C9A-C240-8F14-750059DFEEB0}" type="datetimeFigureOut">
               <a:rPr lang="en-US" smtClean="0"/>
-              <a:t>8/27/24</a:t>
+              <a:t>1/6/25</a:t>
             </a:fld>
             <a:endParaRPr lang="en-US"/>
           </a:p>
@@ -8150,7 +8050,7 @@
           <a:p>
             <a:fld id="{EC4347D3-4C9A-C240-8F14-750059DFEEB0}" type="datetimeFigureOut">
               <a:rPr lang="en-US" smtClean="0"/>
-              <a:t>8/27/24</a:t>
+              <a:t>1/6/25</a:t>
             </a:fld>
             <a:endParaRPr lang="en-US"/>
           </a:p>
@@ -8382,7 +8282,7 @@
           <a:p>
             <a:fld id="{EC4347D3-4C9A-C240-8F14-750059DFEEB0}" type="datetimeFigureOut">
               <a:rPr lang="en-US" smtClean="0"/>
-              <a:t>8/27/24</a:t>
+              <a:t>1/6/25</a:t>
             </a:fld>
             <a:endParaRPr lang="en-US"/>
           </a:p>
@@ -8768,7 +8668,7 @@
           <a:p>
             <a:fld id="{EC4347D3-4C9A-C240-8F14-750059DFEEB0}" type="datetimeFigureOut">
               <a:rPr lang="en-US" smtClean="0"/>
-              <a:t>8/27/24</a:t>
+              <a:t>1/6/25</a:t>
             </a:fld>
             <a:endParaRPr lang="en-US"/>
           </a:p>
@@ -8891,7 +8791,7 @@
           <a:p>
             <a:fld id="{EC4347D3-4C9A-C240-8F14-750059DFEEB0}" type="datetimeFigureOut">
               <a:rPr lang="en-US" smtClean="0"/>
-              <a:t>8/27/24</a:t>
+              <a:t>1/6/25</a:t>
             </a:fld>
             <a:endParaRPr lang="en-US"/>
           </a:p>
@@ -8986,7 +8886,7 @@
           <a:p>
             <a:fld id="{EC4347D3-4C9A-C240-8F14-750059DFEEB0}" type="datetimeFigureOut">
               <a:rPr lang="en-US" smtClean="0"/>
-              <a:t>8/27/24</a:t>
+              <a:t>1/6/25</a:t>
             </a:fld>
             <a:endParaRPr lang="en-US"/>
           </a:p>
@@ -9235,7 +9135,7 @@
           <a:p>
             <a:fld id="{EC4347D3-4C9A-C240-8F14-750059DFEEB0}" type="datetimeFigureOut">
               <a:rPr lang="en-US" smtClean="0"/>
-              <a:t>8/27/24</a:t>
+              <a:t>1/6/25</a:t>
             </a:fld>
             <a:endParaRPr lang="en-US"/>
           </a:p>
@@ -9520,7 +9420,7 @@
           <a:p>
             <a:fld id="{EC4347D3-4C9A-C240-8F14-750059DFEEB0}" type="datetimeFigureOut">
               <a:rPr lang="en-US" smtClean="0"/>
-              <a:t>8/27/24</a:t>
+              <a:t>1/6/25</a:t>
             </a:fld>
             <a:endParaRPr lang="en-US"/>
           </a:p>
@@ -9643,7 +9543,7 @@
           <a:noFill/>
           <a:extLst>
             <a:ext uri="{909E8E84-426E-40dd-AFC4-6F175D3DCCD1}">
-              <a14:hiddenFill xmlns:a14="http://schemas.microsoft.com/office/drawing/2010/main" xmlns="">
+              <a14:hiddenFill xmlns="" xmlns:a14="http://schemas.microsoft.com/office/drawing/2010/main">
                 <a:solidFill>
                   <a:srgbClr val="FFFFFF"/>
                 </a:solidFill>
@@ -9717,7 +9617,7 @@
               </a:ln>
               <a:extLst>
                 <a:ext uri="{91240B29-F687-4f45-9708-019B960494DF}">
-                  <a14:hiddenLine xmlns:a14="http://schemas.microsoft.com/office/drawing/2010/main" xmlns="" w="9525">
+                  <a14:hiddenLine xmlns="" xmlns:a14="http://schemas.microsoft.com/office/drawing/2010/main" w="9525">
                     <a:solidFill>
                       <a:srgbClr val="000000"/>
                     </a:solidFill>
@@ -9807,7 +9707,7 @@
               </a:ln>
               <a:extLst>
                 <a:ext uri="{91240B29-F687-4f45-9708-019B960494DF}">
-                  <a14:hiddenLine xmlns:a14="http://schemas.microsoft.com/office/drawing/2010/main" xmlns="" w="9525">
+                  <a14:hiddenLine xmlns="" xmlns:a14="http://schemas.microsoft.com/office/drawing/2010/main" w="9525">
                     <a:solidFill>
                       <a:srgbClr val="000000"/>
                     </a:solidFill>
@@ -9897,7 +9797,7 @@
               </a:ln>
               <a:extLst>
                 <a:ext uri="{91240B29-F687-4f45-9708-019B960494DF}">
-                  <a14:hiddenLine xmlns:a14="http://schemas.microsoft.com/office/drawing/2010/main" xmlns="" w="9525">
+                  <a14:hiddenLine xmlns="" xmlns:a14="http://schemas.microsoft.com/office/drawing/2010/main" w="9525">
                     <a:solidFill>
                       <a:srgbClr val="000000"/>
                     </a:solidFill>
@@ -9959,7 +9859,7 @@
               </a:ln>
               <a:extLst>
                 <a:ext uri="{91240B29-F687-4f45-9708-019B960494DF}">
-                  <a14:hiddenLine xmlns:a14="http://schemas.microsoft.com/office/drawing/2010/main" xmlns="" w="9525">
+                  <a14:hiddenLine xmlns="" xmlns:a14="http://schemas.microsoft.com/office/drawing/2010/main" w="9525">
                     <a:solidFill>
                       <a:srgbClr val="000000"/>
                     </a:solidFill>
@@ -10049,7 +9949,7 @@
               </a:ln>
               <a:extLst>
                 <a:ext uri="{91240B29-F687-4f45-9708-019B960494DF}">
-                  <a14:hiddenLine xmlns:a14="http://schemas.microsoft.com/office/drawing/2010/main" xmlns="" w="9525">
+                  <a14:hiddenLine xmlns="" xmlns:a14="http://schemas.microsoft.com/office/drawing/2010/main" w="9525">
                     <a:solidFill>
                       <a:srgbClr val="000000"/>
                     </a:solidFill>
@@ -10111,7 +10011,7 @@
               </a:ln>
               <a:extLst>
                 <a:ext uri="{91240B29-F687-4f45-9708-019B960494DF}">
-                  <a14:hiddenLine xmlns:a14="http://schemas.microsoft.com/office/drawing/2010/main" xmlns="" w="9525">
+                  <a14:hiddenLine xmlns="" xmlns:a14="http://schemas.microsoft.com/office/drawing/2010/main" w="9525">
                     <a:solidFill>
                       <a:srgbClr val="000000"/>
                     </a:solidFill>
@@ -10173,7 +10073,7 @@
               </a:ln>
               <a:extLst>
                 <a:ext uri="{91240B29-F687-4f45-9708-019B960494DF}">
-                  <a14:hiddenLine xmlns:a14="http://schemas.microsoft.com/office/drawing/2010/main" xmlns="" w="9525">
+                  <a14:hiddenLine xmlns="" xmlns:a14="http://schemas.microsoft.com/office/drawing/2010/main" w="9525">
                     <a:solidFill>
                       <a:srgbClr val="000000"/>
                     </a:solidFill>
@@ -10263,7 +10163,7 @@
               </a:ln>
               <a:extLst>
                 <a:ext uri="{91240B29-F687-4f45-9708-019B960494DF}">
-                  <a14:hiddenLine xmlns:a14="http://schemas.microsoft.com/office/drawing/2010/main" xmlns="" w="9525">
+                  <a14:hiddenLine xmlns="" xmlns:a14="http://schemas.microsoft.com/office/drawing/2010/main" w="9525">
                     <a:solidFill>
                       <a:srgbClr val="000000"/>
                     </a:solidFill>
@@ -10353,7 +10253,7 @@
               </a:ln>
               <a:extLst>
                 <a:ext uri="{91240B29-F687-4f45-9708-019B960494DF}">
-                  <a14:hiddenLine xmlns:a14="http://schemas.microsoft.com/office/drawing/2010/main" xmlns="" w="9525">
+                  <a14:hiddenLine xmlns="" xmlns:a14="http://schemas.microsoft.com/office/drawing/2010/main" w="9525">
                     <a:solidFill>
                       <a:srgbClr val="000000"/>
                     </a:solidFill>
@@ -10415,7 +10315,7 @@
               </a:ln>
               <a:extLst>
                 <a:ext uri="{91240B29-F687-4f45-9708-019B960494DF}">
-                  <a14:hiddenLine xmlns:a14="http://schemas.microsoft.com/office/drawing/2010/main" xmlns="" w="9525">
+                  <a14:hiddenLine xmlns="" xmlns:a14="http://schemas.microsoft.com/office/drawing/2010/main" w="9525">
                     <a:solidFill>
                       <a:srgbClr val="000000"/>
                     </a:solidFill>
@@ -10525,7 +10425,7 @@
               </a:ln>
               <a:extLst>
                 <a:ext uri="{91240B29-F687-4f45-9708-019B960494DF}">
-                  <a14:hiddenLine xmlns:a14="http://schemas.microsoft.com/office/drawing/2010/main" xmlns="" w="9525">
+                  <a14:hiddenLine xmlns="" xmlns:a14="http://schemas.microsoft.com/office/drawing/2010/main" w="9525">
                     <a:solidFill>
                       <a:srgbClr val="000000"/>
                     </a:solidFill>
@@ -10609,7 +10509,7 @@
               </a:ln>
               <a:extLst>
                 <a:ext uri="{91240B29-F687-4f45-9708-019B960494DF}">
-                  <a14:hiddenLine xmlns:a14="http://schemas.microsoft.com/office/drawing/2010/main" xmlns="" w="9525">
+                  <a14:hiddenLine xmlns="" xmlns:a14="http://schemas.microsoft.com/office/drawing/2010/main" w="9525">
                     <a:solidFill>
                       <a:srgbClr val="000000"/>
                     </a:solidFill>
@@ -10671,7 +10571,7 @@
               </a:ln>
               <a:extLst>
                 <a:ext uri="{91240B29-F687-4f45-9708-019B960494DF}">
-                  <a14:hiddenLine xmlns:a14="http://schemas.microsoft.com/office/drawing/2010/main" xmlns="" w="9525">
+                  <a14:hiddenLine xmlns="" xmlns:a14="http://schemas.microsoft.com/office/drawing/2010/main" w="9525">
                     <a:solidFill>
                       <a:srgbClr val="000000"/>
                     </a:solidFill>
@@ -10733,7 +10633,7 @@
               </a:ln>
               <a:extLst>
                 <a:ext uri="{91240B29-F687-4f45-9708-019B960494DF}">
-                  <a14:hiddenLine xmlns:a14="http://schemas.microsoft.com/office/drawing/2010/main" xmlns="" w="9525">
+                  <a14:hiddenLine xmlns="" xmlns:a14="http://schemas.microsoft.com/office/drawing/2010/main" w="9525">
                     <a:solidFill>
                       <a:srgbClr val="000000"/>
                     </a:solidFill>
@@ -10823,7 +10723,7 @@
               </a:ln>
               <a:extLst>
                 <a:ext uri="{91240B29-F687-4f45-9708-019B960494DF}">
-                  <a14:hiddenLine xmlns:a14="http://schemas.microsoft.com/office/drawing/2010/main" xmlns="" w="9525">
+                  <a14:hiddenLine xmlns="" xmlns:a14="http://schemas.microsoft.com/office/drawing/2010/main" w="9525">
                     <a:solidFill>
                       <a:srgbClr val="000000"/>
                     </a:solidFill>
@@ -10857,7 +10757,7 @@
               </a:ln>
               <a:extLst>
                 <a:ext uri="{91240B29-F687-4f45-9708-019B960494DF}">
-                  <a14:hiddenLine xmlns:a14="http://schemas.microsoft.com/office/drawing/2010/main" xmlns="" w="9525">
+                  <a14:hiddenLine xmlns="" xmlns:a14="http://schemas.microsoft.com/office/drawing/2010/main" w="9525">
                     <a:solidFill>
                       <a:srgbClr val="000000"/>
                     </a:solidFill>
@@ -10922,7 +10822,7 @@
               </a:ln>
               <a:extLst>
                 <a:ext uri="{91240B29-F687-4f45-9708-019B960494DF}">
-                  <a14:hiddenLine xmlns:a14="http://schemas.microsoft.com/office/drawing/2010/main" xmlns="" w="9525">
+                  <a14:hiddenLine xmlns="" xmlns:a14="http://schemas.microsoft.com/office/drawing/2010/main" w="9525">
                     <a:solidFill>
                       <a:srgbClr val="000000"/>
                     </a:solidFill>
@@ -11012,7 +10912,7 @@
               </a:ln>
               <a:extLst>
                 <a:ext uri="{91240B29-F687-4f45-9708-019B960494DF}">
-                  <a14:hiddenLine xmlns:a14="http://schemas.microsoft.com/office/drawing/2010/main" xmlns="" w="9525">
+                  <a14:hiddenLine xmlns="" xmlns:a14="http://schemas.microsoft.com/office/drawing/2010/main" w="9525">
                     <a:solidFill>
                       <a:srgbClr val="000000"/>
                     </a:solidFill>
@@ -11074,7 +10974,7 @@
               </a:ln>
               <a:extLst>
                 <a:ext uri="{91240B29-F687-4f45-9708-019B960494DF}">
-                  <a14:hiddenLine xmlns:a14="http://schemas.microsoft.com/office/drawing/2010/main" xmlns="" w="9525">
+                  <a14:hiddenLine xmlns="" xmlns:a14="http://schemas.microsoft.com/office/drawing/2010/main" w="9525">
                     <a:solidFill>
                       <a:srgbClr val="000000"/>
                     </a:solidFill>
@@ -11164,7 +11064,7 @@
               </a:ln>
               <a:extLst>
                 <a:ext uri="{91240B29-F687-4f45-9708-019B960494DF}">
-                  <a14:hiddenLine xmlns:a14="http://schemas.microsoft.com/office/drawing/2010/main" xmlns="" w="9525">
+                  <a14:hiddenLine xmlns="" xmlns:a14="http://schemas.microsoft.com/office/drawing/2010/main" w="9525">
                     <a:solidFill>
                       <a:srgbClr val="000000"/>
                     </a:solidFill>
@@ -11229,7 +11129,7 @@
               </a:ln>
               <a:extLst>
                 <a:ext uri="{91240B29-F687-4f45-9708-019B960494DF}">
-                  <a14:hiddenLine xmlns:a14="http://schemas.microsoft.com/office/drawing/2010/main" xmlns="" w="9525">
+                  <a14:hiddenLine xmlns="" xmlns:a14="http://schemas.microsoft.com/office/drawing/2010/main" w="9525">
                     <a:solidFill>
                       <a:srgbClr val="000000"/>
                     </a:solidFill>
@@ -11291,7 +11191,7 @@
               </a:ln>
               <a:extLst>
                 <a:ext uri="{91240B29-F687-4f45-9708-019B960494DF}">
-                  <a14:hiddenLine xmlns:a14="http://schemas.microsoft.com/office/drawing/2010/main" xmlns="" w="9525">
+                  <a14:hiddenLine xmlns="" xmlns:a14="http://schemas.microsoft.com/office/drawing/2010/main" w="9525">
                     <a:solidFill>
                       <a:srgbClr val="000000"/>
                     </a:solidFill>
@@ -11381,7 +11281,7 @@
               </a:ln>
               <a:extLst>
                 <a:ext uri="{91240B29-F687-4f45-9708-019B960494DF}">
-                  <a14:hiddenLine xmlns:a14="http://schemas.microsoft.com/office/drawing/2010/main" xmlns="" w="9525">
+                  <a14:hiddenLine xmlns="" xmlns:a14="http://schemas.microsoft.com/office/drawing/2010/main" w="9525">
                     <a:solidFill>
                       <a:srgbClr val="000000"/>
                     </a:solidFill>
@@ -11471,7 +11371,7 @@
               </a:ln>
               <a:extLst>
                 <a:ext uri="{91240B29-F687-4f45-9708-019B960494DF}">
-                  <a14:hiddenLine xmlns:a14="http://schemas.microsoft.com/office/drawing/2010/main" xmlns="" w="9525">
+                  <a14:hiddenLine xmlns="" xmlns:a14="http://schemas.microsoft.com/office/drawing/2010/main" w="9525">
                     <a:solidFill>
                       <a:srgbClr val="000000"/>
                     </a:solidFill>
@@ -11536,7 +11436,7 @@
               </a:ln>
               <a:extLst>
                 <a:ext uri="{91240B29-F687-4f45-9708-019B960494DF}">
-                  <a14:hiddenLine xmlns:a14="http://schemas.microsoft.com/office/drawing/2010/main" xmlns="" w="9525">
+                  <a14:hiddenLine xmlns="" xmlns:a14="http://schemas.microsoft.com/office/drawing/2010/main" w="9525">
                     <a:solidFill>
                       <a:srgbClr val="000000"/>
                     </a:solidFill>
@@ -11656,7 +11556,7 @@
               </a:ln>
               <a:extLst>
                 <a:ext uri="{91240B29-F687-4f45-9708-019B960494DF}">
-                  <a14:hiddenLine xmlns:a14="http://schemas.microsoft.com/office/drawing/2010/main" xmlns="" w="9525">
+                  <a14:hiddenLine xmlns="" xmlns:a14="http://schemas.microsoft.com/office/drawing/2010/main" w="9525">
                     <a:solidFill>
                       <a:srgbClr val="000000"/>
                     </a:solidFill>
@@ -11737,7 +11637,7 @@
               </a:ln>
               <a:extLst>
                 <a:ext uri="{91240B29-F687-4f45-9708-019B960494DF}">
-                  <a14:hiddenLine xmlns:a14="http://schemas.microsoft.com/office/drawing/2010/main" xmlns="" w="9525">
+                  <a14:hiddenLine xmlns="" xmlns:a14="http://schemas.microsoft.com/office/drawing/2010/main" w="9525">
                     <a:solidFill>
                       <a:srgbClr val="000000"/>
                     </a:solidFill>
@@ -11852,7 +11752,7 @@
               </a:ln>
               <a:extLst>
                 <a:ext uri="{91240B29-F687-4f45-9708-019B960494DF}">
-                  <a14:hiddenLine xmlns:a14="http://schemas.microsoft.com/office/drawing/2010/main" xmlns="" w="9525">
+                  <a14:hiddenLine xmlns="" xmlns:a14="http://schemas.microsoft.com/office/drawing/2010/main" w="9525">
                     <a:solidFill>
                       <a:srgbClr val="000000"/>
                     </a:solidFill>
@@ -11942,7 +11842,7 @@
               </a:ln>
               <a:extLst>
                 <a:ext uri="{91240B29-F687-4f45-9708-019B960494DF}">
-                  <a14:hiddenLine xmlns:a14="http://schemas.microsoft.com/office/drawing/2010/main" xmlns="" w="9525">
+                  <a14:hiddenLine xmlns="" xmlns:a14="http://schemas.microsoft.com/office/drawing/2010/main" w="9525">
                     <a:solidFill>
                       <a:srgbClr val="000000"/>
                     </a:solidFill>
@@ -12007,7 +11907,7 @@
               </a:ln>
               <a:extLst>
                 <a:ext uri="{91240B29-F687-4f45-9708-019B960494DF}">
-                  <a14:hiddenLine xmlns:a14="http://schemas.microsoft.com/office/drawing/2010/main" xmlns="" w="9525">
+                  <a14:hiddenLine xmlns="" xmlns:a14="http://schemas.microsoft.com/office/drawing/2010/main" w="9525">
                     <a:solidFill>
                       <a:srgbClr val="000000"/>
                     </a:solidFill>
@@ -12097,7 +11997,7 @@
               </a:ln>
               <a:extLst>
                 <a:ext uri="{91240B29-F687-4f45-9708-019B960494DF}">
-                  <a14:hiddenLine xmlns:a14="http://schemas.microsoft.com/office/drawing/2010/main" xmlns="" w="9525">
+                  <a14:hiddenLine xmlns="" xmlns:a14="http://schemas.microsoft.com/office/drawing/2010/main" w="9525">
                     <a:solidFill>
                       <a:srgbClr val="000000"/>
                     </a:solidFill>
@@ -12165,7 +12065,7 @@
               </a:ln>
               <a:extLst>
                 <a:ext uri="{91240B29-F687-4f45-9708-019B960494DF}">
-                  <a14:hiddenLine xmlns:a14="http://schemas.microsoft.com/office/drawing/2010/main" xmlns="" w="9525">
+                  <a14:hiddenLine xmlns="" xmlns:a14="http://schemas.microsoft.com/office/drawing/2010/main" w="9525">
                     <a:solidFill>
                       <a:srgbClr val="000000"/>
                     </a:solidFill>
@@ -12255,7 +12155,7 @@
               </a:ln>
               <a:extLst>
                 <a:ext uri="{91240B29-F687-4f45-9708-019B960494DF}">
-                  <a14:hiddenLine xmlns:a14="http://schemas.microsoft.com/office/drawing/2010/main" xmlns="" w="9525">
+                  <a14:hiddenLine xmlns="" xmlns:a14="http://schemas.microsoft.com/office/drawing/2010/main" w="9525">
                     <a:solidFill>
                       <a:srgbClr val="000000"/>
                     </a:solidFill>
@@ -12323,7 +12223,7 @@
               </a:ln>
               <a:extLst>
                 <a:ext uri="{91240B29-F687-4f45-9708-019B960494DF}">
-                  <a14:hiddenLine xmlns:a14="http://schemas.microsoft.com/office/drawing/2010/main" xmlns="" w="9525">
+                  <a14:hiddenLine xmlns="" xmlns:a14="http://schemas.microsoft.com/office/drawing/2010/main" w="9525">
                     <a:solidFill>
                       <a:srgbClr val="000000"/>
                     </a:solidFill>
@@ -12413,7 +12313,7 @@
               </a:ln>
               <a:extLst>
                 <a:ext uri="{91240B29-F687-4f45-9708-019B960494DF}">
-                  <a14:hiddenLine xmlns:a14="http://schemas.microsoft.com/office/drawing/2010/main" xmlns="" w="9525">
+                  <a14:hiddenLine xmlns="" xmlns:a14="http://schemas.microsoft.com/office/drawing/2010/main" w="9525">
                     <a:solidFill>
                       <a:srgbClr val="000000"/>
                     </a:solidFill>
@@ -12447,7 +12347,7 @@
               </a:ln>
               <a:extLst>
                 <a:ext uri="{91240B29-F687-4f45-9708-019B960494DF}">
-                  <a14:hiddenLine xmlns:a14="http://schemas.microsoft.com/office/drawing/2010/main" xmlns="" w="9525">
+                  <a14:hiddenLine xmlns="" xmlns:a14="http://schemas.microsoft.com/office/drawing/2010/main" w="9525">
                     <a:solidFill>
                       <a:srgbClr val="000000"/>
                     </a:solidFill>
@@ -12587,7 +12487,7 @@
           <a:p>
             <a:fld id="{EC4347D3-4C9A-C240-8F14-750059DFEEB0}" type="datetimeFigureOut">
               <a:rPr lang="en-US" smtClean="0"/>
-              <a:t>8/27/24</a:t>
+              <a:t>1/6/25</a:t>
             </a:fld>
             <a:endParaRPr lang="en-US"/>
           </a:p>
@@ -13036,7 +12936,15 @@
             <a:pPr algn="ctr"/>
             <a:r>
               <a:rPr lang="en-US" dirty="0"/>
-              <a:t>CS3120 (DMT2)</a:t>
+              <a:t>CS4501: Adv. </a:t>
+            </a:r>
+            <a:r>
+              <a:rPr lang="en-US" dirty="0" err="1"/>
+              <a:t>Algo</a:t>
+            </a:r>
+            <a:r>
+              <a:rPr lang="en-US" dirty="0"/>
+              <a:t>.</a:t>
             </a:r>
             <a:br>
               <a:rPr lang="en-US" dirty="0"/>
@@ -13072,7 +12980,7 @@
             <a:pPr algn="ctr"/>
             <a:r>
               <a:rPr lang="en-US" dirty="0"/>
-              <a:t>Discrete Mathematics and Theory 2</a:t>
+              <a:t>Advanced Algorithms and Implementations</a:t>
             </a:r>
             <a:br>
               <a:rPr lang="en-US" dirty="0"/>
@@ -13123,209 +13031,12 @@
       </p:grpSpPr>
       <p:sp>
         <p:nvSpPr>
-          <p:cNvPr id="9218" name="Rectangle 2"/>
-          <p:cNvSpPr>
-            <a:spLocks noGrp="1" noChangeArrowheads="1"/>
-          </p:cNvSpPr>
-          <p:nvPr>
-            <p:ph type="title"/>
-            <p:custDataLst>
-              <p:tags r:id="rId1"/>
-            </p:custDataLst>
-          </p:nvPr>
-        </p:nvSpPr>
-        <p:spPr>
-          <a:xfrm>
-            <a:off x="1141413" y="381849"/>
-            <a:ext cx="9905998" cy="812249"/>
-          </a:xfrm>
-        </p:spPr>
-        <p:txBody>
-          <a:bodyPr/>
-          <a:lstStyle/>
-          <a:p>
-            <a:pPr algn="ctr"/>
-            <a:r>
-              <a:rPr lang="en-US" dirty="0"/>
-              <a:t>Expectations</a:t>
-            </a:r>
-          </a:p>
-        </p:txBody>
-      </p:sp>
-      <p:sp>
-        <p:nvSpPr>
-          <p:cNvPr id="307203" name="Rectangle 3"/>
-          <p:cNvSpPr>
-            <a:spLocks noGrp="1" noChangeArrowheads="1"/>
-          </p:cNvSpPr>
-          <p:nvPr>
-            <p:ph idx="1"/>
-            <p:custDataLst>
-              <p:tags r:id="rId2"/>
-            </p:custDataLst>
-          </p:nvPr>
-        </p:nvSpPr>
-        <p:spPr>
-          <a:xfrm>
-            <a:off x="1752600" y="1473798"/>
-            <a:ext cx="8817539" cy="4800167"/>
-          </a:xfrm>
-        </p:spPr>
-        <p:txBody>
-          <a:bodyPr>
-            <a:normAutofit/>
-          </a:bodyPr>
-          <a:lstStyle/>
-          <a:p>
-            <a:pPr>
-              <a:lnSpc>
-                <a:spcPct val="90000"/>
-              </a:lnSpc>
-            </a:pPr>
-            <a:r>
-              <a:rPr lang="en-US" dirty="0"/>
-              <a:t>Of you:</a:t>
-            </a:r>
-          </a:p>
-          <a:p>
-            <a:pPr lvl="1">
-              <a:lnSpc>
-                <a:spcPct val="90000"/>
-              </a:lnSpc>
-            </a:pPr>
-            <a:r>
-              <a:rPr lang="en-US" dirty="0"/>
-              <a:t>When asked, prepare for things in advance</a:t>
-            </a:r>
-          </a:p>
-          <a:p>
-            <a:pPr lvl="1">
-              <a:lnSpc>
-                <a:spcPct val="90000"/>
-              </a:lnSpc>
-            </a:pPr>
-            <a:r>
-              <a:rPr lang="en-US" dirty="0"/>
-              <a:t>Participate in class activities when asked</a:t>
-            </a:r>
-          </a:p>
-          <a:p>
-            <a:pPr lvl="1">
-              <a:lnSpc>
-                <a:spcPct val="90000"/>
-              </a:lnSpc>
-            </a:pPr>
-            <a:r>
-              <a:rPr lang="en-US" dirty="0"/>
-              <a:t>Act mature, professional.</a:t>
-            </a:r>
-          </a:p>
-          <a:p>
-            <a:pPr lvl="1">
-              <a:lnSpc>
-                <a:spcPct val="90000"/>
-              </a:lnSpc>
-            </a:pPr>
-            <a:r>
-              <a:rPr lang="en-US" dirty="0"/>
-              <a:t>Please do not use a laptop in class</a:t>
-            </a:r>
-          </a:p>
-          <a:p>
-            <a:pPr lvl="1">
-              <a:lnSpc>
-                <a:spcPct val="90000"/>
-              </a:lnSpc>
-            </a:pPr>
-            <a:r>
-              <a:rPr lang="en-US" dirty="0"/>
-              <a:t>Plan ahead.</a:t>
-            </a:r>
-          </a:p>
-          <a:p>
-            <a:pPr lvl="1">
-              <a:lnSpc>
-                <a:spcPct val="90000"/>
-              </a:lnSpc>
-            </a:pPr>
-            <a:r>
-              <a:rPr lang="en-US" dirty="0"/>
-              <a:t>Don’t take advantage.  Follow the Honor Code. (See the BOCM.)</a:t>
-            </a:r>
-          </a:p>
-          <a:p>
-            <a:pPr>
-              <a:lnSpc>
-                <a:spcPct val="90000"/>
-              </a:lnSpc>
-            </a:pPr>
-            <a:endParaRPr lang="en-US" dirty="0"/>
-          </a:p>
-          <a:p>
-            <a:pPr>
-              <a:lnSpc>
-                <a:spcPct val="90000"/>
-              </a:lnSpc>
-            </a:pPr>
-            <a:r>
-              <a:rPr lang="en-US" dirty="0"/>
-              <a:t>Of me:</a:t>
-            </a:r>
-          </a:p>
-          <a:p>
-            <a:pPr lvl="1">
-              <a:lnSpc>
-                <a:spcPct val="90000"/>
-              </a:lnSpc>
-            </a:pPr>
-            <a:r>
-              <a:rPr lang="en-US" dirty="0"/>
-              <a:t>Be fair, open, and considerate.</a:t>
-            </a:r>
-          </a:p>
-          <a:p>
-            <a:pPr lvl="1">
-              <a:lnSpc>
-                <a:spcPct val="90000"/>
-              </a:lnSpc>
-            </a:pPr>
-            <a:r>
-              <a:rPr lang="en-US" dirty="0"/>
-              <a:t>Seek and listen to your feedback.</a:t>
-            </a:r>
-          </a:p>
-          <a:p>
-            <a:pPr lvl="1">
-              <a:lnSpc>
-                <a:spcPct val="90000"/>
-              </a:lnSpc>
-            </a:pPr>
-            <a:r>
-              <a:rPr lang="en-US" dirty="0"/>
-              <a:t>Not to waste your time.</a:t>
-            </a:r>
-          </a:p>
-          <a:p>
-            <a:pPr lvl="1">
-              <a:lnSpc>
-                <a:spcPct val="90000"/>
-              </a:lnSpc>
-            </a:pPr>
-            <a:r>
-              <a:rPr lang="en-US" dirty="0"/>
-              <a:t>Be effective in letting you know how you’re doing</a:t>
-            </a:r>
-          </a:p>
-        </p:txBody>
-      </p:sp>
-      <p:sp>
-        <p:nvSpPr>
-          <p:cNvPr id="4" name="Slide Number Placeholder 3"/>
+          <p:cNvPr id="5" name="Title 4"/>
           <p:cNvSpPr>
             <a:spLocks noGrp="1"/>
           </p:cNvSpPr>
           <p:nvPr>
-            <p:ph type="sldNum" sz="quarter" idx="12"/>
+            <p:ph type="title"/>
           </p:nvPr>
         </p:nvSpPr>
         <p:spPr/>
@@ -13333,11 +13044,28 @@
           <a:bodyPr/>
           <a:lstStyle/>
           <a:p>
-            <a:fld id="{F26D9103-0C5C-48AC-B68E-3ED2C1647047}" type="slidenum">
-              <a:rPr lang="en-US" smtClean="0"/>
-              <a:pPr/>
-              <a:t>10</a:t>
-            </a:fld>
+            <a:r>
+              <a:rPr lang="en-US" dirty="0"/>
+              <a:t>General Expectations</a:t>
+            </a:r>
+          </a:p>
+        </p:txBody>
+      </p:sp>
+      <p:sp>
+        <p:nvSpPr>
+          <p:cNvPr id="6" name="Text Placeholder 5"/>
+          <p:cNvSpPr>
+            <a:spLocks noGrp="1"/>
+          </p:cNvSpPr>
+          <p:nvPr>
+            <p:ph type="body" idx="1"/>
+          </p:nvPr>
+        </p:nvSpPr>
+        <p:spPr/>
+        <p:txBody>
+          <a:bodyPr/>
+          <a:lstStyle/>
+          <a:p>
             <a:endParaRPr lang="en-US"/>
           </a:p>
         </p:txBody>
@@ -13345,216 +13073,13 @@
     </p:spTree>
     <p:extLst>
       <p:ext uri="{BB962C8B-B14F-4D97-AF65-F5344CB8AC3E}">
-        <p14:creationId xmlns:p14="http://schemas.microsoft.com/office/powerpoint/2010/main" val="16133454"/>
+        <p14:creationId xmlns:p14="http://schemas.microsoft.com/office/powerpoint/2010/main" val="1307176310"/>
       </p:ext>
     </p:extLst>
   </p:cSld>
   <p:clrMapOvr>
     <a:masterClrMapping/>
   </p:clrMapOvr>
-  <p:timing>
-    <p:tnLst>
-      <p:par>
-        <p:cTn id="1" dur="indefinite" restart="never" nodeType="tmRoot">
-          <p:childTnLst>
-            <p:seq concurrent="1" nextAc="seek">
-              <p:cTn id="2" dur="indefinite" nodeType="mainSeq">
-                <p:childTnLst>
-                  <p:par>
-                    <p:cTn id="3" fill="hold">
-                      <p:stCondLst>
-                        <p:cond delay="indefinite"/>
-                      </p:stCondLst>
-                      <p:childTnLst>
-                        <p:par>
-                          <p:cTn id="4" fill="hold">
-                            <p:stCondLst>
-                              <p:cond delay="0"/>
-                            </p:stCondLst>
-                            <p:childTnLst>
-                              <p:par>
-                                <p:cTn id="5" presetID="1" presetClass="entr" presetSubtype="0" fill="hold" nodeType="clickEffect">
-                                  <p:stCondLst>
-                                    <p:cond delay="0"/>
-                                  </p:stCondLst>
-                                  <p:childTnLst>
-                                    <p:set>
-                                      <p:cBhvr>
-                                        <p:cTn id="6" dur="1" fill="hold">
-                                          <p:stCondLst>
-                                            <p:cond delay="0"/>
-                                          </p:stCondLst>
-                                        </p:cTn>
-                                        <p:tgtEl>
-                                          <p:spTgt spid="307203">
-                                            <p:txEl>
-                                              <p:pRg st="8" end="8"/>
-                                            </p:txEl>
-                                          </p:spTgt>
-                                        </p:tgtEl>
-                                        <p:attrNameLst>
-                                          <p:attrName>style.visibility</p:attrName>
-                                        </p:attrNameLst>
-                                      </p:cBhvr>
-                                      <p:to>
-                                        <p:strVal val="visible"/>
-                                      </p:to>
-                                    </p:set>
-                                  </p:childTnLst>
-                                </p:cTn>
-                              </p:par>
-                              <p:par>
-                                <p:cTn id="7" presetID="1" presetClass="entr" presetSubtype="0" fill="hold" nodeType="withEffect">
-                                  <p:stCondLst>
-                                    <p:cond delay="0"/>
-                                  </p:stCondLst>
-                                  <p:childTnLst>
-                                    <p:set>
-                                      <p:cBhvr>
-                                        <p:cTn id="8" dur="1" fill="hold">
-                                          <p:stCondLst>
-                                            <p:cond delay="0"/>
-                                          </p:stCondLst>
-                                        </p:cTn>
-                                        <p:tgtEl>
-                                          <p:spTgt spid="307203">
-                                            <p:txEl>
-                                              <p:pRg st="9" end="9"/>
-                                            </p:txEl>
-                                          </p:spTgt>
-                                        </p:tgtEl>
-                                        <p:attrNameLst>
-                                          <p:attrName>style.visibility</p:attrName>
-                                        </p:attrNameLst>
-                                      </p:cBhvr>
-                                      <p:to>
-                                        <p:strVal val="visible"/>
-                                      </p:to>
-                                    </p:set>
-                                  </p:childTnLst>
-                                </p:cTn>
-                              </p:par>
-                              <p:par>
-                                <p:cTn id="9" presetID="1" presetClass="entr" presetSubtype="0" fill="hold" nodeType="withEffect">
-                                  <p:stCondLst>
-                                    <p:cond delay="0"/>
-                                  </p:stCondLst>
-                                  <p:childTnLst>
-                                    <p:set>
-                                      <p:cBhvr>
-                                        <p:cTn id="10" dur="1" fill="hold">
-                                          <p:stCondLst>
-                                            <p:cond delay="0"/>
-                                          </p:stCondLst>
-                                        </p:cTn>
-                                        <p:tgtEl>
-                                          <p:spTgt spid="307203">
-                                            <p:txEl>
-                                              <p:pRg st="10" end="10"/>
-                                            </p:txEl>
-                                          </p:spTgt>
-                                        </p:tgtEl>
-                                        <p:attrNameLst>
-                                          <p:attrName>style.visibility</p:attrName>
-                                        </p:attrNameLst>
-                                      </p:cBhvr>
-                                      <p:to>
-                                        <p:strVal val="visible"/>
-                                      </p:to>
-                                    </p:set>
-                                  </p:childTnLst>
-                                </p:cTn>
-                              </p:par>
-                              <p:par>
-                                <p:cTn id="11" presetID="1" presetClass="entr" presetSubtype="0" fill="hold" nodeType="withEffect">
-                                  <p:stCondLst>
-                                    <p:cond delay="0"/>
-                                  </p:stCondLst>
-                                  <p:childTnLst>
-                                    <p:set>
-                                      <p:cBhvr>
-                                        <p:cTn id="12" dur="1" fill="hold">
-                                          <p:stCondLst>
-                                            <p:cond delay="0"/>
-                                          </p:stCondLst>
-                                        </p:cTn>
-                                        <p:tgtEl>
-                                          <p:spTgt spid="307203">
-                                            <p:txEl>
-                                              <p:pRg st="11" end="11"/>
-                                            </p:txEl>
-                                          </p:spTgt>
-                                        </p:tgtEl>
-                                        <p:attrNameLst>
-                                          <p:attrName>style.visibility</p:attrName>
-                                        </p:attrNameLst>
-                                      </p:cBhvr>
-                                      <p:to>
-                                        <p:strVal val="visible"/>
-                                      </p:to>
-                                    </p:set>
-                                  </p:childTnLst>
-                                </p:cTn>
-                              </p:par>
-                              <p:par>
-                                <p:cTn id="13" presetID="1" presetClass="entr" presetSubtype="0" fill="hold" nodeType="withEffect">
-                                  <p:stCondLst>
-                                    <p:cond delay="0"/>
-                                  </p:stCondLst>
-                                  <p:childTnLst>
-                                    <p:set>
-                                      <p:cBhvr>
-                                        <p:cTn id="14" dur="1" fill="hold">
-                                          <p:stCondLst>
-                                            <p:cond delay="0"/>
-                                          </p:stCondLst>
-                                        </p:cTn>
-                                        <p:tgtEl>
-                                          <p:spTgt spid="307203">
-                                            <p:txEl>
-                                              <p:pRg st="12" end="12"/>
-                                            </p:txEl>
-                                          </p:spTgt>
-                                        </p:tgtEl>
-                                        <p:attrNameLst>
-                                          <p:attrName>style.visibility</p:attrName>
-                                        </p:attrNameLst>
-                                      </p:cBhvr>
-                                      <p:to>
-                                        <p:strVal val="visible"/>
-                                      </p:to>
-                                    </p:set>
-                                  </p:childTnLst>
-                                </p:cTn>
-                              </p:par>
-                            </p:childTnLst>
-                          </p:cTn>
-                        </p:par>
-                      </p:childTnLst>
-                    </p:cTn>
-                  </p:par>
-                </p:childTnLst>
-              </p:cTn>
-              <p:prevCondLst>
-                <p:cond evt="onPrev" delay="0">
-                  <p:tgtEl>
-                    <p:sldTgt/>
-                  </p:tgtEl>
-                </p:cond>
-              </p:prevCondLst>
-              <p:nextCondLst>
-                <p:cond evt="onNext" delay="0">
-                  <p:tgtEl>
-                    <p:sldTgt/>
-                  </p:tgtEl>
-                </p:cond>
-              </p:nextCondLst>
-            </p:seq>
-          </p:childTnLst>
-        </p:cTn>
-      </p:par>
-    </p:tnLst>
-  </p:timing>
 </p:sld>
 </file>
 
@@ -13577,7 +13102,7 @@
       </p:grpSpPr>
       <p:sp>
         <p:nvSpPr>
-          <p:cNvPr id="7170" name="Rectangle 2"/>
+          <p:cNvPr id="9218" name="Rectangle 2"/>
           <p:cNvSpPr>
             <a:spLocks noGrp="1" noChangeArrowheads="1"/>
           </p:cNvSpPr>
@@ -13590,8 +13115,8 @@
         </p:nvSpPr>
         <p:spPr>
           <a:xfrm>
-            <a:off x="1141413" y="338818"/>
-            <a:ext cx="9905998" cy="855280"/>
+            <a:off x="1141413" y="144105"/>
+            <a:ext cx="9905998" cy="812249"/>
           </a:xfrm>
         </p:spPr>
         <p:txBody>
@@ -13601,14 +13126,14 @@
             <a:pPr algn="ctr"/>
             <a:r>
               <a:rPr lang="en-US" dirty="0"/>
-              <a:t>General Info</a:t>
+              <a:t>Expectations</a:t>
             </a:r>
           </a:p>
         </p:txBody>
       </p:sp>
       <p:sp>
         <p:nvSpPr>
-          <p:cNvPr id="7171" name="Rectangle 3"/>
+          <p:cNvPr id="307203" name="Rectangle 3"/>
           <p:cNvSpPr>
             <a:spLocks noGrp="1" noChangeArrowheads="1"/>
           </p:cNvSpPr>
@@ -13621,95 +13146,1155 @@
         </p:nvSpPr>
         <p:spPr>
           <a:xfrm>
-            <a:off x="1828800" y="1567652"/>
-            <a:ext cx="8741339" cy="4482292"/>
+            <a:off x="1024128" y="956354"/>
+            <a:ext cx="10023283" cy="771862"/>
           </a:xfrm>
         </p:spPr>
         <p:txBody>
-          <a:bodyPr/>
+          <a:bodyPr>
+            <a:normAutofit/>
+          </a:bodyPr>
           <a:lstStyle/>
           <a:p>
+            <a:pPr marL="0" indent="0" algn="ctr">
+              <a:lnSpc>
+                <a:spcPct val="90000"/>
+              </a:lnSpc>
+              <a:buNone/>
+            </a:pPr>
             <a:r>
               <a:rPr lang="en-US" dirty="0"/>
-              <a:t>Textbook:</a:t>
-            </a:r>
-          </a:p>
-          <a:p>
-            <a:pPr lvl="1"/>
-            <a:r>
-              <a:rPr lang="en-US" dirty="0"/>
-              <a:t>Introduction to the Theory of Computation, 2</a:t>
-            </a:r>
-            <a:r>
-              <a:rPr lang="en-US" baseline="30000" dirty="0"/>
-              <a:t>nd</a:t>
-            </a:r>
-            <a:r>
-              <a:rPr lang="en-US" dirty="0"/>
-              <a:t> edition, by Michael </a:t>
-            </a:r>
-            <a:r>
-              <a:rPr lang="en-US" dirty="0" err="1"/>
-              <a:t>Sipser</a:t>
-            </a:r>
-            <a:endParaRPr lang="en-US" dirty="0"/>
-          </a:p>
-          <a:p>
-            <a:r>
-              <a:rPr lang="en-US" dirty="0"/>
-              <a:t>Other references:</a:t>
-            </a:r>
-          </a:p>
-          <a:p>
-            <a:pPr lvl="1"/>
-            <a:r>
-              <a:rPr lang="en-US" dirty="0"/>
-              <a:t>Your DMT 1 course materials if you need them, but we will review proof techniques early in the semester.</a:t>
-            </a:r>
-          </a:p>
-          <a:p>
-            <a:r>
-              <a:rPr lang="en-US" dirty="0"/>
-              <a:t>Other readings may be assigned</a:t>
-            </a:r>
-          </a:p>
-          <a:p>
-            <a:pPr lvl="1"/>
-            <a:r>
-              <a:rPr lang="en-US" dirty="0"/>
-              <a:t>We’ll see…</a:t>
+              <a:t>I view a course as a social contract between you and me. Here is how I view the contract for this particular course:</a:t>
             </a:r>
           </a:p>
         </p:txBody>
       </p:sp>
       <p:sp>
         <p:nvSpPr>
-          <p:cNvPr id="4" name="Slide Number Placeholder 3"/>
-          <p:cNvSpPr>
-            <a:spLocks noGrp="1"/>
+          <p:cNvPr id="5" name="Rectangle 3">
+            <a:extLst>
+              <a:ext uri="{FF2B5EF4-FFF2-40B4-BE49-F238E27FC236}">
+                <a16:creationId xmlns:a16="http://schemas.microsoft.com/office/drawing/2014/main" id="{1B2BE347-F728-3646-B944-4FBEF0ADE5DB}"/>
+              </a:ext>
+            </a:extLst>
+          </p:cNvPr>
+          <p:cNvSpPr txBox="1">
+            <a:spLocks noChangeArrowheads="1"/>
           </p:cNvSpPr>
           <p:nvPr>
-            <p:ph type="sldNum" sz="quarter" idx="12"/>
+            <p:custDataLst>
+              <p:tags r:id="rId3"/>
+            </p:custDataLst>
           </p:nvPr>
         </p:nvSpPr>
-        <p:spPr/>
+        <p:spPr>
+          <a:xfrm>
+            <a:off x="676656" y="2017374"/>
+            <a:ext cx="5074919" cy="451506"/>
+          </a:xfrm>
+          <a:prstGeom prst="rect">
+            <a:avLst/>
+          </a:prstGeom>
+          <a:ln>
+            <a:solidFill>
+              <a:schemeClr val="tx1">
+                <a:lumMod val="95000"/>
+              </a:schemeClr>
+            </a:solidFill>
+          </a:ln>
+        </p:spPr>
         <p:txBody>
-          <a:bodyPr/>
-          <a:lstStyle/>
-          <a:p>
-            <a:fld id="{F26D9103-0C5C-48AC-B68E-3ED2C1647047}" type="slidenum">
-              <a:rPr lang="en-US" smtClean="0"/>
-              <a:pPr/>
-              <a:t>11</a:t>
-            </a:fld>
-            <a:endParaRPr lang="en-US"/>
+          <a:bodyPr vert="horz" lIns="91440" tIns="45720" rIns="91440" bIns="45720" rtlCol="0">
+            <a:normAutofit/>
+          </a:bodyPr>
+          <a:lstStyle>
+            <a:lvl1pPr marL="228600" indent="-228600" algn="l" defTabSz="914400" rtl="0" eaLnBrk="1" latinLnBrk="0" hangingPunct="1">
+              <a:lnSpc>
+                <a:spcPct val="120000"/>
+              </a:lnSpc>
+              <a:spcBef>
+                <a:spcPts val="1000"/>
+              </a:spcBef>
+              <a:buSzPct val="125000"/>
+              <a:buFont typeface="Arial" panose="020B0604020202020204" pitchFamily="34" charset="0"/>
+              <a:buChar char="•"/>
+              <a:defRPr sz="2400" kern="1200">
+                <a:solidFill>
+                  <a:schemeClr val="tx1"/>
+                </a:solidFill>
+                <a:latin typeface="+mn-lt"/>
+                <a:ea typeface="+mn-ea"/>
+                <a:cs typeface="+mn-cs"/>
+              </a:defRPr>
+            </a:lvl1pPr>
+            <a:lvl2pPr marL="685800" indent="-228600" algn="l" defTabSz="914400" rtl="0" eaLnBrk="1" latinLnBrk="0" hangingPunct="1">
+              <a:lnSpc>
+                <a:spcPct val="120000"/>
+              </a:lnSpc>
+              <a:spcBef>
+                <a:spcPts val="500"/>
+              </a:spcBef>
+              <a:buSzPct val="125000"/>
+              <a:buFont typeface="Arial" panose="020B0604020202020204" pitchFamily="34" charset="0"/>
+              <a:buChar char="•"/>
+              <a:defRPr sz="2000" kern="1200">
+                <a:solidFill>
+                  <a:schemeClr val="tx1"/>
+                </a:solidFill>
+                <a:latin typeface="+mn-lt"/>
+                <a:ea typeface="+mn-ea"/>
+                <a:cs typeface="+mn-cs"/>
+              </a:defRPr>
+            </a:lvl2pPr>
+            <a:lvl3pPr marL="1143000" indent="-228600" algn="l" defTabSz="914400" rtl="0" eaLnBrk="1" latinLnBrk="0" hangingPunct="1">
+              <a:lnSpc>
+                <a:spcPct val="120000"/>
+              </a:lnSpc>
+              <a:spcBef>
+                <a:spcPts val="500"/>
+              </a:spcBef>
+              <a:buSzPct val="125000"/>
+              <a:buFont typeface="Arial" panose="020B0604020202020204" pitchFamily="34" charset="0"/>
+              <a:buChar char="•"/>
+              <a:defRPr sz="1800" kern="1200">
+                <a:solidFill>
+                  <a:schemeClr val="tx1"/>
+                </a:solidFill>
+                <a:latin typeface="+mn-lt"/>
+                <a:ea typeface="+mn-ea"/>
+                <a:cs typeface="+mn-cs"/>
+              </a:defRPr>
+            </a:lvl3pPr>
+            <a:lvl4pPr marL="1600200" indent="-228600" algn="l" defTabSz="914400" rtl="0" eaLnBrk="1" latinLnBrk="0" hangingPunct="1">
+              <a:lnSpc>
+                <a:spcPct val="120000"/>
+              </a:lnSpc>
+              <a:spcBef>
+                <a:spcPts val="500"/>
+              </a:spcBef>
+              <a:buSzPct val="125000"/>
+              <a:buFont typeface="Arial" panose="020B0604020202020204" pitchFamily="34" charset="0"/>
+              <a:buChar char="•"/>
+              <a:defRPr sz="1600" kern="1200">
+                <a:solidFill>
+                  <a:schemeClr val="tx1"/>
+                </a:solidFill>
+                <a:latin typeface="+mn-lt"/>
+                <a:ea typeface="+mn-ea"/>
+                <a:cs typeface="+mn-cs"/>
+              </a:defRPr>
+            </a:lvl4pPr>
+            <a:lvl5pPr marL="2057400" indent="-228600" algn="l" defTabSz="914400" rtl="0" eaLnBrk="1" latinLnBrk="0" hangingPunct="1">
+              <a:lnSpc>
+                <a:spcPct val="120000"/>
+              </a:lnSpc>
+              <a:spcBef>
+                <a:spcPts val="500"/>
+              </a:spcBef>
+              <a:buSzPct val="125000"/>
+              <a:buFont typeface="Arial" panose="020B0604020202020204" pitchFamily="34" charset="0"/>
+              <a:buChar char="•"/>
+              <a:defRPr sz="1600" kern="1200">
+                <a:solidFill>
+                  <a:schemeClr val="tx1"/>
+                </a:solidFill>
+                <a:latin typeface="+mn-lt"/>
+                <a:ea typeface="+mn-ea"/>
+                <a:cs typeface="+mn-cs"/>
+              </a:defRPr>
+            </a:lvl5pPr>
+            <a:lvl6pPr marL="2514600" indent="-228600" algn="l" defTabSz="914400" rtl="0" eaLnBrk="1" latinLnBrk="0" hangingPunct="1">
+              <a:lnSpc>
+                <a:spcPct val="120000"/>
+              </a:lnSpc>
+              <a:spcBef>
+                <a:spcPts val="500"/>
+              </a:spcBef>
+              <a:buSzPct val="125000"/>
+              <a:buFont typeface="Arial" panose="020B0604020202020204" pitchFamily="34" charset="0"/>
+              <a:buChar char="•"/>
+              <a:defRPr sz="1400" kern="1200">
+                <a:solidFill>
+                  <a:schemeClr val="tx1"/>
+                </a:solidFill>
+                <a:latin typeface="+mn-lt"/>
+                <a:ea typeface="+mn-ea"/>
+                <a:cs typeface="+mn-cs"/>
+              </a:defRPr>
+            </a:lvl6pPr>
+            <a:lvl7pPr marL="2971800" indent="-228600" algn="l" defTabSz="914400" rtl="0" eaLnBrk="1" latinLnBrk="0" hangingPunct="1">
+              <a:lnSpc>
+                <a:spcPct val="120000"/>
+              </a:lnSpc>
+              <a:spcBef>
+                <a:spcPts val="500"/>
+              </a:spcBef>
+              <a:buSzPct val="125000"/>
+              <a:buFont typeface="Arial" panose="020B0604020202020204" pitchFamily="34" charset="0"/>
+              <a:buChar char="•"/>
+              <a:defRPr sz="1400" kern="1200">
+                <a:solidFill>
+                  <a:schemeClr val="tx1"/>
+                </a:solidFill>
+                <a:latin typeface="+mn-lt"/>
+                <a:ea typeface="+mn-ea"/>
+                <a:cs typeface="+mn-cs"/>
+              </a:defRPr>
+            </a:lvl7pPr>
+            <a:lvl8pPr marL="3429000" indent="-228600" algn="l" defTabSz="914400" rtl="0" eaLnBrk="1" latinLnBrk="0" hangingPunct="1">
+              <a:lnSpc>
+                <a:spcPct val="120000"/>
+              </a:lnSpc>
+              <a:spcBef>
+                <a:spcPts val="500"/>
+              </a:spcBef>
+              <a:buSzPct val="125000"/>
+              <a:buFont typeface="Arial" panose="020B0604020202020204" pitchFamily="34" charset="0"/>
+              <a:buChar char="•"/>
+              <a:defRPr sz="1400" kern="1200">
+                <a:solidFill>
+                  <a:schemeClr val="tx1"/>
+                </a:solidFill>
+                <a:latin typeface="+mn-lt"/>
+                <a:ea typeface="+mn-ea"/>
+                <a:cs typeface="+mn-cs"/>
+              </a:defRPr>
+            </a:lvl8pPr>
+            <a:lvl9pPr marL="3886200" indent="-228600" algn="l" defTabSz="914400" rtl="0" eaLnBrk="1" latinLnBrk="0" hangingPunct="1">
+              <a:lnSpc>
+                <a:spcPct val="120000"/>
+              </a:lnSpc>
+              <a:spcBef>
+                <a:spcPts val="500"/>
+              </a:spcBef>
+              <a:buSzPct val="125000"/>
+              <a:buFont typeface="Arial" panose="020B0604020202020204" pitchFamily="34" charset="0"/>
+              <a:buChar char="•"/>
+              <a:defRPr sz="1400" kern="1200">
+                <a:solidFill>
+                  <a:schemeClr val="tx1"/>
+                </a:solidFill>
+                <a:latin typeface="+mn-lt"/>
+                <a:ea typeface="+mn-ea"/>
+                <a:cs typeface="+mn-cs"/>
+              </a:defRPr>
+            </a:lvl9pPr>
+          </a:lstStyle>
+          <a:p>
+            <a:pPr marL="0" indent="0" algn="ctr">
+              <a:lnSpc>
+                <a:spcPct val="90000"/>
+              </a:lnSpc>
+              <a:buFont typeface="Arial" panose="020B0604020202020204" pitchFamily="34" charset="0"/>
+              <a:buNone/>
+            </a:pPr>
+            <a:r>
+              <a:rPr lang="en-US" dirty="0"/>
+              <a:t>What I am asking of you:</a:t>
+            </a:r>
+          </a:p>
+        </p:txBody>
+      </p:sp>
+      <p:sp>
+        <p:nvSpPr>
+          <p:cNvPr id="6" name="Rectangle 3">
+            <a:extLst>
+              <a:ext uri="{FF2B5EF4-FFF2-40B4-BE49-F238E27FC236}">
+                <a16:creationId xmlns:a16="http://schemas.microsoft.com/office/drawing/2014/main" id="{745F5A68-A74C-4C4C-A1F6-22A28096AF15}"/>
+              </a:ext>
+            </a:extLst>
+          </p:cNvPr>
+          <p:cNvSpPr txBox="1">
+            <a:spLocks noChangeArrowheads="1"/>
+          </p:cNvSpPr>
+          <p:nvPr>
+            <p:custDataLst>
+              <p:tags r:id="rId4"/>
+            </p:custDataLst>
+          </p:nvPr>
+        </p:nvSpPr>
+        <p:spPr>
+          <a:xfrm>
+            <a:off x="6035769" y="2017374"/>
+            <a:ext cx="5439951" cy="451506"/>
+          </a:xfrm>
+          <a:prstGeom prst="rect">
+            <a:avLst/>
+          </a:prstGeom>
+          <a:ln>
+            <a:solidFill>
+              <a:schemeClr val="tx1">
+                <a:lumMod val="95000"/>
+              </a:schemeClr>
+            </a:solidFill>
+          </a:ln>
+        </p:spPr>
+        <p:txBody>
+          <a:bodyPr vert="horz" lIns="91440" tIns="45720" rIns="91440" bIns="45720" rtlCol="0">
+            <a:normAutofit/>
+          </a:bodyPr>
+          <a:lstStyle>
+            <a:lvl1pPr marL="228600" indent="-228600" algn="l" defTabSz="914400" rtl="0" eaLnBrk="1" latinLnBrk="0" hangingPunct="1">
+              <a:lnSpc>
+                <a:spcPct val="120000"/>
+              </a:lnSpc>
+              <a:spcBef>
+                <a:spcPts val="1000"/>
+              </a:spcBef>
+              <a:buSzPct val="125000"/>
+              <a:buFont typeface="Arial" panose="020B0604020202020204" pitchFamily="34" charset="0"/>
+              <a:buChar char="•"/>
+              <a:defRPr sz="2400" kern="1200">
+                <a:solidFill>
+                  <a:schemeClr val="tx1"/>
+                </a:solidFill>
+                <a:latin typeface="+mn-lt"/>
+                <a:ea typeface="+mn-ea"/>
+                <a:cs typeface="+mn-cs"/>
+              </a:defRPr>
+            </a:lvl1pPr>
+            <a:lvl2pPr marL="685800" indent="-228600" algn="l" defTabSz="914400" rtl="0" eaLnBrk="1" latinLnBrk="0" hangingPunct="1">
+              <a:lnSpc>
+                <a:spcPct val="120000"/>
+              </a:lnSpc>
+              <a:spcBef>
+                <a:spcPts val="500"/>
+              </a:spcBef>
+              <a:buSzPct val="125000"/>
+              <a:buFont typeface="Arial" panose="020B0604020202020204" pitchFamily="34" charset="0"/>
+              <a:buChar char="•"/>
+              <a:defRPr sz="2000" kern="1200">
+                <a:solidFill>
+                  <a:schemeClr val="tx1"/>
+                </a:solidFill>
+                <a:latin typeface="+mn-lt"/>
+                <a:ea typeface="+mn-ea"/>
+                <a:cs typeface="+mn-cs"/>
+              </a:defRPr>
+            </a:lvl2pPr>
+            <a:lvl3pPr marL="1143000" indent="-228600" algn="l" defTabSz="914400" rtl="0" eaLnBrk="1" latinLnBrk="0" hangingPunct="1">
+              <a:lnSpc>
+                <a:spcPct val="120000"/>
+              </a:lnSpc>
+              <a:spcBef>
+                <a:spcPts val="500"/>
+              </a:spcBef>
+              <a:buSzPct val="125000"/>
+              <a:buFont typeface="Arial" panose="020B0604020202020204" pitchFamily="34" charset="0"/>
+              <a:buChar char="•"/>
+              <a:defRPr sz="1800" kern="1200">
+                <a:solidFill>
+                  <a:schemeClr val="tx1"/>
+                </a:solidFill>
+                <a:latin typeface="+mn-lt"/>
+                <a:ea typeface="+mn-ea"/>
+                <a:cs typeface="+mn-cs"/>
+              </a:defRPr>
+            </a:lvl3pPr>
+            <a:lvl4pPr marL="1600200" indent="-228600" algn="l" defTabSz="914400" rtl="0" eaLnBrk="1" latinLnBrk="0" hangingPunct="1">
+              <a:lnSpc>
+                <a:spcPct val="120000"/>
+              </a:lnSpc>
+              <a:spcBef>
+                <a:spcPts val="500"/>
+              </a:spcBef>
+              <a:buSzPct val="125000"/>
+              <a:buFont typeface="Arial" panose="020B0604020202020204" pitchFamily="34" charset="0"/>
+              <a:buChar char="•"/>
+              <a:defRPr sz="1600" kern="1200">
+                <a:solidFill>
+                  <a:schemeClr val="tx1"/>
+                </a:solidFill>
+                <a:latin typeface="+mn-lt"/>
+                <a:ea typeface="+mn-ea"/>
+                <a:cs typeface="+mn-cs"/>
+              </a:defRPr>
+            </a:lvl4pPr>
+            <a:lvl5pPr marL="2057400" indent="-228600" algn="l" defTabSz="914400" rtl="0" eaLnBrk="1" latinLnBrk="0" hangingPunct="1">
+              <a:lnSpc>
+                <a:spcPct val="120000"/>
+              </a:lnSpc>
+              <a:spcBef>
+                <a:spcPts val="500"/>
+              </a:spcBef>
+              <a:buSzPct val="125000"/>
+              <a:buFont typeface="Arial" panose="020B0604020202020204" pitchFamily="34" charset="0"/>
+              <a:buChar char="•"/>
+              <a:defRPr sz="1600" kern="1200">
+                <a:solidFill>
+                  <a:schemeClr val="tx1"/>
+                </a:solidFill>
+                <a:latin typeface="+mn-lt"/>
+                <a:ea typeface="+mn-ea"/>
+                <a:cs typeface="+mn-cs"/>
+              </a:defRPr>
+            </a:lvl5pPr>
+            <a:lvl6pPr marL="2514600" indent="-228600" algn="l" defTabSz="914400" rtl="0" eaLnBrk="1" latinLnBrk="0" hangingPunct="1">
+              <a:lnSpc>
+                <a:spcPct val="120000"/>
+              </a:lnSpc>
+              <a:spcBef>
+                <a:spcPts val="500"/>
+              </a:spcBef>
+              <a:buSzPct val="125000"/>
+              <a:buFont typeface="Arial" panose="020B0604020202020204" pitchFamily="34" charset="0"/>
+              <a:buChar char="•"/>
+              <a:defRPr sz="1400" kern="1200">
+                <a:solidFill>
+                  <a:schemeClr val="tx1"/>
+                </a:solidFill>
+                <a:latin typeface="+mn-lt"/>
+                <a:ea typeface="+mn-ea"/>
+                <a:cs typeface="+mn-cs"/>
+              </a:defRPr>
+            </a:lvl6pPr>
+            <a:lvl7pPr marL="2971800" indent="-228600" algn="l" defTabSz="914400" rtl="0" eaLnBrk="1" latinLnBrk="0" hangingPunct="1">
+              <a:lnSpc>
+                <a:spcPct val="120000"/>
+              </a:lnSpc>
+              <a:spcBef>
+                <a:spcPts val="500"/>
+              </a:spcBef>
+              <a:buSzPct val="125000"/>
+              <a:buFont typeface="Arial" panose="020B0604020202020204" pitchFamily="34" charset="0"/>
+              <a:buChar char="•"/>
+              <a:defRPr sz="1400" kern="1200">
+                <a:solidFill>
+                  <a:schemeClr val="tx1"/>
+                </a:solidFill>
+                <a:latin typeface="+mn-lt"/>
+                <a:ea typeface="+mn-ea"/>
+                <a:cs typeface="+mn-cs"/>
+              </a:defRPr>
+            </a:lvl7pPr>
+            <a:lvl8pPr marL="3429000" indent="-228600" algn="l" defTabSz="914400" rtl="0" eaLnBrk="1" latinLnBrk="0" hangingPunct="1">
+              <a:lnSpc>
+                <a:spcPct val="120000"/>
+              </a:lnSpc>
+              <a:spcBef>
+                <a:spcPts val="500"/>
+              </a:spcBef>
+              <a:buSzPct val="125000"/>
+              <a:buFont typeface="Arial" panose="020B0604020202020204" pitchFamily="34" charset="0"/>
+              <a:buChar char="•"/>
+              <a:defRPr sz="1400" kern="1200">
+                <a:solidFill>
+                  <a:schemeClr val="tx1"/>
+                </a:solidFill>
+                <a:latin typeface="+mn-lt"/>
+                <a:ea typeface="+mn-ea"/>
+                <a:cs typeface="+mn-cs"/>
+              </a:defRPr>
+            </a:lvl8pPr>
+            <a:lvl9pPr marL="3886200" indent="-228600" algn="l" defTabSz="914400" rtl="0" eaLnBrk="1" latinLnBrk="0" hangingPunct="1">
+              <a:lnSpc>
+                <a:spcPct val="120000"/>
+              </a:lnSpc>
+              <a:spcBef>
+                <a:spcPts val="500"/>
+              </a:spcBef>
+              <a:buSzPct val="125000"/>
+              <a:buFont typeface="Arial" panose="020B0604020202020204" pitchFamily="34" charset="0"/>
+              <a:buChar char="•"/>
+              <a:defRPr sz="1400" kern="1200">
+                <a:solidFill>
+                  <a:schemeClr val="tx1"/>
+                </a:solidFill>
+                <a:latin typeface="+mn-lt"/>
+                <a:ea typeface="+mn-ea"/>
+                <a:cs typeface="+mn-cs"/>
+              </a:defRPr>
+            </a:lvl9pPr>
+          </a:lstStyle>
+          <a:p>
+            <a:pPr marL="0" indent="0" algn="ctr">
+              <a:lnSpc>
+                <a:spcPct val="90000"/>
+              </a:lnSpc>
+              <a:buFont typeface="Arial" panose="020B0604020202020204" pitchFamily="34" charset="0"/>
+              <a:buNone/>
+            </a:pPr>
+            <a:r>
+              <a:rPr lang="en-US" dirty="0"/>
+              <a:t>What I will give in return:</a:t>
+            </a:r>
+          </a:p>
+        </p:txBody>
+      </p:sp>
+      <p:sp>
+        <p:nvSpPr>
+          <p:cNvPr id="7" name="Rectangle 3">
+            <a:extLst>
+              <a:ext uri="{FF2B5EF4-FFF2-40B4-BE49-F238E27FC236}">
+                <a16:creationId xmlns:a16="http://schemas.microsoft.com/office/drawing/2014/main" id="{59CEB83F-30F2-6941-8D80-1AD758793A5D}"/>
+              </a:ext>
+            </a:extLst>
+          </p:cNvPr>
+          <p:cNvSpPr txBox="1">
+            <a:spLocks noChangeArrowheads="1"/>
+          </p:cNvSpPr>
+          <p:nvPr>
+            <p:custDataLst>
+              <p:tags r:id="rId5"/>
+            </p:custDataLst>
+          </p:nvPr>
+        </p:nvSpPr>
+        <p:spPr>
+          <a:xfrm>
+            <a:off x="676656" y="2540466"/>
+            <a:ext cx="5074919" cy="3970062"/>
+          </a:xfrm>
+          <a:prstGeom prst="rect">
+            <a:avLst/>
+          </a:prstGeom>
+          <a:solidFill>
+            <a:schemeClr val="tx1">
+              <a:lumMod val="95000"/>
+            </a:schemeClr>
+          </a:solidFill>
+          <a:ln>
+            <a:solidFill>
+              <a:schemeClr val="bg1"/>
+            </a:solidFill>
+          </a:ln>
+        </p:spPr>
+        <p:txBody>
+          <a:bodyPr vert="horz" lIns="91440" tIns="45720" rIns="91440" bIns="45720" rtlCol="0">
+            <a:normAutofit/>
+          </a:bodyPr>
+          <a:lstStyle>
+            <a:lvl1pPr marL="228600" indent="-228600" algn="l" defTabSz="914400" rtl="0" eaLnBrk="1" latinLnBrk="0" hangingPunct="1">
+              <a:lnSpc>
+                <a:spcPct val="120000"/>
+              </a:lnSpc>
+              <a:spcBef>
+                <a:spcPts val="1000"/>
+              </a:spcBef>
+              <a:buSzPct val="125000"/>
+              <a:buFont typeface="Arial" panose="020B0604020202020204" pitchFamily="34" charset="0"/>
+              <a:buChar char="•"/>
+              <a:defRPr sz="2400" kern="1200">
+                <a:solidFill>
+                  <a:schemeClr val="tx1"/>
+                </a:solidFill>
+                <a:latin typeface="+mn-lt"/>
+                <a:ea typeface="+mn-ea"/>
+                <a:cs typeface="+mn-cs"/>
+              </a:defRPr>
+            </a:lvl1pPr>
+            <a:lvl2pPr marL="685800" indent="-228600" algn="l" defTabSz="914400" rtl="0" eaLnBrk="1" latinLnBrk="0" hangingPunct="1">
+              <a:lnSpc>
+                <a:spcPct val="120000"/>
+              </a:lnSpc>
+              <a:spcBef>
+                <a:spcPts val="500"/>
+              </a:spcBef>
+              <a:buSzPct val="125000"/>
+              <a:buFont typeface="Arial" panose="020B0604020202020204" pitchFamily="34" charset="0"/>
+              <a:buChar char="•"/>
+              <a:defRPr sz="2000" kern="1200">
+                <a:solidFill>
+                  <a:schemeClr val="tx1"/>
+                </a:solidFill>
+                <a:latin typeface="+mn-lt"/>
+                <a:ea typeface="+mn-ea"/>
+                <a:cs typeface="+mn-cs"/>
+              </a:defRPr>
+            </a:lvl2pPr>
+            <a:lvl3pPr marL="1143000" indent="-228600" algn="l" defTabSz="914400" rtl="0" eaLnBrk="1" latinLnBrk="0" hangingPunct="1">
+              <a:lnSpc>
+                <a:spcPct val="120000"/>
+              </a:lnSpc>
+              <a:spcBef>
+                <a:spcPts val="500"/>
+              </a:spcBef>
+              <a:buSzPct val="125000"/>
+              <a:buFont typeface="Arial" panose="020B0604020202020204" pitchFamily="34" charset="0"/>
+              <a:buChar char="•"/>
+              <a:defRPr sz="1800" kern="1200">
+                <a:solidFill>
+                  <a:schemeClr val="tx1"/>
+                </a:solidFill>
+                <a:latin typeface="+mn-lt"/>
+                <a:ea typeface="+mn-ea"/>
+                <a:cs typeface="+mn-cs"/>
+              </a:defRPr>
+            </a:lvl3pPr>
+            <a:lvl4pPr marL="1600200" indent="-228600" algn="l" defTabSz="914400" rtl="0" eaLnBrk="1" latinLnBrk="0" hangingPunct="1">
+              <a:lnSpc>
+                <a:spcPct val="120000"/>
+              </a:lnSpc>
+              <a:spcBef>
+                <a:spcPts val="500"/>
+              </a:spcBef>
+              <a:buSzPct val="125000"/>
+              <a:buFont typeface="Arial" panose="020B0604020202020204" pitchFamily="34" charset="0"/>
+              <a:buChar char="•"/>
+              <a:defRPr sz="1600" kern="1200">
+                <a:solidFill>
+                  <a:schemeClr val="tx1"/>
+                </a:solidFill>
+                <a:latin typeface="+mn-lt"/>
+                <a:ea typeface="+mn-ea"/>
+                <a:cs typeface="+mn-cs"/>
+              </a:defRPr>
+            </a:lvl4pPr>
+            <a:lvl5pPr marL="2057400" indent="-228600" algn="l" defTabSz="914400" rtl="0" eaLnBrk="1" latinLnBrk="0" hangingPunct="1">
+              <a:lnSpc>
+                <a:spcPct val="120000"/>
+              </a:lnSpc>
+              <a:spcBef>
+                <a:spcPts val="500"/>
+              </a:spcBef>
+              <a:buSzPct val="125000"/>
+              <a:buFont typeface="Arial" panose="020B0604020202020204" pitchFamily="34" charset="0"/>
+              <a:buChar char="•"/>
+              <a:defRPr sz="1600" kern="1200">
+                <a:solidFill>
+                  <a:schemeClr val="tx1"/>
+                </a:solidFill>
+                <a:latin typeface="+mn-lt"/>
+                <a:ea typeface="+mn-ea"/>
+                <a:cs typeface="+mn-cs"/>
+              </a:defRPr>
+            </a:lvl5pPr>
+            <a:lvl6pPr marL="2514600" indent="-228600" algn="l" defTabSz="914400" rtl="0" eaLnBrk="1" latinLnBrk="0" hangingPunct="1">
+              <a:lnSpc>
+                <a:spcPct val="120000"/>
+              </a:lnSpc>
+              <a:spcBef>
+                <a:spcPts val="500"/>
+              </a:spcBef>
+              <a:buSzPct val="125000"/>
+              <a:buFont typeface="Arial" panose="020B0604020202020204" pitchFamily="34" charset="0"/>
+              <a:buChar char="•"/>
+              <a:defRPr sz="1400" kern="1200">
+                <a:solidFill>
+                  <a:schemeClr val="tx1"/>
+                </a:solidFill>
+                <a:latin typeface="+mn-lt"/>
+                <a:ea typeface="+mn-ea"/>
+                <a:cs typeface="+mn-cs"/>
+              </a:defRPr>
+            </a:lvl6pPr>
+            <a:lvl7pPr marL="2971800" indent="-228600" algn="l" defTabSz="914400" rtl="0" eaLnBrk="1" latinLnBrk="0" hangingPunct="1">
+              <a:lnSpc>
+                <a:spcPct val="120000"/>
+              </a:lnSpc>
+              <a:spcBef>
+                <a:spcPts val="500"/>
+              </a:spcBef>
+              <a:buSzPct val="125000"/>
+              <a:buFont typeface="Arial" panose="020B0604020202020204" pitchFamily="34" charset="0"/>
+              <a:buChar char="•"/>
+              <a:defRPr sz="1400" kern="1200">
+                <a:solidFill>
+                  <a:schemeClr val="tx1"/>
+                </a:solidFill>
+                <a:latin typeface="+mn-lt"/>
+                <a:ea typeface="+mn-ea"/>
+                <a:cs typeface="+mn-cs"/>
+              </a:defRPr>
+            </a:lvl7pPr>
+            <a:lvl8pPr marL="3429000" indent="-228600" algn="l" defTabSz="914400" rtl="0" eaLnBrk="1" latinLnBrk="0" hangingPunct="1">
+              <a:lnSpc>
+                <a:spcPct val="120000"/>
+              </a:lnSpc>
+              <a:spcBef>
+                <a:spcPts val="500"/>
+              </a:spcBef>
+              <a:buSzPct val="125000"/>
+              <a:buFont typeface="Arial" panose="020B0604020202020204" pitchFamily="34" charset="0"/>
+              <a:buChar char="•"/>
+              <a:defRPr sz="1400" kern="1200">
+                <a:solidFill>
+                  <a:schemeClr val="tx1"/>
+                </a:solidFill>
+                <a:latin typeface="+mn-lt"/>
+                <a:ea typeface="+mn-ea"/>
+                <a:cs typeface="+mn-cs"/>
+              </a:defRPr>
+            </a:lvl8pPr>
+            <a:lvl9pPr marL="3886200" indent="-228600" algn="l" defTabSz="914400" rtl="0" eaLnBrk="1" latinLnBrk="0" hangingPunct="1">
+              <a:lnSpc>
+                <a:spcPct val="120000"/>
+              </a:lnSpc>
+              <a:spcBef>
+                <a:spcPts val="500"/>
+              </a:spcBef>
+              <a:buSzPct val="125000"/>
+              <a:buFont typeface="Arial" panose="020B0604020202020204" pitchFamily="34" charset="0"/>
+              <a:buChar char="•"/>
+              <a:defRPr sz="1400" kern="1200">
+                <a:solidFill>
+                  <a:schemeClr val="tx1"/>
+                </a:solidFill>
+                <a:latin typeface="+mn-lt"/>
+                <a:ea typeface="+mn-ea"/>
+                <a:cs typeface="+mn-cs"/>
+              </a:defRPr>
+            </a:lvl9pPr>
+          </a:lstStyle>
+          <a:p>
+            <a:pPr>
+              <a:lnSpc>
+                <a:spcPct val="90000"/>
+              </a:lnSpc>
+              <a:buFontTx/>
+              <a:buChar char="-"/>
+            </a:pPr>
+            <a:r>
+              <a:rPr lang="en-US" dirty="0">
+                <a:solidFill>
+                  <a:sysClr val="windowText" lastClr="000000"/>
+                </a:solidFill>
+              </a:rPr>
+              <a:t>Lecture attendance is </a:t>
+            </a:r>
+            <a:r>
+              <a:rPr lang="en-US" b="1" i="1" dirty="0">
+                <a:solidFill>
+                  <a:sysClr val="windowText" lastClr="000000"/>
+                </a:solidFill>
+              </a:rPr>
+              <a:t>required</a:t>
+            </a:r>
+          </a:p>
+          <a:p>
+            <a:pPr>
+              <a:lnSpc>
+                <a:spcPct val="90000"/>
+              </a:lnSpc>
+              <a:buFontTx/>
+              <a:buChar char="-"/>
+            </a:pPr>
+            <a:r>
+              <a:rPr lang="en-US" dirty="0">
+                <a:solidFill>
+                  <a:sysClr val="windowText" lastClr="000000"/>
+                </a:solidFill>
+              </a:rPr>
+              <a:t>This classroom is a </a:t>
+            </a:r>
+            <a:r>
+              <a:rPr lang="en-US" b="1" i="1" dirty="0">
+                <a:solidFill>
+                  <a:sysClr val="windowText" lastClr="000000"/>
+                </a:solidFill>
+              </a:rPr>
+              <a:t>no technology zone</a:t>
+            </a:r>
+            <a:r>
+              <a:rPr lang="en-US" dirty="0">
+                <a:solidFill>
+                  <a:sysClr val="windowText" lastClr="000000"/>
+                </a:solidFill>
+              </a:rPr>
+              <a:t> (except for the projector, and certain Fridays)</a:t>
+            </a:r>
+          </a:p>
+          <a:p>
+            <a:pPr>
+              <a:lnSpc>
+                <a:spcPct val="90000"/>
+              </a:lnSpc>
+              <a:buFontTx/>
+              <a:buChar char="-"/>
+            </a:pPr>
+            <a:r>
+              <a:rPr lang="en-US" dirty="0">
+                <a:solidFill>
+                  <a:sysClr val="windowText" lastClr="000000"/>
+                </a:solidFill>
+              </a:rPr>
+              <a:t>On homework Fridays, </a:t>
+            </a:r>
+            <a:r>
+              <a:rPr lang="en-US" b="1" i="1" dirty="0">
+                <a:solidFill>
+                  <a:sysClr val="windowText" lastClr="000000"/>
+                </a:solidFill>
+              </a:rPr>
+              <a:t>work on the problem</a:t>
+            </a:r>
+            <a:r>
+              <a:rPr lang="en-US" dirty="0">
+                <a:solidFill>
+                  <a:sysClr val="windowText" lastClr="000000"/>
+                </a:solidFill>
+              </a:rPr>
+              <a:t> and actively engage</a:t>
+            </a:r>
+          </a:p>
+          <a:p>
+            <a:pPr>
+              <a:lnSpc>
+                <a:spcPct val="90000"/>
+              </a:lnSpc>
+              <a:buFontTx/>
+              <a:buChar char="-"/>
+            </a:pPr>
+            <a:r>
+              <a:rPr lang="en-US" dirty="0">
+                <a:solidFill>
+                  <a:sysClr val="windowText" lastClr="000000"/>
+                </a:solidFill>
+              </a:rPr>
+              <a:t>Plus all the normal expectations (be respectful to your peers, etc.)</a:t>
+            </a:r>
+          </a:p>
+          <a:p>
+            <a:pPr>
+              <a:lnSpc>
+                <a:spcPct val="90000"/>
+              </a:lnSpc>
+              <a:buFontTx/>
+              <a:buChar char="-"/>
+            </a:pPr>
+            <a:endParaRPr lang="en-US" dirty="0">
+              <a:solidFill>
+                <a:sysClr val="windowText" lastClr="000000"/>
+              </a:solidFill>
+            </a:endParaRPr>
+          </a:p>
+        </p:txBody>
+      </p:sp>
+      <p:sp>
+        <p:nvSpPr>
+          <p:cNvPr id="9" name="Rectangle 3">
+            <a:extLst>
+              <a:ext uri="{FF2B5EF4-FFF2-40B4-BE49-F238E27FC236}">
+                <a16:creationId xmlns:a16="http://schemas.microsoft.com/office/drawing/2014/main" id="{B243EB7D-DEE7-C74C-B6EC-CD0908E8C91A}"/>
+              </a:ext>
+            </a:extLst>
+          </p:cNvPr>
+          <p:cNvSpPr txBox="1">
+            <a:spLocks noChangeArrowheads="1"/>
+          </p:cNvSpPr>
+          <p:nvPr>
+            <p:custDataLst>
+              <p:tags r:id="rId6"/>
+            </p:custDataLst>
+          </p:nvPr>
+        </p:nvSpPr>
+        <p:spPr>
+          <a:xfrm>
+            <a:off x="6035769" y="2540465"/>
+            <a:ext cx="5439951" cy="3970062"/>
+          </a:xfrm>
+          <a:prstGeom prst="rect">
+            <a:avLst/>
+          </a:prstGeom>
+          <a:solidFill>
+            <a:schemeClr val="tx1">
+              <a:lumMod val="95000"/>
+            </a:schemeClr>
+          </a:solidFill>
+          <a:ln>
+            <a:solidFill>
+              <a:schemeClr val="bg1"/>
+            </a:solidFill>
+          </a:ln>
+        </p:spPr>
+        <p:txBody>
+          <a:bodyPr vert="horz" lIns="91440" tIns="45720" rIns="91440" bIns="45720" rtlCol="0">
+            <a:normAutofit lnSpcReduction="10000"/>
+          </a:bodyPr>
+          <a:lstStyle>
+            <a:lvl1pPr marL="228600" indent="-228600" algn="l" defTabSz="914400" rtl="0" eaLnBrk="1" latinLnBrk="0" hangingPunct="1">
+              <a:lnSpc>
+                <a:spcPct val="120000"/>
+              </a:lnSpc>
+              <a:spcBef>
+                <a:spcPts val="1000"/>
+              </a:spcBef>
+              <a:buSzPct val="125000"/>
+              <a:buFont typeface="Arial" panose="020B0604020202020204" pitchFamily="34" charset="0"/>
+              <a:buChar char="•"/>
+              <a:defRPr sz="2400" kern="1200">
+                <a:solidFill>
+                  <a:schemeClr val="tx1"/>
+                </a:solidFill>
+                <a:latin typeface="+mn-lt"/>
+                <a:ea typeface="+mn-ea"/>
+                <a:cs typeface="+mn-cs"/>
+              </a:defRPr>
+            </a:lvl1pPr>
+            <a:lvl2pPr marL="685800" indent="-228600" algn="l" defTabSz="914400" rtl="0" eaLnBrk="1" latinLnBrk="0" hangingPunct="1">
+              <a:lnSpc>
+                <a:spcPct val="120000"/>
+              </a:lnSpc>
+              <a:spcBef>
+                <a:spcPts val="500"/>
+              </a:spcBef>
+              <a:buSzPct val="125000"/>
+              <a:buFont typeface="Arial" panose="020B0604020202020204" pitchFamily="34" charset="0"/>
+              <a:buChar char="•"/>
+              <a:defRPr sz="2000" kern="1200">
+                <a:solidFill>
+                  <a:schemeClr val="tx1"/>
+                </a:solidFill>
+                <a:latin typeface="+mn-lt"/>
+                <a:ea typeface="+mn-ea"/>
+                <a:cs typeface="+mn-cs"/>
+              </a:defRPr>
+            </a:lvl2pPr>
+            <a:lvl3pPr marL="1143000" indent="-228600" algn="l" defTabSz="914400" rtl="0" eaLnBrk="1" latinLnBrk="0" hangingPunct="1">
+              <a:lnSpc>
+                <a:spcPct val="120000"/>
+              </a:lnSpc>
+              <a:spcBef>
+                <a:spcPts val="500"/>
+              </a:spcBef>
+              <a:buSzPct val="125000"/>
+              <a:buFont typeface="Arial" panose="020B0604020202020204" pitchFamily="34" charset="0"/>
+              <a:buChar char="•"/>
+              <a:defRPr sz="1800" kern="1200">
+                <a:solidFill>
+                  <a:schemeClr val="tx1"/>
+                </a:solidFill>
+                <a:latin typeface="+mn-lt"/>
+                <a:ea typeface="+mn-ea"/>
+                <a:cs typeface="+mn-cs"/>
+              </a:defRPr>
+            </a:lvl3pPr>
+            <a:lvl4pPr marL="1600200" indent="-228600" algn="l" defTabSz="914400" rtl="0" eaLnBrk="1" latinLnBrk="0" hangingPunct="1">
+              <a:lnSpc>
+                <a:spcPct val="120000"/>
+              </a:lnSpc>
+              <a:spcBef>
+                <a:spcPts val="500"/>
+              </a:spcBef>
+              <a:buSzPct val="125000"/>
+              <a:buFont typeface="Arial" panose="020B0604020202020204" pitchFamily="34" charset="0"/>
+              <a:buChar char="•"/>
+              <a:defRPr sz="1600" kern="1200">
+                <a:solidFill>
+                  <a:schemeClr val="tx1"/>
+                </a:solidFill>
+                <a:latin typeface="+mn-lt"/>
+                <a:ea typeface="+mn-ea"/>
+                <a:cs typeface="+mn-cs"/>
+              </a:defRPr>
+            </a:lvl4pPr>
+            <a:lvl5pPr marL="2057400" indent="-228600" algn="l" defTabSz="914400" rtl="0" eaLnBrk="1" latinLnBrk="0" hangingPunct="1">
+              <a:lnSpc>
+                <a:spcPct val="120000"/>
+              </a:lnSpc>
+              <a:spcBef>
+                <a:spcPts val="500"/>
+              </a:spcBef>
+              <a:buSzPct val="125000"/>
+              <a:buFont typeface="Arial" panose="020B0604020202020204" pitchFamily="34" charset="0"/>
+              <a:buChar char="•"/>
+              <a:defRPr sz="1600" kern="1200">
+                <a:solidFill>
+                  <a:schemeClr val="tx1"/>
+                </a:solidFill>
+                <a:latin typeface="+mn-lt"/>
+                <a:ea typeface="+mn-ea"/>
+                <a:cs typeface="+mn-cs"/>
+              </a:defRPr>
+            </a:lvl5pPr>
+            <a:lvl6pPr marL="2514600" indent="-228600" algn="l" defTabSz="914400" rtl="0" eaLnBrk="1" latinLnBrk="0" hangingPunct="1">
+              <a:lnSpc>
+                <a:spcPct val="120000"/>
+              </a:lnSpc>
+              <a:spcBef>
+                <a:spcPts val="500"/>
+              </a:spcBef>
+              <a:buSzPct val="125000"/>
+              <a:buFont typeface="Arial" panose="020B0604020202020204" pitchFamily="34" charset="0"/>
+              <a:buChar char="•"/>
+              <a:defRPr sz="1400" kern="1200">
+                <a:solidFill>
+                  <a:schemeClr val="tx1"/>
+                </a:solidFill>
+                <a:latin typeface="+mn-lt"/>
+                <a:ea typeface="+mn-ea"/>
+                <a:cs typeface="+mn-cs"/>
+              </a:defRPr>
+            </a:lvl6pPr>
+            <a:lvl7pPr marL="2971800" indent="-228600" algn="l" defTabSz="914400" rtl="0" eaLnBrk="1" latinLnBrk="0" hangingPunct="1">
+              <a:lnSpc>
+                <a:spcPct val="120000"/>
+              </a:lnSpc>
+              <a:spcBef>
+                <a:spcPts val="500"/>
+              </a:spcBef>
+              <a:buSzPct val="125000"/>
+              <a:buFont typeface="Arial" panose="020B0604020202020204" pitchFamily="34" charset="0"/>
+              <a:buChar char="•"/>
+              <a:defRPr sz="1400" kern="1200">
+                <a:solidFill>
+                  <a:schemeClr val="tx1"/>
+                </a:solidFill>
+                <a:latin typeface="+mn-lt"/>
+                <a:ea typeface="+mn-ea"/>
+                <a:cs typeface="+mn-cs"/>
+              </a:defRPr>
+            </a:lvl7pPr>
+            <a:lvl8pPr marL="3429000" indent="-228600" algn="l" defTabSz="914400" rtl="0" eaLnBrk="1" latinLnBrk="0" hangingPunct="1">
+              <a:lnSpc>
+                <a:spcPct val="120000"/>
+              </a:lnSpc>
+              <a:spcBef>
+                <a:spcPts val="500"/>
+              </a:spcBef>
+              <a:buSzPct val="125000"/>
+              <a:buFont typeface="Arial" panose="020B0604020202020204" pitchFamily="34" charset="0"/>
+              <a:buChar char="•"/>
+              <a:defRPr sz="1400" kern="1200">
+                <a:solidFill>
+                  <a:schemeClr val="tx1"/>
+                </a:solidFill>
+                <a:latin typeface="+mn-lt"/>
+                <a:ea typeface="+mn-ea"/>
+                <a:cs typeface="+mn-cs"/>
+              </a:defRPr>
+            </a:lvl8pPr>
+            <a:lvl9pPr marL="3886200" indent="-228600" algn="l" defTabSz="914400" rtl="0" eaLnBrk="1" latinLnBrk="0" hangingPunct="1">
+              <a:lnSpc>
+                <a:spcPct val="120000"/>
+              </a:lnSpc>
+              <a:spcBef>
+                <a:spcPts val="500"/>
+              </a:spcBef>
+              <a:buSzPct val="125000"/>
+              <a:buFont typeface="Arial" panose="020B0604020202020204" pitchFamily="34" charset="0"/>
+              <a:buChar char="•"/>
+              <a:defRPr sz="1400" kern="1200">
+                <a:solidFill>
+                  <a:schemeClr val="tx1"/>
+                </a:solidFill>
+                <a:latin typeface="+mn-lt"/>
+                <a:ea typeface="+mn-ea"/>
+                <a:cs typeface="+mn-cs"/>
+              </a:defRPr>
+            </a:lvl9pPr>
+          </a:lstStyle>
+          <a:p>
+            <a:pPr>
+              <a:lnSpc>
+                <a:spcPct val="90000"/>
+              </a:lnSpc>
+              <a:buFontTx/>
+              <a:buChar char="-"/>
+            </a:pPr>
+            <a:r>
+              <a:rPr lang="en-US" dirty="0">
+                <a:solidFill>
+                  <a:sysClr val="windowText" lastClr="000000"/>
+                </a:solidFill>
+              </a:rPr>
+              <a:t>Not too much homework (six auto-graded programming assignments)</a:t>
+            </a:r>
+          </a:p>
+          <a:p>
+            <a:pPr>
+              <a:lnSpc>
+                <a:spcPct val="90000"/>
+              </a:lnSpc>
+              <a:buFontTx/>
+              <a:buChar char="-"/>
+            </a:pPr>
+            <a:r>
+              <a:rPr lang="en-US" dirty="0">
+                <a:solidFill>
+                  <a:sysClr val="windowText" lastClr="000000"/>
+                </a:solidFill>
+              </a:rPr>
+              <a:t>Limited lectures where I talk the whole time (only Mon. and Wed.)</a:t>
+            </a:r>
+          </a:p>
+          <a:p>
+            <a:pPr>
+              <a:lnSpc>
+                <a:spcPct val="90000"/>
+              </a:lnSpc>
+              <a:buFontTx/>
+              <a:buChar char="-"/>
+            </a:pPr>
+            <a:r>
+              <a:rPr lang="en-US" dirty="0">
+                <a:solidFill>
+                  <a:sysClr val="windowText" lastClr="000000"/>
+                </a:solidFill>
+              </a:rPr>
+              <a:t>Help solving the HW in class (more later)</a:t>
+            </a:r>
+          </a:p>
+          <a:p>
+            <a:pPr>
+              <a:lnSpc>
+                <a:spcPct val="90000"/>
+              </a:lnSpc>
+              <a:buFontTx/>
+              <a:buChar char="-"/>
+            </a:pPr>
+            <a:r>
+              <a:rPr lang="en-US" dirty="0">
+                <a:solidFill>
+                  <a:sysClr val="windowText" lastClr="000000"/>
+                </a:solidFill>
+              </a:rPr>
+              <a:t>Multiple Friday classes cancelled</a:t>
+            </a:r>
+          </a:p>
+          <a:p>
+            <a:pPr>
+              <a:lnSpc>
+                <a:spcPct val="90000"/>
+              </a:lnSpc>
+              <a:buFontTx/>
+              <a:buChar char="-"/>
+            </a:pPr>
+            <a:r>
+              <a:rPr lang="en-US" dirty="0">
+                <a:solidFill>
+                  <a:sysClr val="windowText" lastClr="000000"/>
+                </a:solidFill>
+              </a:rPr>
+              <a:t>No Final Exam (small final project instead)</a:t>
+            </a:r>
+          </a:p>
+          <a:p>
+            <a:pPr>
+              <a:lnSpc>
+                <a:spcPct val="90000"/>
+              </a:lnSpc>
+              <a:buFontTx/>
+              <a:buChar char="-"/>
+            </a:pPr>
+            <a:r>
+              <a:rPr lang="en-US" dirty="0">
+                <a:solidFill>
+                  <a:sysClr val="windowText" lastClr="000000"/>
+                </a:solidFill>
+              </a:rPr>
+              <a:t>Quizzes will be short and simple, relatively low stress (and only 2 of them)</a:t>
+            </a:r>
+          </a:p>
+          <a:p>
+            <a:pPr>
+              <a:lnSpc>
+                <a:spcPct val="90000"/>
+              </a:lnSpc>
+              <a:buFontTx/>
+              <a:buChar char="-"/>
+            </a:pPr>
+            <a:endParaRPr lang="en-US" dirty="0">
+              <a:solidFill>
+                <a:sysClr val="windowText" lastClr="000000"/>
+              </a:solidFill>
+            </a:endParaRPr>
           </a:p>
         </p:txBody>
       </p:sp>
     </p:spTree>
     <p:extLst>
       <p:ext uri="{BB962C8B-B14F-4D97-AF65-F5344CB8AC3E}">
-        <p14:creationId xmlns:p14="http://schemas.microsoft.com/office/powerpoint/2010/main" val="3037356022"/>
+        <p14:creationId xmlns:p14="http://schemas.microsoft.com/office/powerpoint/2010/main" val="16133454"/>
       </p:ext>
     </p:extLst>
   </p:cSld>
@@ -13720,6 +14305,77 @@
 </file>
 
 <file path=ppt/slides/slide12.xml><?xml version="1.0" encoding="utf-8"?>
+<p:sld xmlns:a="http://schemas.openxmlformats.org/drawingml/2006/main" xmlns:r="http://schemas.openxmlformats.org/officeDocument/2006/relationships" xmlns:p="http://schemas.openxmlformats.org/presentationml/2006/main">
+  <p:cSld>
+    <p:spTree>
+      <p:nvGrpSpPr>
+        <p:cNvPr id="1" name=""/>
+        <p:cNvGrpSpPr/>
+        <p:nvPr/>
+      </p:nvGrpSpPr>
+      <p:grpSpPr>
+        <a:xfrm>
+          <a:off x="0" y="0"/>
+          <a:ext cx="0" cy="0"/>
+          <a:chOff x="0" y="0"/>
+          <a:chExt cx="0" cy="0"/>
+        </a:xfrm>
+      </p:grpSpPr>
+      <p:sp>
+        <p:nvSpPr>
+          <p:cNvPr id="5" name="Title 4"/>
+          <p:cNvSpPr>
+            <a:spLocks noGrp="1"/>
+          </p:cNvSpPr>
+          <p:nvPr>
+            <p:ph type="title"/>
+          </p:nvPr>
+        </p:nvSpPr>
+        <p:spPr/>
+        <p:txBody>
+          <a:bodyPr/>
+          <a:lstStyle/>
+          <a:p>
+            <a:r>
+              <a:rPr lang="en-US" dirty="0"/>
+              <a:t>Course Structure / Overview</a:t>
+            </a:r>
+          </a:p>
+        </p:txBody>
+      </p:sp>
+      <p:sp>
+        <p:nvSpPr>
+          <p:cNvPr id="6" name="Text Placeholder 5"/>
+          <p:cNvSpPr>
+            <a:spLocks noGrp="1"/>
+          </p:cNvSpPr>
+          <p:nvPr>
+            <p:ph type="body" idx="1"/>
+          </p:nvPr>
+        </p:nvSpPr>
+        <p:spPr/>
+        <p:txBody>
+          <a:bodyPr/>
+          <a:lstStyle/>
+          <a:p>
+            <a:endParaRPr lang="en-US"/>
+          </a:p>
+        </p:txBody>
+      </p:sp>
+    </p:spTree>
+    <p:extLst>
+      <p:ext uri="{BB962C8B-B14F-4D97-AF65-F5344CB8AC3E}">
+        <p14:creationId xmlns:p14="http://schemas.microsoft.com/office/powerpoint/2010/main" val="1552734020"/>
+      </p:ext>
+    </p:extLst>
+  </p:cSld>
+  <p:clrMapOvr>
+    <a:masterClrMapping/>
+  </p:clrMapOvr>
+</p:sld>
+</file>
+
+<file path=ppt/slides/slide13.xml><?xml version="1.0" encoding="utf-8"?>
 <p:sld xmlns:a="http://schemas.openxmlformats.org/drawingml/2006/main" xmlns:r="http://schemas.openxmlformats.org/officeDocument/2006/relationships" xmlns:p="http://schemas.openxmlformats.org/presentationml/2006/main">
   <p:cSld>
     <p:spTree>
@@ -13759,7 +14415,7 @@
             <a:pPr algn="ctr"/>
             <a:r>
               <a:rPr lang="en-US" dirty="0"/>
-              <a:t>Textbook</a:t>
+              <a:t>Textbook?</a:t>
             </a:r>
           </a:p>
         </p:txBody>
@@ -13776,25 +14432,30 @@
         </p:nvSpPr>
         <p:spPr>
           <a:xfrm>
-            <a:off x="1992351" y="1825052"/>
-            <a:ext cx="5867400" cy="2174789"/>
+            <a:off x="1141412" y="1406138"/>
+            <a:ext cx="7298500" cy="642117"/>
           </a:xfrm>
+          <a:noFill/>
+          <a:ln>
+            <a:solidFill>
+              <a:schemeClr val="tx1">
+                <a:lumMod val="95000"/>
+              </a:schemeClr>
+            </a:solidFill>
+          </a:ln>
         </p:spPr>
         <p:txBody>
           <a:bodyPr>
-            <a:normAutofit/>
+            <a:normAutofit fontScale="85000" lnSpcReduction="10000"/>
           </a:bodyPr>
           <a:lstStyle/>
           <a:p>
+            <a:pPr marL="0" indent="0">
+              <a:buNone/>
+            </a:pPr>
             <a:r>
               <a:rPr lang="en-US" dirty="0"/>
-              <a:t>You will very likely need to read and study material other than the slides.</a:t>
-            </a:r>
-          </a:p>
-          <a:p>
-            <a:r>
-              <a:rPr lang="en-US" dirty="0"/>
-              <a:t>There are options, but a textbook is the easiest option.</a:t>
+              <a:t>Most of the material comes sporadically from two different sources</a:t>
             </a:r>
           </a:p>
           <a:p>
@@ -13802,30 +14463,6 @@
               <a:buNone/>
             </a:pPr>
             <a:endParaRPr lang="en-US" dirty="0"/>
-          </a:p>
-        </p:txBody>
-      </p:sp>
-      <p:sp>
-        <p:nvSpPr>
-          <p:cNvPr id="8" name="Slide Number Placeholder 7"/>
-          <p:cNvSpPr>
-            <a:spLocks noGrp="1"/>
-          </p:cNvSpPr>
-          <p:nvPr>
-            <p:ph type="sldNum" sz="quarter" idx="12"/>
-          </p:nvPr>
-        </p:nvSpPr>
-        <p:spPr/>
-        <p:txBody>
-          <a:bodyPr/>
-          <a:lstStyle/>
-          <a:p>
-            <a:fld id="{F26D9103-0C5C-48AC-B68E-3ED2C1647047}" type="slidenum">
-              <a:rPr lang="en-US" smtClean="0"/>
-              <a:pPr/>
-              <a:t>12</a:t>
-            </a:fld>
-            <a:endParaRPr lang="en-US"/>
           </a:p>
         </p:txBody>
       </p:sp>
@@ -13845,8 +14482,262 @@
         </p:nvSpPr>
         <p:spPr>
           <a:xfrm>
-            <a:off x="2273704" y="4843304"/>
-            <a:ext cx="7696200" cy="1758225"/>
+            <a:off x="1661056" y="3137949"/>
+            <a:ext cx="7696200" cy="633952"/>
+          </a:xfrm>
+          <a:prstGeom prst="rect">
+            <a:avLst/>
+          </a:prstGeom>
+        </p:spPr>
+        <p:txBody>
+          <a:bodyPr vert="horz">
+            <a:normAutofit fontScale="92500"/>
+          </a:bodyPr>
+          <a:lstStyle>
+            <a:lvl1pPr marL="274320" indent="-274320" algn="just" rtl="0" eaLnBrk="1" latinLnBrk="0" hangingPunct="1">
+              <a:spcBef>
+                <a:spcPts val="600"/>
+              </a:spcBef>
+              <a:buClr>
+                <a:schemeClr val="accent1"/>
+              </a:buClr>
+              <a:buSzPct val="76000"/>
+              <a:buFont typeface="Wingdings 3"/>
+              <a:buChar char=""/>
+              <a:defRPr kumimoji="0" sz="2600" kern="1200">
+                <a:solidFill>
+                  <a:schemeClr val="tx1"/>
+                </a:solidFill>
+                <a:latin typeface="+mn-lt"/>
+                <a:ea typeface="+mn-ea"/>
+                <a:cs typeface="+mn-cs"/>
+              </a:defRPr>
+            </a:lvl1pPr>
+            <a:lvl2pPr marL="548640" indent="-274320" algn="just" rtl="0" eaLnBrk="1" latinLnBrk="0" hangingPunct="1">
+              <a:spcBef>
+                <a:spcPts val="500"/>
+              </a:spcBef>
+              <a:buClr>
+                <a:schemeClr val="accent2"/>
+              </a:buClr>
+              <a:buSzPct val="76000"/>
+              <a:buFont typeface="Wingdings 3"/>
+              <a:buChar char=""/>
+              <a:defRPr kumimoji="0" sz="2300" kern="1200">
+                <a:solidFill>
+                  <a:schemeClr val="tx2"/>
+                </a:solidFill>
+                <a:latin typeface="+mn-lt"/>
+                <a:ea typeface="+mn-ea"/>
+                <a:cs typeface="+mn-cs"/>
+              </a:defRPr>
+            </a:lvl2pPr>
+            <a:lvl3pPr marL="822960" indent="-228600" algn="just" rtl="0" eaLnBrk="1" latinLnBrk="0" hangingPunct="1">
+              <a:spcBef>
+                <a:spcPts val="500"/>
+              </a:spcBef>
+              <a:buClr>
+                <a:schemeClr val="bg1">
+                  <a:shade val="50000"/>
+                </a:schemeClr>
+              </a:buClr>
+              <a:buSzPct val="76000"/>
+              <a:buFont typeface="Wingdings 3"/>
+              <a:buChar char=""/>
+              <a:defRPr kumimoji="0" sz="2000" kern="1200">
+                <a:solidFill>
+                  <a:schemeClr val="tx1"/>
+                </a:solidFill>
+                <a:latin typeface="+mn-lt"/>
+                <a:ea typeface="+mn-ea"/>
+                <a:cs typeface="+mn-cs"/>
+              </a:defRPr>
+            </a:lvl3pPr>
+            <a:lvl4pPr marL="1097280" indent="-228600" algn="just" rtl="0" eaLnBrk="1" latinLnBrk="0" hangingPunct="1">
+              <a:spcBef>
+                <a:spcPts val="400"/>
+              </a:spcBef>
+              <a:buClr>
+                <a:schemeClr val="accent2">
+                  <a:shade val="75000"/>
+                </a:schemeClr>
+              </a:buClr>
+              <a:buSzPct val="70000"/>
+              <a:buFont typeface="Wingdings"/>
+              <a:buChar char=""/>
+              <a:defRPr kumimoji="0" sz="1800" kern="1200">
+                <a:solidFill>
+                  <a:schemeClr val="tx1"/>
+                </a:solidFill>
+                <a:latin typeface="+mn-lt"/>
+                <a:ea typeface="+mn-ea"/>
+                <a:cs typeface="+mn-cs"/>
+              </a:defRPr>
+            </a:lvl4pPr>
+            <a:lvl5pPr marL="1371600" indent="-228600" algn="just" rtl="0" eaLnBrk="1" latinLnBrk="0" hangingPunct="1">
+              <a:spcBef>
+                <a:spcPts val="300"/>
+              </a:spcBef>
+              <a:buClr>
+                <a:schemeClr val="accent2"/>
+              </a:buClr>
+              <a:buSzPct val="70000"/>
+              <a:buFont typeface="Wingdings"/>
+              <a:buChar char=""/>
+              <a:defRPr kumimoji="0" sz="1600" kern="1200">
+                <a:solidFill>
+                  <a:schemeClr val="tx1"/>
+                </a:solidFill>
+                <a:latin typeface="+mn-lt"/>
+                <a:ea typeface="+mn-ea"/>
+                <a:cs typeface="+mn-cs"/>
+              </a:defRPr>
+            </a:lvl5pPr>
+            <a:lvl6pPr marL="1645920" indent="-182880" algn="l" rtl="0" eaLnBrk="1" latinLnBrk="0" hangingPunct="1">
+              <a:spcBef>
+                <a:spcPts val="300"/>
+              </a:spcBef>
+              <a:buClr>
+                <a:srgbClr val="9FB8CD">
+                  <a:shade val="75000"/>
+                </a:srgbClr>
+              </a:buClr>
+              <a:buSzPct val="75000"/>
+              <a:buFont typeface="Wingdings 3"/>
+              <a:buChar char=""/>
+              <a:defRPr kumimoji="0" lang="en-US" sz="1600" kern="1200" smtClean="0">
+                <a:solidFill>
+                  <a:schemeClr val="tx1"/>
+                </a:solidFill>
+                <a:latin typeface="+mn-lt"/>
+                <a:ea typeface="+mn-ea"/>
+                <a:cs typeface="+mn-cs"/>
+              </a:defRPr>
+            </a:lvl6pPr>
+            <a:lvl7pPr marL="1828800" indent="-182880" algn="l" rtl="0" eaLnBrk="1" latinLnBrk="0" hangingPunct="1">
+              <a:spcBef>
+                <a:spcPts val="300"/>
+              </a:spcBef>
+              <a:buClr>
+                <a:srgbClr val="727CA3">
+                  <a:shade val="75000"/>
+                </a:srgbClr>
+              </a:buClr>
+              <a:buSzPct val="75000"/>
+              <a:buFont typeface="Wingdings 3"/>
+              <a:buChar char=""/>
+              <a:defRPr kumimoji="0" lang="en-US" sz="1400" kern="1200" smtClean="0">
+                <a:solidFill>
+                  <a:schemeClr val="tx1"/>
+                </a:solidFill>
+                <a:latin typeface="+mn-lt"/>
+                <a:ea typeface="+mn-ea"/>
+                <a:cs typeface="+mn-cs"/>
+              </a:defRPr>
+            </a:lvl7pPr>
+            <a:lvl8pPr marL="2011680" indent="-182880" algn="l" rtl="0" eaLnBrk="1" latinLnBrk="0" hangingPunct="1">
+              <a:spcBef>
+                <a:spcPts val="300"/>
+              </a:spcBef>
+              <a:buClr>
+                <a:prstClr val="white">
+                  <a:shade val="50000"/>
+                </a:prstClr>
+              </a:buClr>
+              <a:buSzPct val="75000"/>
+              <a:buFont typeface="Wingdings 3"/>
+              <a:buChar char=""/>
+              <a:defRPr kumimoji="0" lang="en-US" sz="1400" kern="1200" smtClean="0">
+                <a:solidFill>
+                  <a:schemeClr val="tx1"/>
+                </a:solidFill>
+                <a:latin typeface="+mn-lt"/>
+                <a:ea typeface="+mn-ea"/>
+                <a:cs typeface="+mn-cs"/>
+              </a:defRPr>
+            </a:lvl8pPr>
+            <a:lvl9pPr marL="2194560" indent="-182880" algn="l" rtl="0" eaLnBrk="1" latinLnBrk="0" hangingPunct="1">
+              <a:spcBef>
+                <a:spcPts val="300"/>
+              </a:spcBef>
+              <a:buClr>
+                <a:srgbClr val="9FB8CD"/>
+              </a:buClr>
+              <a:buSzPct val="75000"/>
+              <a:buFont typeface="Wingdings 3"/>
+              <a:buChar char=""/>
+              <a:defRPr kumimoji="0" lang="en-US" sz="1200" kern="1200" smtClean="0">
+                <a:solidFill>
+                  <a:schemeClr val="tx1"/>
+                </a:solidFill>
+                <a:latin typeface="+mn-lt"/>
+                <a:ea typeface="+mn-ea"/>
+                <a:cs typeface="+mn-cs"/>
+              </a:defRPr>
+            </a:lvl9pPr>
+          </a:lstStyle>
+          <a:p>
+            <a:pPr algn="l" fontAlgn="auto">
+              <a:spcAft>
+                <a:spcPts val="0"/>
+              </a:spcAft>
+            </a:pPr>
+            <a:r>
+              <a:rPr lang="en-US" i="1" dirty="0"/>
+              <a:t>1) CLRS Algorithms Book ( a couple of selected chapters )</a:t>
+            </a:r>
+            <a:endParaRPr lang="en-US" dirty="0"/>
+          </a:p>
+        </p:txBody>
+      </p:sp>
+      <p:pic>
+        <p:nvPicPr>
+          <p:cNvPr id="2" name="Picture 1">
+            <a:extLst>
+              <a:ext uri="{FF2B5EF4-FFF2-40B4-BE49-F238E27FC236}">
+                <a16:creationId xmlns:a16="http://schemas.microsoft.com/office/drawing/2014/main" id="{D7B83978-9D13-F245-BE01-843D8BA93BE6}"/>
+              </a:ext>
+            </a:extLst>
+          </p:cNvPr>
+          <p:cNvPicPr>
+            <a:picLocks noChangeAspect="1"/>
+          </p:cNvPicPr>
+          <p:nvPr/>
+        </p:nvPicPr>
+        <p:blipFill>
+          <a:blip r:embed="rId2"/>
+          <a:stretch>
+            <a:fillRect/>
+          </a:stretch>
+        </p:blipFill>
+        <p:spPr>
+          <a:xfrm>
+            <a:off x="9047161" y="1406138"/>
+            <a:ext cx="2000250" cy="2667000"/>
+          </a:xfrm>
+          <a:prstGeom prst="rect">
+            <a:avLst/>
+          </a:prstGeom>
+        </p:spPr>
+      </p:pic>
+      <p:sp>
+        <p:nvSpPr>
+          <p:cNvPr id="9" name="Content Placeholder 5">
+            <a:extLst>
+              <a:ext uri="{FF2B5EF4-FFF2-40B4-BE49-F238E27FC236}">
+                <a16:creationId xmlns:a16="http://schemas.microsoft.com/office/drawing/2014/main" id="{049CB365-3BBF-484F-B940-885FAF35333C}"/>
+              </a:ext>
+            </a:extLst>
+          </p:cNvPr>
+          <p:cNvSpPr txBox="1">
+            <a:spLocks/>
+          </p:cNvSpPr>
+          <p:nvPr/>
+        </p:nvSpPr>
+        <p:spPr>
+          <a:xfrm>
+            <a:off x="1661056" y="5206360"/>
+            <a:ext cx="8982560" cy="633952"/>
           </a:xfrm>
           <a:prstGeom prst="rect">
             <a:avLst/>
@@ -14047,266 +14938,26 @@
             </a:pPr>
             <a:r>
               <a:rPr lang="en-US" i="1" dirty="0"/>
-              <a:t>Introduction to the Theory of Computation </a:t>
-            </a:r>
-            <a:r>
-              <a:rPr lang="en-US" dirty="0"/>
-              <a:t>by </a:t>
-            </a:r>
-            <a:r>
-              <a:rPr lang="en-US" dirty="0" err="1"/>
-              <a:t>Sipser</a:t>
+              <a:t>2) </a:t>
+            </a:r>
+            <a:r>
+              <a:rPr lang="en-US" i="1" dirty="0">
+                <a:hlinkClick r:id="rId3"/>
+              </a:rPr>
+              <a:t>https://cp-algorithms.com/</a:t>
+            </a:r>
+            <a:r>
+              <a:rPr lang="en-US" i="1" dirty="0"/>
+              <a:t>  (website of curated algorithms)</a:t>
             </a:r>
             <a:endParaRPr lang="en-US" dirty="0"/>
-          </a:p>
-          <a:p>
-            <a:pPr lvl="1" algn="l" fontAlgn="auto">
-              <a:spcAft>
-                <a:spcPts val="0"/>
-              </a:spcAft>
-            </a:pPr>
-            <a:r>
-              <a:rPr lang="en-US" dirty="0"/>
-              <a:t>2</a:t>
-            </a:r>
-            <a:r>
-              <a:rPr lang="en-US" baseline="30000" dirty="0"/>
-              <a:t>nd</a:t>
-            </a:r>
-            <a:r>
-              <a:rPr lang="en-US" dirty="0"/>
-              <a:t> edition!</a:t>
-            </a:r>
-          </a:p>
-        </p:txBody>
-      </p:sp>
-      <p:pic>
-        <p:nvPicPr>
-          <p:cNvPr id="4" name="Picture 3">
-            <a:extLst>
-              <a:ext uri="{FF2B5EF4-FFF2-40B4-BE49-F238E27FC236}">
-                <a16:creationId xmlns:a16="http://schemas.microsoft.com/office/drawing/2014/main" id="{FF051F44-70BF-6943-8AC2-30E482424055}"/>
-              </a:ext>
-            </a:extLst>
-          </p:cNvPr>
-          <p:cNvPicPr>
-            <a:picLocks noChangeAspect="1"/>
-          </p:cNvPicPr>
-          <p:nvPr/>
-        </p:nvPicPr>
-        <p:blipFill>
-          <a:blip r:embed="rId2"/>
-          <a:stretch>
-            <a:fillRect/>
-          </a:stretch>
-        </p:blipFill>
-        <p:spPr>
-          <a:xfrm>
-            <a:off x="7876246" y="1406138"/>
-            <a:ext cx="1883748" cy="2691069"/>
-          </a:xfrm>
-          <a:prstGeom prst="rect">
-            <a:avLst/>
-          </a:prstGeom>
-        </p:spPr>
-      </p:pic>
-    </p:spTree>
-    <p:extLst>
-      <p:ext uri="{BB962C8B-B14F-4D97-AF65-F5344CB8AC3E}">
-        <p14:creationId xmlns:p14="http://schemas.microsoft.com/office/powerpoint/2010/main" val="1172200596"/>
-      </p:ext>
-    </p:extLst>
-  </p:cSld>
-  <p:clrMapOvr>
-    <a:masterClrMapping/>
-  </p:clrMapOvr>
-</p:sld>
-</file>
-
-<file path=ppt/slides/slide13.xml><?xml version="1.0" encoding="utf-8"?>
-<p:sld xmlns:a="http://schemas.openxmlformats.org/drawingml/2006/main" xmlns:r="http://schemas.openxmlformats.org/officeDocument/2006/relationships" xmlns:p="http://schemas.openxmlformats.org/presentationml/2006/main">
-  <p:cSld>
-    <p:spTree>
-      <p:nvGrpSpPr>
-        <p:cNvPr id="1" name=""/>
-        <p:cNvGrpSpPr/>
-        <p:nvPr/>
-      </p:nvGrpSpPr>
-      <p:grpSpPr>
-        <a:xfrm>
-          <a:off x="0" y="0"/>
-          <a:ext cx="0" cy="0"/>
-          <a:chOff x="0" y="0"/>
-          <a:chExt cx="0" cy="0"/>
-        </a:xfrm>
-      </p:grpSpPr>
-      <p:sp>
-        <p:nvSpPr>
-          <p:cNvPr id="2" name="Title 1">
-            <a:extLst>
-              <a:ext uri="{FF2B5EF4-FFF2-40B4-BE49-F238E27FC236}">
-                <a16:creationId xmlns:a16="http://schemas.microsoft.com/office/drawing/2014/main" id="{10E4624E-6BA1-BB4D-8A7A-500B5099ECEB}"/>
-              </a:ext>
-            </a:extLst>
-          </p:cNvPr>
-          <p:cNvSpPr>
-            <a:spLocks noGrp="1"/>
-          </p:cNvSpPr>
-          <p:nvPr>
-            <p:ph type="title"/>
-          </p:nvPr>
-        </p:nvSpPr>
-        <p:spPr>
-          <a:xfrm>
-            <a:off x="1141413" y="347214"/>
-            <a:ext cx="9905998" cy="697816"/>
-          </a:xfrm>
-        </p:spPr>
-        <p:txBody>
-          <a:bodyPr/>
-          <a:lstStyle/>
-          <a:p>
-            <a:pPr algn="ctr"/>
-            <a:r>
-              <a:rPr lang="en-US" dirty="0"/>
-              <a:t>Lectures</a:t>
-            </a:r>
-          </a:p>
-        </p:txBody>
-      </p:sp>
-      <p:sp>
-        <p:nvSpPr>
-          <p:cNvPr id="4" name="Content Placeholder 3">
-            <a:extLst>
-              <a:ext uri="{FF2B5EF4-FFF2-40B4-BE49-F238E27FC236}">
-                <a16:creationId xmlns:a16="http://schemas.microsoft.com/office/drawing/2014/main" id="{22F38866-4BB8-1749-AF0C-AB089AECC899}"/>
-              </a:ext>
-            </a:extLst>
-          </p:cNvPr>
-          <p:cNvSpPr>
-            <a:spLocks noGrp="1"/>
-          </p:cNvSpPr>
-          <p:nvPr>
-            <p:ph sz="half" idx="1"/>
-          </p:nvPr>
-        </p:nvSpPr>
-        <p:spPr>
-          <a:xfrm>
-            <a:off x="1141413" y="1045030"/>
-            <a:ext cx="9905997" cy="5111930"/>
-          </a:xfrm>
-        </p:spPr>
-        <p:txBody>
-          <a:bodyPr>
-            <a:normAutofit fontScale="92500" lnSpcReduction="10000"/>
-          </a:bodyPr>
-          <a:lstStyle/>
-          <a:p>
-            <a:r>
-              <a:rPr lang="en-US" dirty="0"/>
-              <a:t>Back to traditional, in-person lectures.</a:t>
-            </a:r>
-          </a:p>
-          <a:p>
-            <a:pPr lvl="1"/>
-            <a:r>
-              <a:rPr lang="en-US" dirty="0"/>
-              <a:t>Tu / Th 9:30 – 10:45 am @ Mechanical Engr. 205</a:t>
-            </a:r>
-          </a:p>
-          <a:p>
-            <a:pPr lvl="1"/>
-            <a:r>
-              <a:rPr lang="en-US" dirty="0"/>
-              <a:t>Tu / Th 12:30 - 1:45 pm @ Gilmer Hall 301</a:t>
-            </a:r>
-          </a:p>
-          <a:p>
-            <a:pPr lvl="1"/>
-            <a:endParaRPr lang="en-US" dirty="0"/>
-          </a:p>
-          <a:p>
-            <a:r>
-              <a:rPr lang="en-US" dirty="0"/>
-              <a:t>There may be a weekly discussion section (optional) hosted by our Graduate TA (stay tuned for if / when that will occur).</a:t>
-            </a:r>
-          </a:p>
-          <a:p>
-            <a:pPr lvl="1"/>
-            <a:endParaRPr lang="en-US" dirty="0"/>
-          </a:p>
-          <a:p>
-            <a:r>
-              <a:rPr lang="en-US" dirty="0"/>
-              <a:t>Lectures will be recorded and posted on Canvas -&gt; Lecture Recordings</a:t>
-            </a:r>
-          </a:p>
-          <a:p>
-            <a:pPr lvl="1"/>
-            <a:r>
-              <a:rPr lang="en-US" dirty="0"/>
-              <a:t>Using Panopto, so no live broadcast</a:t>
-            </a:r>
-          </a:p>
-          <a:p>
-            <a:pPr lvl="1"/>
-            <a:r>
-              <a:rPr lang="en-US" dirty="0"/>
-              <a:t>A note about recordings…they are a privilege, not a right.</a:t>
-            </a:r>
-          </a:p>
-          <a:p>
-            <a:pPr lvl="1"/>
-            <a:endParaRPr lang="en-US" dirty="0"/>
-          </a:p>
-          <a:p>
-            <a:r>
-              <a:rPr lang="en-US" dirty="0"/>
-              <a:t>Lectures will cover course topics, example problems, proofs, etc.</a:t>
-            </a:r>
-          </a:p>
-          <a:p>
-            <a:endParaRPr lang="en-US" dirty="0"/>
-          </a:p>
-          <a:p>
-            <a:endParaRPr lang="en-US" dirty="0"/>
-          </a:p>
-        </p:txBody>
-      </p:sp>
-      <p:sp>
-        <p:nvSpPr>
-          <p:cNvPr id="3" name="Slide Number Placeholder 2">
-            <a:extLst>
-              <a:ext uri="{FF2B5EF4-FFF2-40B4-BE49-F238E27FC236}">
-                <a16:creationId xmlns:a16="http://schemas.microsoft.com/office/drawing/2014/main" id="{6D13540E-69A5-B74F-91AB-DED5BA9812E6}"/>
-              </a:ext>
-            </a:extLst>
-          </p:cNvPr>
-          <p:cNvSpPr>
-            <a:spLocks noGrp="1"/>
-          </p:cNvSpPr>
-          <p:nvPr>
-            <p:ph type="sldNum" sz="quarter" idx="12"/>
-          </p:nvPr>
-        </p:nvSpPr>
-        <p:spPr/>
-        <p:txBody>
-          <a:bodyPr/>
-          <a:lstStyle/>
-          <a:p>
-            <a:fld id="{F26D9103-0C5C-48AC-B68E-3ED2C1647047}" type="slidenum">
-              <a:rPr lang="en-US" smtClean="0"/>
-              <a:pPr/>
-              <a:t>13</a:t>
-            </a:fld>
-            <a:endParaRPr lang="en-US"/>
           </a:p>
         </p:txBody>
       </p:sp>
     </p:spTree>
     <p:extLst>
       <p:ext uri="{BB962C8B-B14F-4D97-AF65-F5344CB8AC3E}">
-        <p14:creationId xmlns:p14="http://schemas.microsoft.com/office/powerpoint/2010/main" val="1777500093"/>
+        <p14:creationId xmlns:p14="http://schemas.microsoft.com/office/powerpoint/2010/main" val="1172200596"/>
       </p:ext>
     </p:extLst>
   </p:cSld>
@@ -14358,7 +15009,7 @@
             <a:pPr algn="ctr"/>
             <a:r>
               <a:rPr lang="en-US" dirty="0"/>
-              <a:t>Modules</a:t>
+              <a:t>Topics</a:t>
             </a:r>
           </a:p>
         </p:txBody>
@@ -14375,8 +15026,8 @@
         </p:nvSpPr>
         <p:spPr>
           <a:xfrm>
-            <a:off x="3316208" y="1969476"/>
-            <a:ext cx="5395711" cy="2813539"/>
+            <a:off x="3107364" y="1887180"/>
+            <a:ext cx="5974096" cy="3599220"/>
           </a:xfrm>
         </p:spPr>
         <p:txBody>
@@ -14387,42 +15038,64 @@
           <a:p>
             <a:r>
               <a:rPr lang="en-US" i="1" dirty="0"/>
-              <a:t>The course is divided into 5 modules</a:t>
+              <a:t>The course is divided into 7 high-level topics</a:t>
             </a:r>
           </a:p>
           <a:p>
             <a:pPr lvl="1"/>
             <a:r>
               <a:rPr lang="en-US" i="1" dirty="0"/>
-              <a:t>1: Intro, Review of Proofs, and Cardinality</a:t>
+              <a:t>1: Fenwick Trees</a:t>
             </a:r>
           </a:p>
           <a:p>
             <a:pPr lvl="1"/>
             <a:r>
               <a:rPr lang="en-US" i="1" dirty="0"/>
-              <a:t>2: Regular Languages</a:t>
+              <a:t>2: Segment Trees</a:t>
             </a:r>
           </a:p>
           <a:p>
             <a:pPr lvl="1"/>
             <a:r>
               <a:rPr lang="en-US" i="1" dirty="0"/>
-              <a:t>3: Context-Free Grammars</a:t>
+              <a:t>3: Linear Programming</a:t>
             </a:r>
           </a:p>
           <a:p>
             <a:pPr lvl="1"/>
             <a:r>
               <a:rPr lang="en-US" i="1" dirty="0"/>
-              <a:t>4: Turing Machines and Decidability</a:t>
+              <a:t>4: Computational Geometry</a:t>
             </a:r>
           </a:p>
           <a:p>
             <a:pPr lvl="1"/>
             <a:r>
               <a:rPr lang="en-US" i="1" dirty="0"/>
-              <a:t>5: Complexity Theory</a:t>
+              <a:t>5: Van </a:t>
+            </a:r>
+            <a:r>
+              <a:rPr lang="en-US" i="1" dirty="0" err="1"/>
+              <a:t>Emde</a:t>
+            </a:r>
+            <a:r>
+              <a:rPr lang="en-US" i="1" dirty="0"/>
+              <a:t> Boas Trees</a:t>
+            </a:r>
+          </a:p>
+          <a:p>
+            <a:pPr lvl="1"/>
+            <a:r>
+              <a:rPr lang="en-US" i="1" dirty="0"/>
+              <a:t>6: Approximation Algorithms</a:t>
+            </a:r>
+          </a:p>
+          <a:p>
+            <a:pPr lvl="1"/>
+            <a:r>
+              <a:rPr lang="en-US" i="1" dirty="0"/>
+              <a:t>7: Little Algorithms (Your final project)</a:t>
             </a:r>
           </a:p>
           <a:p>
@@ -14431,30 +15104,6 @@
           </a:p>
           <a:p>
             <a:endParaRPr lang="en-US" i="1" dirty="0"/>
-          </a:p>
-        </p:txBody>
-      </p:sp>
-      <p:sp>
-        <p:nvSpPr>
-          <p:cNvPr id="4" name="Slide Number Placeholder 3"/>
-          <p:cNvSpPr>
-            <a:spLocks noGrp="1"/>
-          </p:cNvSpPr>
-          <p:nvPr>
-            <p:ph type="sldNum" sz="quarter" idx="12"/>
-          </p:nvPr>
-        </p:nvSpPr>
-        <p:spPr/>
-        <p:txBody>
-          <a:bodyPr/>
-          <a:lstStyle/>
-          <a:p>
-            <a:fld id="{F26D9103-0C5C-48AC-B68E-3ED2C1647047}" type="slidenum">
-              <a:rPr lang="en-US" smtClean="0"/>
-              <a:pPr/>
-              <a:t>14</a:t>
-            </a:fld>
-            <a:endParaRPr lang="en-US"/>
           </a:p>
         </p:txBody>
       </p:sp>
@@ -14490,9 +15139,9 @@
       </p:grpSpPr>
       <p:sp>
         <p:nvSpPr>
-          <p:cNvPr id="2" name="Title 1"/>
+          <p:cNvPr id="12290" name="Rectangle 2"/>
           <p:cNvSpPr>
-            <a:spLocks noGrp="1"/>
+            <a:spLocks noGrp="1" noChangeArrowheads="1"/>
           </p:cNvSpPr>
           <p:nvPr>
             <p:ph type="title"/>
@@ -14500,8 +15149,36 @@
         </p:nvSpPr>
         <p:spPr>
           <a:xfrm>
-            <a:off x="1141413" y="417551"/>
-            <a:ext cx="9905998" cy="783227"/>
+            <a:off x="1981200" y="382674"/>
+            <a:ext cx="8229600" cy="792145"/>
+          </a:xfrm>
+        </p:spPr>
+        <p:txBody>
+          <a:bodyPr/>
+          <a:lstStyle/>
+          <a:p>
+            <a:pPr algn="ctr"/>
+            <a:r>
+              <a:rPr lang="en-US" dirty="0"/>
+              <a:t>Homework</a:t>
+            </a:r>
+          </a:p>
+        </p:txBody>
+      </p:sp>
+      <p:sp>
+        <p:nvSpPr>
+          <p:cNvPr id="12291" name="Rectangle 3"/>
+          <p:cNvSpPr>
+            <a:spLocks noGrp="1" noChangeArrowheads="1"/>
+          </p:cNvSpPr>
+          <p:nvPr>
+            <p:ph idx="1"/>
+          </p:nvPr>
+        </p:nvSpPr>
+        <p:spPr>
+          <a:xfrm>
+            <a:off x="1502511" y="1376039"/>
+            <a:ext cx="9198985" cy="4872359"/>
           </a:xfrm>
         </p:spPr>
         <p:txBody>
@@ -14510,39 +15187,10 @@
           </a:bodyPr>
           <a:lstStyle/>
           <a:p>
-            <a:pPr algn="ctr"/>
+            <a:pPr algn="l"/>
             <a:r>
               <a:rPr lang="en-US" dirty="0"/>
-              <a:t>Modules (Cont’d)</a:t>
-            </a:r>
-          </a:p>
-        </p:txBody>
-      </p:sp>
-      <p:sp>
-        <p:nvSpPr>
-          <p:cNvPr id="3" name="Content Placeholder 2"/>
-          <p:cNvSpPr>
-            <a:spLocks noGrp="1"/>
-          </p:cNvSpPr>
-          <p:nvPr>
-            <p:ph idx="1"/>
-          </p:nvPr>
-        </p:nvSpPr>
-        <p:spPr>
-          <a:xfrm>
-            <a:off x="1905000" y="1600200"/>
-            <a:ext cx="8665139" cy="4449744"/>
-          </a:xfrm>
-        </p:spPr>
-        <p:txBody>
-          <a:bodyPr>
-            <a:normAutofit/>
-          </a:bodyPr>
-          <a:lstStyle/>
-          <a:p>
-            <a:r>
-              <a:rPr lang="en-US" i="1" dirty="0"/>
-              <a:t>Most modules are 4-6 lectures worth of content, some are a bit more.</a:t>
+              <a:t>6 Programming Challenges (Warm-up + 1 per first five topics)</a:t>
             </a:r>
           </a:p>
           <a:p>
@@ -14550,82 +15198,62 @@
           </a:p>
           <a:p>
             <a:r>
-              <a:rPr lang="en-US" i="1" dirty="0"/>
-              <a:t>Each module involves:</a:t>
+              <a:rPr lang="en-US" b="1" i="1" u="sng" dirty="0"/>
+              <a:t>Programming HW</a:t>
+            </a:r>
+            <a:r>
+              <a:rPr lang="en-US" dirty="0"/>
+              <a:t>:</a:t>
             </a:r>
           </a:p>
           <a:p>
             <a:pPr lvl="1"/>
             <a:r>
-              <a:rPr lang="en-US" i="1" dirty="0"/>
-              <a:t>~5 lectures worth of content</a:t>
-            </a:r>
-          </a:p>
-          <a:p>
-            <a:pPr lvl="1"/>
-            <a:r>
-              <a:rPr lang="en-US" i="1" dirty="0"/>
-              <a:t>1 or 2 </a:t>
-            </a:r>
-            <a:r>
               <a:rPr lang="en-US" dirty="0"/>
-              <a:t>homework assignments (usually just one though)</a:t>
-            </a:r>
-          </a:p>
-          <a:p>
-            <a:pPr lvl="1"/>
-            <a:r>
-              <a:rPr lang="en-US" i="1" dirty="0"/>
-              <a:t>1 quiz (assessment)</a:t>
-            </a:r>
-          </a:p>
-          <a:p>
-            <a:pPr lvl="1"/>
-            <a:endParaRPr lang="en-US" i="1" dirty="0"/>
-          </a:p>
-          <a:p>
-            <a:r>
-              <a:rPr lang="en-US" i="1" dirty="0"/>
-              <a:t>In addition there is one other quiz, the final exam quiz (more on this later)</a:t>
-            </a:r>
-          </a:p>
-          <a:p>
-            <a:pPr lvl="1"/>
-            <a:endParaRPr lang="en-US" i="1" dirty="0"/>
-          </a:p>
-          <a:p>
-            <a:endParaRPr lang="en-US" i="1" dirty="0"/>
-          </a:p>
-        </p:txBody>
-      </p:sp>
-      <p:sp>
-        <p:nvSpPr>
-          <p:cNvPr id="4" name="Slide Number Placeholder 3"/>
-          <p:cNvSpPr>
-            <a:spLocks noGrp="1"/>
-          </p:cNvSpPr>
-          <p:nvPr>
-            <p:ph type="sldNum" sz="quarter" idx="12"/>
-          </p:nvPr>
-        </p:nvSpPr>
-        <p:spPr/>
-        <p:txBody>
-          <a:bodyPr/>
-          <a:lstStyle/>
-          <a:p>
-            <a:fld id="{F26D9103-0C5C-48AC-B68E-3ED2C1647047}" type="slidenum">
-              <a:rPr lang="en-US" smtClean="0"/>
-              <a:pPr/>
-              <a:t>15</a:t>
-            </a:fld>
-            <a:endParaRPr lang="en-US"/>
+              <a:t>Is written in Java, Python, or C++</a:t>
+            </a:r>
+          </a:p>
+          <a:p>
+            <a:pPr lvl="1" algn="l"/>
+            <a:r>
+              <a:rPr lang="en-US" dirty="0"/>
+              <a:t>ICPC style programming challenges. Will give problem statement and sample input output.</a:t>
+            </a:r>
+          </a:p>
+          <a:p>
+            <a:pPr lvl="1" algn="l"/>
+            <a:r>
+              <a:rPr lang="en-US" dirty="0"/>
+              <a:t>You need to:</a:t>
+            </a:r>
+          </a:p>
+          <a:p>
+            <a:pPr lvl="2"/>
+            <a:r>
+              <a:rPr lang="en-US" dirty="0"/>
+              <a:t>Design and implement a working algorithm</a:t>
+            </a:r>
+          </a:p>
+          <a:p>
+            <a:pPr lvl="2"/>
+            <a:r>
+              <a:rPr lang="en-US" dirty="0"/>
+              <a:t>Come up with your own test cases if your code doesn’t work</a:t>
+            </a:r>
+          </a:p>
+          <a:p>
+            <a:pPr lvl="2"/>
+            <a:r>
+              <a:rPr lang="en-US" dirty="0"/>
+              <a:t>Make sure your code is fast enough / works on the biggest test cases</a:t>
+            </a:r>
           </a:p>
         </p:txBody>
       </p:sp>
     </p:spTree>
     <p:extLst>
       <p:ext uri="{BB962C8B-B14F-4D97-AF65-F5344CB8AC3E}">
-        <p14:creationId xmlns:p14="http://schemas.microsoft.com/office/powerpoint/2010/main" val="3198794026"/>
+        <p14:creationId xmlns:p14="http://schemas.microsoft.com/office/powerpoint/2010/main" val="2802976195"/>
       </p:ext>
     </p:extLst>
   </p:cSld>
@@ -14664,8 +15292,8 @@
         </p:nvSpPr>
         <p:spPr>
           <a:xfrm>
-            <a:off x="1981200" y="312337"/>
-            <a:ext cx="8229600" cy="715945"/>
+            <a:off x="1981200" y="382674"/>
+            <a:ext cx="8229600" cy="792145"/>
           </a:xfrm>
         </p:spPr>
         <p:txBody>
@@ -14675,7 +15303,7 @@
             <a:pPr algn="ctr"/>
             <a:r>
               <a:rPr lang="en-US" dirty="0"/>
-              <a:t>Quizzes</a:t>
+              <a:t>Homework schedule</a:t>
             </a:r>
           </a:p>
         </p:txBody>
@@ -14692,8 +15320,8 @@
         </p:nvSpPr>
         <p:spPr>
           <a:xfrm>
-            <a:off x="1012263" y="1245995"/>
-            <a:ext cx="10221795" cy="5245239"/>
+            <a:off x="1502511" y="1376039"/>
+            <a:ext cx="9198985" cy="4872359"/>
           </a:xfrm>
         </p:spPr>
         <p:txBody>
@@ -14702,152 +15330,55 @@
           </a:bodyPr>
           <a:lstStyle/>
           <a:p>
+            <a:pPr algn="l"/>
             <a:r>
               <a:rPr lang="en-US" dirty="0"/>
-              <a:t>Medium size assessments of your knowledge in each module</a:t>
-            </a:r>
-          </a:p>
-          <a:p>
-            <a:pPr lvl="1"/>
+              <a:t>6 Programming Challenges (Warm-up + 1 per first five topics)</a:t>
+            </a:r>
+          </a:p>
+          <a:p>
+            <a:endParaRPr lang="en-US" i="1" dirty="0"/>
+          </a:p>
+          <a:p>
+            <a:r>
+              <a:rPr lang="en-US" b="1" i="1" u="sng" dirty="0"/>
+              <a:t>Friday Before Due Date</a:t>
+            </a:r>
             <a:r>
               <a:rPr lang="en-US" dirty="0"/>
-              <a:t>Meant to ensure you have knowledge of the individual topics from lecture to a sufficient degree.</a:t>
-            </a:r>
-          </a:p>
-          <a:p>
-            <a:pPr lvl="1"/>
+              <a:t>: Problem is revealed in class and we spend class time working on the assignment. You can freely discuss with one another during this time and I will walk around and help.</a:t>
+            </a:r>
+          </a:p>
+          <a:p>
+            <a:r>
+              <a:rPr lang="en-US" b="1" i="1" u="sng" dirty="0"/>
+              <a:t>Wed. After That</a:t>
+            </a:r>
             <a:r>
               <a:rPr lang="en-US" dirty="0"/>
-              <a:t>Usually about two pages worth of traditional exam material.</a:t>
-            </a:r>
-          </a:p>
-          <a:p>
-            <a:endParaRPr lang="en-US" dirty="0"/>
-          </a:p>
-          <a:p>
+              <a:t>: Programming challenge is due</a:t>
+            </a:r>
+          </a:p>
+          <a:p>
+            <a:r>
+              <a:rPr lang="en-US" b="1" i="1" u="sng" dirty="0"/>
+              <a:t>Mon. After That</a:t>
+            </a:r>
             <a:r>
               <a:rPr lang="en-US" dirty="0"/>
-              <a:t>Quiz Schedule (I wanted this to be similar / modeled after a midterm schedule)</a:t>
-            </a:r>
-          </a:p>
-          <a:p>
-            <a:pPr lvl="1"/>
-            <a:r>
-              <a:rPr lang="en-US" sz="2000" dirty="0"/>
-              <a:t>Thu., Sep. 1</a:t>
-            </a:r>
-            <a:r>
-              <a:rPr lang="en-US" dirty="0"/>
-              <a:t>9</a:t>
-            </a:r>
-            <a:r>
-              <a:rPr lang="en-US" sz="2000" dirty="0"/>
-              <a:t>			Mod 1</a:t>
-            </a:r>
-          </a:p>
-          <a:p>
-            <a:pPr lvl="1"/>
-            <a:r>
-              <a:rPr lang="en-US" sz="2000" dirty="0"/>
-              <a:t>Thu., Oct. 10			Mod </a:t>
-            </a:r>
-            <a:r>
-              <a:rPr lang="en-US" dirty="0"/>
-              <a:t>2</a:t>
-            </a:r>
-          </a:p>
-          <a:p>
-            <a:pPr lvl="1"/>
-            <a:r>
-              <a:rPr lang="en-US" sz="2000" dirty="0"/>
-              <a:t>Thu., </a:t>
-            </a:r>
-            <a:r>
-              <a:rPr lang="en-US" dirty="0"/>
-              <a:t>Oct</a:t>
-            </a:r>
-            <a:r>
-              <a:rPr lang="en-US" sz="2000" dirty="0"/>
-              <a:t>. </a:t>
-            </a:r>
-            <a:r>
-              <a:rPr lang="en-US" dirty="0"/>
-              <a:t>31</a:t>
-            </a:r>
-            <a:r>
-              <a:rPr lang="en-US" sz="2000" dirty="0"/>
-              <a:t>			Mod 3</a:t>
-            </a:r>
-          </a:p>
-          <a:p>
-            <a:pPr lvl="1"/>
-            <a:r>
-              <a:rPr lang="en-US" dirty="0"/>
-              <a:t>Thu., Nov. 21			Mod 4</a:t>
-            </a:r>
-            <a:endParaRPr lang="en-US" sz="2000" dirty="0"/>
-          </a:p>
-          <a:p>
-            <a:pPr lvl="1"/>
-            <a:r>
-              <a:rPr lang="en-US" sz="2000" dirty="0"/>
-              <a:t>Dec. 9 (Maybe</a:t>
-            </a:r>
-            <a:r>
-              <a:rPr lang="en-US" dirty="0"/>
-              <a:t>)</a:t>
-            </a:r>
-            <a:r>
-              <a:rPr lang="en-US" sz="2000" dirty="0"/>
-              <a:t>	</a:t>
-            </a:r>
-            <a:r>
-              <a:rPr lang="en-US" dirty="0"/>
-              <a:t>		</a:t>
-            </a:r>
-            <a:r>
-              <a:rPr lang="en-US" sz="2000" dirty="0"/>
-              <a:t>Mod 5, Final Exam Quiz, and optional 1-4 retakes</a:t>
-            </a:r>
-          </a:p>
-          <a:p>
-            <a:pPr lvl="1"/>
-            <a:endParaRPr lang="en-US" sz="2000" dirty="0"/>
+              <a:t>: Everyone gets auto-extension of 5 days if you need it. NO extensions for ANY REASON after that.</a:t>
+            </a:r>
           </a:p>
           <a:p>
             <a:pPr lvl="1"/>
             <a:endParaRPr lang="en-US" dirty="0"/>
-          </a:p>
-        </p:txBody>
-      </p:sp>
-      <p:sp>
-        <p:nvSpPr>
-          <p:cNvPr id="4" name="Slide Number Placeholder 3"/>
-          <p:cNvSpPr>
-            <a:spLocks noGrp="1"/>
-          </p:cNvSpPr>
-          <p:nvPr>
-            <p:ph type="sldNum" sz="quarter" idx="12"/>
-          </p:nvPr>
-        </p:nvSpPr>
-        <p:spPr/>
-        <p:txBody>
-          <a:bodyPr/>
-          <a:lstStyle/>
-          <a:p>
-            <a:fld id="{F26D9103-0C5C-48AC-B68E-3ED2C1647047}" type="slidenum">
-              <a:rPr lang="en-US" smtClean="0"/>
-              <a:pPr/>
-              <a:t>16</a:t>
-            </a:fld>
-            <a:endParaRPr lang="en-US"/>
           </a:p>
         </p:txBody>
       </p:sp>
     </p:spTree>
     <p:extLst>
       <p:ext uri="{BB962C8B-B14F-4D97-AF65-F5344CB8AC3E}">
-        <p14:creationId xmlns:p14="http://schemas.microsoft.com/office/powerpoint/2010/main" val="1895514943"/>
+        <p14:creationId xmlns:p14="http://schemas.microsoft.com/office/powerpoint/2010/main" val="56363346"/>
       </p:ext>
     </p:extLst>
   </p:cSld>
@@ -14886,8 +15417,8 @@
         </p:nvSpPr>
         <p:spPr>
           <a:xfrm>
-            <a:off x="1981200" y="381000"/>
-            <a:ext cx="8229600" cy="944545"/>
+            <a:off x="1981200" y="386862"/>
+            <a:ext cx="8229600" cy="768699"/>
           </a:xfrm>
         </p:spPr>
         <p:txBody>
@@ -14897,7 +15428,7 @@
             <a:pPr algn="ctr"/>
             <a:r>
               <a:rPr lang="en-US" dirty="0"/>
-              <a:t>Quizzes</a:t>
+              <a:t>Homework Grades</a:t>
             </a:r>
           </a:p>
         </p:txBody>
@@ -14914,8 +15445,8 @@
         </p:nvSpPr>
         <p:spPr>
           <a:xfrm>
-            <a:off x="1391978" y="1539892"/>
-            <a:ext cx="9470290" cy="4525944"/>
+            <a:off x="1524000" y="1944210"/>
+            <a:ext cx="9046139" cy="4532790"/>
           </a:xfrm>
         </p:spPr>
         <p:txBody>
@@ -14925,85 +15456,52 @@
           <a:lstStyle/>
           <a:p>
             <a:r>
+              <a:rPr lang="en-US" dirty="0" err="1"/>
+              <a:t>Homeworks</a:t>
+            </a:r>
+            <a:r>
               <a:rPr lang="en-US" dirty="0"/>
-              <a:t>Two possible outcomes </a:t>
-            </a:r>
+              <a:t> will be graded on a traditional percentage scale:</a:t>
+            </a:r>
+          </a:p>
+          <a:p>
+            <a:pPr lvl="1"/>
             <a:r>
               <a:rPr lang="en-US" b="1" i="1" u="sng" dirty="0"/>
-              <a:t>for each quiz</a:t>
-            </a:r>
+              <a:t>Out of 10 points (or similar)</a:t>
+            </a:r>
+            <a:endParaRPr lang="en-US" dirty="0"/>
+          </a:p>
+          <a:p>
+            <a:pPr lvl="1"/>
             <a:r>
               <a:rPr lang="en-US" dirty="0"/>
-              <a:t>:</a:t>
+              <a:t>Based on the number of test cases that you pass</a:t>
             </a:r>
           </a:p>
           <a:p>
             <a:pPr lvl="1"/>
             <a:r>
-              <a:rPr lang="en-US" b="1" i="1" u="sng" dirty="0"/>
-              <a:t>grade &lt;= 90 %</a:t>
+              <a:rPr lang="en-US" dirty="0" err="1"/>
+              <a:t>Gradescope</a:t>
             </a:r>
             <a:r>
               <a:rPr lang="en-US" dirty="0"/>
-              <a:t>: You earn the grade as shown</a:t>
-            </a:r>
-          </a:p>
-          <a:p>
-            <a:pPr lvl="1"/>
-            <a:r>
-              <a:rPr lang="en-US" b="1" i="1" u="sng" dirty="0"/>
-              <a:t>grade &gt; 90 %:</a:t>
-            </a:r>
-            <a:r>
-              <a:rPr lang="en-US" dirty="0"/>
-              <a:t> Grade is rounded up to a 100% (mastery!)</a:t>
+              <a:t> will give you this feedback</a:t>
             </a:r>
           </a:p>
           <a:p>
             <a:endParaRPr lang="en-US" dirty="0"/>
           </a:p>
           <a:p>
-            <a:r>
-              <a:rPr lang="en-US" dirty="0"/>
-              <a:t>You always receive the highest grade over all attempts (e.g., final exam retakes</a:t>
-            </a:r>
-          </a:p>
-          <a:p>
-            <a:r>
-              <a:rPr lang="en-US" dirty="0"/>
-              <a:t>If you earn above a 90%, rounding is meant to ensure you don’t take the retake on the final exam day.</a:t>
-            </a:r>
-          </a:p>
-        </p:txBody>
-      </p:sp>
-      <p:sp>
-        <p:nvSpPr>
-          <p:cNvPr id="4" name="Slide Number Placeholder 3"/>
-          <p:cNvSpPr>
-            <a:spLocks noGrp="1"/>
-          </p:cNvSpPr>
-          <p:nvPr>
-            <p:ph type="sldNum" sz="quarter" idx="12"/>
-          </p:nvPr>
-        </p:nvSpPr>
-        <p:spPr/>
-        <p:txBody>
-          <a:bodyPr/>
-          <a:lstStyle/>
-          <a:p>
-            <a:fld id="{F26D9103-0C5C-48AC-B68E-3ED2C1647047}" type="slidenum">
-              <a:rPr lang="en-US" smtClean="0"/>
-              <a:pPr/>
-              <a:t>17</a:t>
-            </a:fld>
-            <a:endParaRPr lang="en-US"/>
+            <a:endParaRPr lang="en-US" dirty="0"/>
           </a:p>
         </p:txBody>
       </p:sp>
     </p:spTree>
     <p:extLst>
       <p:ext uri="{BB962C8B-B14F-4D97-AF65-F5344CB8AC3E}">
-        <p14:creationId xmlns:p14="http://schemas.microsoft.com/office/powerpoint/2010/main" val="2940204379"/>
+        <p14:creationId xmlns:p14="http://schemas.microsoft.com/office/powerpoint/2010/main" val="3112164517"/>
       </p:ext>
     </p:extLst>
   </p:cSld>
@@ -15014,6 +15512,140 @@
 </file>
 
 <file path=ppt/slides/slide18.xml><?xml version="1.0" encoding="utf-8"?>
+<p:sld xmlns:a="http://schemas.openxmlformats.org/drawingml/2006/main" xmlns:r="http://schemas.openxmlformats.org/officeDocument/2006/relationships" xmlns:p="http://schemas.openxmlformats.org/presentationml/2006/main">
+  <p:cSld>
+    <p:spTree>
+      <p:nvGrpSpPr>
+        <p:cNvPr id="1" name=""/>
+        <p:cNvGrpSpPr/>
+        <p:nvPr/>
+      </p:nvGrpSpPr>
+      <p:grpSpPr>
+        <a:xfrm>
+          <a:off x="0" y="0"/>
+          <a:ext cx="0" cy="0"/>
+          <a:chOff x="0" y="0"/>
+          <a:chExt cx="0" cy="0"/>
+        </a:xfrm>
+      </p:grpSpPr>
+      <p:sp>
+        <p:nvSpPr>
+          <p:cNvPr id="12290" name="Rectangle 2"/>
+          <p:cNvSpPr>
+            <a:spLocks noGrp="1" noChangeArrowheads="1"/>
+          </p:cNvSpPr>
+          <p:nvPr>
+            <p:ph type="title"/>
+          </p:nvPr>
+        </p:nvSpPr>
+        <p:spPr>
+          <a:xfrm>
+            <a:off x="1981200" y="312337"/>
+            <a:ext cx="8229600" cy="715945"/>
+          </a:xfrm>
+        </p:spPr>
+        <p:txBody>
+          <a:bodyPr/>
+          <a:lstStyle/>
+          <a:p>
+            <a:pPr algn="ctr"/>
+            <a:r>
+              <a:rPr lang="en-US" dirty="0"/>
+              <a:t>Quizzes</a:t>
+            </a:r>
+          </a:p>
+        </p:txBody>
+      </p:sp>
+      <p:sp>
+        <p:nvSpPr>
+          <p:cNvPr id="12291" name="Rectangle 3"/>
+          <p:cNvSpPr>
+            <a:spLocks noGrp="1" noChangeArrowheads="1"/>
+          </p:cNvSpPr>
+          <p:nvPr>
+            <p:ph idx="1"/>
+          </p:nvPr>
+        </p:nvSpPr>
+        <p:spPr>
+          <a:xfrm>
+            <a:off x="1012263" y="1245995"/>
+            <a:ext cx="10221795" cy="5245239"/>
+          </a:xfrm>
+        </p:spPr>
+        <p:txBody>
+          <a:bodyPr>
+            <a:normAutofit/>
+          </a:bodyPr>
+          <a:lstStyle/>
+          <a:p>
+            <a:r>
+              <a:rPr lang="en-US" dirty="0"/>
+              <a:t>Short assessments of your knowledge across 2-3 modules</a:t>
+            </a:r>
+          </a:p>
+          <a:p>
+            <a:pPr lvl="1"/>
+            <a:r>
+              <a:rPr lang="en-US" dirty="0"/>
+              <a:t>Meant to ensure you have knowledge of the individual topics from lecture to a sufficient degree.</a:t>
+            </a:r>
+          </a:p>
+          <a:p>
+            <a:pPr lvl="1"/>
+            <a:r>
+              <a:rPr lang="en-US" dirty="0"/>
+              <a:t>Usually about two pages worth of traditional exam material.</a:t>
+            </a:r>
+          </a:p>
+          <a:p>
+            <a:endParaRPr lang="en-US" dirty="0"/>
+          </a:p>
+          <a:p>
+            <a:r>
+              <a:rPr lang="en-US" dirty="0"/>
+              <a:t>Quiz Schedule as of right now:</a:t>
+            </a:r>
+          </a:p>
+          <a:p>
+            <a:pPr lvl="1"/>
+            <a:r>
+              <a:rPr lang="en-US" sz="2000" dirty="0"/>
+              <a:t>Fri., Mar. 7				Topics 1-3 from previous slide</a:t>
+            </a:r>
+          </a:p>
+          <a:p>
+            <a:pPr lvl="1"/>
+            <a:r>
+              <a:rPr lang="en-US" sz="2000" dirty="0"/>
+              <a:t>Fri., Apr. 18			</a:t>
+            </a:r>
+            <a:r>
+              <a:rPr lang="en-US" dirty="0"/>
+              <a:t>Topics 4-5 from previous slide</a:t>
+            </a:r>
+          </a:p>
+          <a:p>
+            <a:pPr marL="457200" lvl="1" indent="0">
+              <a:buNone/>
+            </a:pPr>
+            <a:endParaRPr lang="en-US" dirty="0"/>
+          </a:p>
+        </p:txBody>
+      </p:sp>
+    </p:spTree>
+    <p:extLst>
+      <p:ext uri="{BB962C8B-B14F-4D97-AF65-F5344CB8AC3E}">
+        <p14:creationId xmlns:p14="http://schemas.microsoft.com/office/powerpoint/2010/main" val="1895514943"/>
+      </p:ext>
+    </p:extLst>
+  </p:cSld>
+  <p:clrMapOvr>
+    <a:masterClrMapping/>
+  </p:clrMapOvr>
+</p:sld>
+</file>
+
+<file path=ppt/slides/slide19.xml><?xml version="1.0" encoding="utf-8"?>
 <p:sld xmlns:a="http://schemas.openxmlformats.org/drawingml/2006/main" xmlns:r="http://schemas.openxmlformats.org/officeDocument/2006/relationships" xmlns:p="http://schemas.openxmlformats.org/presentationml/2006/main">
   <p:cSld>
     <p:spTree>
@@ -15083,88 +15715,8 @@
             <a:pPr algn="l"/>
             <a:r>
               <a:rPr lang="en-US" dirty="0"/>
-              <a:t>Our final exam time will be used to:</a:t>
-            </a:r>
-          </a:p>
-          <a:p>
-            <a:pPr lvl="1" algn="l"/>
-            <a:r>
-              <a:rPr lang="en-US" dirty="0"/>
-              <a:t>Take Quiz for </a:t>
-            </a:r>
-            <a:r>
-              <a:rPr lang="en-US" b="1" i="1" u="sng" dirty="0"/>
-              <a:t>Module 5</a:t>
-            </a:r>
-            <a:r>
-              <a:rPr lang="en-US" dirty="0"/>
-              <a:t> (first and only attempt…sorry)</a:t>
-            </a:r>
-          </a:p>
-          <a:p>
-            <a:pPr lvl="1" algn="l"/>
-            <a:r>
-              <a:rPr lang="en-US" dirty="0"/>
-              <a:t>Take the </a:t>
-            </a:r>
-            <a:r>
-              <a:rPr lang="en-US" b="1" i="1" u="sng" dirty="0"/>
-              <a:t>Final Exam Quiz</a:t>
-            </a:r>
-            <a:r>
-              <a:rPr lang="en-US" dirty="0"/>
-              <a:t> (Only attempt by design)</a:t>
-            </a:r>
-          </a:p>
-          <a:p>
-            <a:pPr lvl="1" algn="l"/>
-            <a:r>
-              <a:rPr lang="en-US" b="1" dirty="0"/>
-              <a:t>OPTIONAL</a:t>
-            </a:r>
-            <a:r>
-              <a:rPr lang="en-US" dirty="0"/>
-              <a:t>: Retake </a:t>
-            </a:r>
-            <a:r>
-              <a:rPr lang="en-US" b="1" i="1" u="sng" dirty="0"/>
-              <a:t>up to three of quizzes 1-4</a:t>
-            </a:r>
-            <a:endParaRPr lang="en-US" dirty="0"/>
-          </a:p>
-          <a:p>
-            <a:pPr lvl="1" algn="l"/>
-            <a:endParaRPr lang="en-US" b="1" i="1" u="sng" dirty="0"/>
-          </a:p>
-          <a:p>
-            <a:r>
-              <a:rPr lang="en-US" dirty="0"/>
-              <a:t>You can attempt all four retakes if you want, but the exams are designed for there to be enough time to do two (maybe three) retakes.</a:t>
-            </a:r>
-          </a:p>
-        </p:txBody>
-      </p:sp>
-      <p:sp>
-        <p:nvSpPr>
-          <p:cNvPr id="4" name="Slide Number Placeholder 3"/>
-          <p:cNvSpPr>
-            <a:spLocks noGrp="1"/>
-          </p:cNvSpPr>
-          <p:nvPr>
-            <p:ph type="sldNum" sz="quarter" idx="12"/>
-          </p:nvPr>
-        </p:nvSpPr>
-        <p:spPr/>
-        <p:txBody>
-          <a:bodyPr/>
-          <a:lstStyle/>
-          <a:p>
-            <a:fld id="{F26D9103-0C5C-48AC-B68E-3ED2C1647047}" type="slidenum">
-              <a:rPr lang="en-US" smtClean="0"/>
-              <a:pPr/>
-              <a:t>18</a:t>
-            </a:fld>
-            <a:endParaRPr lang="en-US" dirty="0"/>
+              <a:t>No final exam in this class. Final project instead (See next slide)</a:t>
+            </a:r>
           </a:p>
         </p:txBody>
       </p:sp>
@@ -15172,185 +15724,6 @@
     <p:extLst>
       <p:ext uri="{BB962C8B-B14F-4D97-AF65-F5344CB8AC3E}">
         <p14:creationId xmlns:p14="http://schemas.microsoft.com/office/powerpoint/2010/main" val="1095264303"/>
-      </p:ext>
-    </p:extLst>
-  </p:cSld>
-  <p:clrMapOvr>
-    <a:masterClrMapping/>
-  </p:clrMapOvr>
-</p:sld>
-</file>
-
-<file path=ppt/slides/slide19.xml><?xml version="1.0" encoding="utf-8"?>
-<p:sld xmlns:a="http://schemas.openxmlformats.org/drawingml/2006/main" xmlns:r="http://schemas.openxmlformats.org/officeDocument/2006/relationships" xmlns:p="http://schemas.openxmlformats.org/presentationml/2006/main">
-  <p:cSld>
-    <p:spTree>
-      <p:nvGrpSpPr>
-        <p:cNvPr id="1" name=""/>
-        <p:cNvGrpSpPr/>
-        <p:nvPr/>
-      </p:nvGrpSpPr>
-      <p:grpSpPr>
-        <a:xfrm>
-          <a:off x="0" y="0"/>
-          <a:ext cx="0" cy="0"/>
-          <a:chOff x="0" y="0"/>
-          <a:chExt cx="0" cy="0"/>
-        </a:xfrm>
-      </p:grpSpPr>
-      <p:sp>
-        <p:nvSpPr>
-          <p:cNvPr id="12290" name="Rectangle 2"/>
-          <p:cNvSpPr>
-            <a:spLocks noGrp="1" noChangeArrowheads="1"/>
-          </p:cNvSpPr>
-          <p:nvPr>
-            <p:ph type="title"/>
-          </p:nvPr>
-        </p:nvSpPr>
-        <p:spPr>
-          <a:xfrm>
-            <a:off x="1981200" y="382674"/>
-            <a:ext cx="8229600" cy="792145"/>
-          </a:xfrm>
-        </p:spPr>
-        <p:txBody>
-          <a:bodyPr/>
-          <a:lstStyle/>
-          <a:p>
-            <a:pPr algn="ctr"/>
-            <a:r>
-              <a:rPr lang="en-US" dirty="0" err="1"/>
-              <a:t>Homeworks</a:t>
-            </a:r>
-            <a:endParaRPr lang="en-US" dirty="0"/>
-          </a:p>
-        </p:txBody>
-      </p:sp>
-      <p:sp>
-        <p:nvSpPr>
-          <p:cNvPr id="12291" name="Rectangle 3"/>
-          <p:cNvSpPr>
-            <a:spLocks noGrp="1" noChangeArrowheads="1"/>
-          </p:cNvSpPr>
-          <p:nvPr>
-            <p:ph idx="1"/>
-          </p:nvPr>
-        </p:nvSpPr>
-        <p:spPr>
-          <a:xfrm>
-            <a:off x="1502511" y="1523999"/>
-            <a:ext cx="9198985" cy="4724399"/>
-          </a:xfrm>
-        </p:spPr>
-        <p:txBody>
-          <a:bodyPr>
-            <a:normAutofit/>
-          </a:bodyPr>
-          <a:lstStyle/>
-          <a:p>
-            <a:pPr algn="l"/>
-            <a:r>
-              <a:rPr lang="en-US" dirty="0"/>
-              <a:t>Each of the 5 modules has 1 or 2 </a:t>
-            </a:r>
-            <a:r>
-              <a:rPr lang="en-US" dirty="0" err="1"/>
-              <a:t>homeworks</a:t>
-            </a:r>
-            <a:r>
-              <a:rPr lang="en-US" dirty="0"/>
-              <a:t> associated (usually 1)</a:t>
-            </a:r>
-          </a:p>
-          <a:p>
-            <a:r>
-              <a:rPr lang="en-US" b="1" i="1" u="sng" dirty="0"/>
-              <a:t>Written HW</a:t>
-            </a:r>
-          </a:p>
-          <a:p>
-            <a:pPr lvl="1"/>
-            <a:r>
-              <a:rPr lang="en-US" dirty="0"/>
-              <a:t>Solving small problems, analyzing runtimes, etc.</a:t>
-            </a:r>
-          </a:p>
-          <a:p>
-            <a:pPr lvl="1"/>
-            <a:r>
-              <a:rPr lang="en-US" dirty="0"/>
-              <a:t>Writing proofs, etc.</a:t>
-            </a:r>
-          </a:p>
-          <a:p>
-            <a:pPr lvl="1"/>
-            <a:r>
-              <a:rPr lang="en-US" dirty="0"/>
-              <a:t>Written in Latex (tutorial on course webpage)</a:t>
-            </a:r>
-          </a:p>
-          <a:p>
-            <a:pPr lvl="1"/>
-            <a:r>
-              <a:rPr lang="en-US" i="1" dirty="0"/>
-              <a:t>These are meant to be challenging!</a:t>
-            </a:r>
-          </a:p>
-          <a:p>
-            <a:r>
-              <a:rPr lang="en-US" b="1" i="1" u="sng" dirty="0"/>
-              <a:t>Programming HW</a:t>
-            </a:r>
-            <a:r>
-              <a:rPr lang="en-US" dirty="0"/>
-              <a:t>:</a:t>
-            </a:r>
-          </a:p>
-          <a:p>
-            <a:pPr lvl="1"/>
-            <a:r>
-              <a:rPr lang="en-US" dirty="0"/>
-              <a:t>Is written in Java</a:t>
-            </a:r>
-          </a:p>
-          <a:p>
-            <a:pPr lvl="1" algn="l"/>
-            <a:r>
-              <a:rPr lang="en-US" dirty="0"/>
-              <a:t>We won’t have many of these (probably just 1)</a:t>
-            </a:r>
-          </a:p>
-        </p:txBody>
-      </p:sp>
-      <p:sp>
-        <p:nvSpPr>
-          <p:cNvPr id="4" name="Slide Number Placeholder 3"/>
-          <p:cNvSpPr>
-            <a:spLocks noGrp="1"/>
-          </p:cNvSpPr>
-          <p:nvPr>
-            <p:ph type="sldNum" sz="quarter" idx="12"/>
-          </p:nvPr>
-        </p:nvSpPr>
-        <p:spPr/>
-        <p:txBody>
-          <a:bodyPr/>
-          <a:lstStyle/>
-          <a:p>
-            <a:fld id="{F26D9103-0C5C-48AC-B68E-3ED2C1647047}" type="slidenum">
-              <a:rPr lang="en-US" smtClean="0"/>
-              <a:pPr/>
-              <a:t>19</a:t>
-            </a:fld>
-            <a:endParaRPr lang="en-US"/>
-          </a:p>
-        </p:txBody>
-      </p:sp>
-    </p:spTree>
-    <p:extLst>
-      <p:ext uri="{BB962C8B-B14F-4D97-AF65-F5344CB8AC3E}">
-        <p14:creationId xmlns:p14="http://schemas.microsoft.com/office/powerpoint/2010/main" val="2802976195"/>
       </p:ext>
     </p:extLst>
   </p:cSld>
@@ -15379,115 +15752,48 @@
       </p:grpSpPr>
       <p:sp>
         <p:nvSpPr>
-          <p:cNvPr id="6146" name="Rectangle 2"/>
+          <p:cNvPr id="5" name="Title 4"/>
           <p:cNvSpPr>
-            <a:spLocks noGrp="1" noChangeArrowheads="1"/>
+            <a:spLocks noGrp="1"/>
           </p:cNvSpPr>
           <p:nvPr>
             <p:ph type="title"/>
-            <p:custDataLst>
-              <p:tags r:id="rId1"/>
-            </p:custDataLst>
           </p:nvPr>
         </p:nvSpPr>
-        <p:spPr>
-          <a:xfrm>
-            <a:off x="1141413" y="322184"/>
-            <a:ext cx="9905998" cy="897015"/>
-          </a:xfrm>
-        </p:spPr>
+        <p:spPr/>
         <p:txBody>
           <a:bodyPr/>
           <a:lstStyle/>
           <a:p>
-            <a:pPr algn="ctr"/>
             <a:r>
               <a:rPr lang="en-US" dirty="0"/>
-              <a:t>Quick Polls (Agree or Not?)</a:t>
+              <a:t>Course Objectives</a:t>
             </a:r>
           </a:p>
         </p:txBody>
       </p:sp>
       <p:sp>
         <p:nvSpPr>
-          <p:cNvPr id="6147" name="Rectangle 3"/>
+          <p:cNvPr id="6" name="Text Placeholder 5"/>
           <p:cNvSpPr>
-            <a:spLocks noGrp="1" noChangeArrowheads="1"/>
+            <a:spLocks noGrp="1"/>
           </p:cNvSpPr>
           <p:nvPr>
-            <p:ph idx="1"/>
-            <p:custDataLst>
-              <p:tags r:id="rId2"/>
-            </p:custDataLst>
+            <p:ph type="body" idx="1"/>
           </p:nvPr>
         </p:nvSpPr>
-        <p:spPr>
-          <a:xfrm>
-            <a:off x="1141413" y="1473200"/>
-            <a:ext cx="9970724" cy="4800600"/>
-          </a:xfrm>
-        </p:spPr>
+        <p:spPr/>
         <p:txBody>
-          <a:bodyPr>
-            <a:normAutofit/>
-          </a:bodyPr>
+          <a:bodyPr/>
           <a:lstStyle/>
           <a:p>
-            <a:pPr marL="0" indent="0">
-              <a:buNone/>
-            </a:pPr>
-            <a:r>
-              <a:rPr lang="en-US" b="1" i="1" u="sng" dirty="0"/>
-              <a:t>Q1</a:t>
-            </a:r>
-            <a:r>
-              <a:rPr lang="en-US" dirty="0"/>
-              <a:t>: I have heard that DMT 2 is like…a really hard class!</a:t>
-            </a:r>
-          </a:p>
-          <a:p>
-            <a:pPr marL="0" indent="0">
-              <a:buNone/>
-            </a:pPr>
-            <a:endParaRPr lang="en-US" dirty="0"/>
-          </a:p>
-          <a:p>
-            <a:pPr marL="0" indent="0">
-              <a:buNone/>
-            </a:pPr>
-            <a:r>
-              <a:rPr lang="en-US" b="1" i="1" u="sng" dirty="0"/>
-              <a:t>Q2</a:t>
-            </a:r>
-            <a:r>
-              <a:rPr lang="en-US" dirty="0"/>
-              <a:t>: I have heard that DMT 2 is a lot of work!</a:t>
-            </a:r>
-          </a:p>
-          <a:p>
-            <a:pPr marL="0" indent="0">
-              <a:buNone/>
-            </a:pPr>
-            <a:endParaRPr lang="en-US" dirty="0"/>
-          </a:p>
-          <a:p>
-            <a:pPr marL="0" indent="0">
-              <a:buNone/>
-            </a:pPr>
-            <a:r>
-              <a:rPr lang="en-US" b="1" i="1" u="sng" dirty="0"/>
-              <a:t>Q3</a:t>
-            </a:r>
-            <a:r>
-              <a:rPr lang="en-US" dirty="0"/>
-              <a:t>: I have heard that DMT 2 material isn’t that important and that you will never really use it!</a:t>
-            </a:r>
+            <a:endParaRPr lang="en-US"/>
           </a:p>
         </p:txBody>
       </p:sp>
       <p:sp>
         <p:nvSpPr>
-          <p:cNvPr id="4" name="Slide Number Placeholder 3"/>
+          <p:cNvPr id="3" name="Slide Number Placeholder 2"/>
           <p:cNvSpPr>
             <a:spLocks noGrp="1"/>
           </p:cNvSpPr>
@@ -15505,14 +15811,14 @@
               <a:pPr/>
               <a:t>2</a:t>
             </a:fld>
-            <a:endParaRPr lang="en-US" dirty="0"/>
+            <a:endParaRPr lang="en-US"/>
           </a:p>
         </p:txBody>
       </p:sp>
     </p:spTree>
     <p:extLst>
       <p:ext uri="{BB962C8B-B14F-4D97-AF65-F5344CB8AC3E}">
-        <p14:creationId xmlns:p14="http://schemas.microsoft.com/office/powerpoint/2010/main" val="2431754002"/>
+        <p14:creationId xmlns:p14="http://schemas.microsoft.com/office/powerpoint/2010/main" val="3729940868"/>
       </p:ext>
     </p:extLst>
   </p:cSld>
@@ -15541,9 +15847,9 @@
       </p:grpSpPr>
       <p:sp>
         <p:nvSpPr>
-          <p:cNvPr id="12290" name="Rectangle 2"/>
+          <p:cNvPr id="18434" name="Title 1"/>
           <p:cNvSpPr>
-            <a:spLocks noGrp="1" noChangeArrowheads="1"/>
+            <a:spLocks noGrp="1"/>
           </p:cNvSpPr>
           <p:nvPr>
             <p:ph type="title"/>
@@ -15551,8 +15857,8 @@
         </p:nvSpPr>
         <p:spPr>
           <a:xfrm>
-            <a:off x="1981200" y="386862"/>
-            <a:ext cx="8229600" cy="768699"/>
+            <a:off x="1141413" y="357262"/>
+            <a:ext cx="9905998" cy="707027"/>
           </a:xfrm>
         </p:spPr>
         <p:txBody>
@@ -15562,16 +15868,16 @@
             <a:pPr algn="ctr"/>
             <a:r>
               <a:rPr lang="en-US" dirty="0"/>
-              <a:t>Homework Grades</a:t>
+              <a:t>Final Project</a:t>
             </a:r>
           </a:p>
         </p:txBody>
       </p:sp>
       <p:sp>
         <p:nvSpPr>
-          <p:cNvPr id="12291" name="Rectangle 3"/>
+          <p:cNvPr id="18435" name="Content Placeholder 2"/>
           <p:cNvSpPr>
-            <a:spLocks noGrp="1" noChangeArrowheads="1"/>
+            <a:spLocks noGrp="1"/>
           </p:cNvSpPr>
           <p:nvPr>
             <p:ph idx="1"/>
@@ -15579,8 +15885,8 @@
         </p:nvSpPr>
         <p:spPr>
           <a:xfrm>
-            <a:off x="1524000" y="1406769"/>
-            <a:ext cx="9046139" cy="5070231"/>
+            <a:off x="896336" y="1334530"/>
+            <a:ext cx="10396151" cy="5181600"/>
           </a:xfrm>
         </p:spPr>
         <p:txBody>
@@ -15589,28 +15895,55 @@
           </a:bodyPr>
           <a:lstStyle/>
           <a:p>
+            <a:pPr algn="l"/>
+            <a:r>
+              <a:rPr lang="en-US" dirty="0"/>
+              <a:t>In small groups, you will:</a:t>
+            </a:r>
+          </a:p>
+          <a:p>
+            <a:pPr lvl="1"/>
+            <a:r>
+              <a:rPr lang="en-US" dirty="0"/>
+              <a:t>Select a small(</a:t>
+            </a:r>
             <a:r>
               <a:rPr lang="en-US" dirty="0" err="1"/>
-              <a:t>Homeworks</a:t>
+              <a:t>ish</a:t>
             </a:r>
             <a:r>
               <a:rPr lang="en-US" dirty="0"/>
-              <a:t> will be graded on a traditional percentage scale:</a:t>
+              <a:t>) algorithm to study and implement</a:t>
             </a:r>
           </a:p>
           <a:p>
             <a:pPr lvl="1"/>
             <a:r>
-              <a:rPr lang="en-US" b="1" i="1" u="sng" dirty="0"/>
-              <a:t>Out of 10 points (or similar)</a:t>
-            </a:r>
+              <a:rPr lang="en-US" dirty="0"/>
+              <a:t>Develop a few slides to teach it</a:t>
+            </a:r>
+          </a:p>
+          <a:p>
+            <a:pPr lvl="1"/>
+            <a:r>
+              <a:rPr lang="en-US" dirty="0"/>
+              <a:t>Create a homework assignment that applies it (including the solution to the problem)</a:t>
+            </a:r>
+          </a:p>
+          <a:p>
+            <a:pPr lvl="1"/>
+            <a:r>
+              <a:rPr lang="en-US" dirty="0"/>
+              <a:t>Teach it to the class (during last few lectures)</a:t>
+            </a:r>
+          </a:p>
+          <a:p>
             <a:endParaRPr lang="en-US" dirty="0"/>
           </a:p>
           <a:p>
-            <a:pPr lvl="1"/>
             <a:r>
               <a:rPr lang="en-US" dirty="0"/>
-              <a:t>Regrades will be available (probably)</a:t>
+              <a:t>I will get the algorithm choices to you by Spring Break with more details.</a:t>
             </a:r>
           </a:p>
           <a:p>
@@ -15618,76 +15951,16 @@
           </a:p>
           <a:p>
             <a:r>
-              <a:rPr lang="en-US" b="1" i="1" u="sng" dirty="0"/>
-              <a:t>Deadlines</a:t>
-            </a:r>
-            <a:r>
               <a:rPr lang="en-US" dirty="0"/>
-              <a:t>:</a:t>
-            </a:r>
-          </a:p>
-          <a:p>
-            <a:pPr lvl="1"/>
-            <a:r>
-              <a:rPr lang="en-US" dirty="0"/>
-              <a:t>We will have </a:t>
-            </a:r>
-            <a:r>
-              <a:rPr lang="en-US" b="1" i="1" dirty="0"/>
-              <a:t>traditional homework deadlines</a:t>
-            </a:r>
-            <a:r>
-              <a:rPr lang="en-US" dirty="0"/>
-              <a:t>, however…</a:t>
-            </a:r>
-          </a:p>
-          <a:p>
-            <a:pPr lvl="1"/>
-            <a:r>
-              <a:rPr lang="en-US" dirty="0"/>
-              <a:t>Anyone can fill out an online form to request a 10 day extension. Extensions will be granted for any reason as long as you articulate why you need extra time and when you plan to finish the homework by.</a:t>
-            </a:r>
-          </a:p>
-          <a:p>
-            <a:pPr lvl="1"/>
-            <a:r>
-              <a:rPr lang="en-US" dirty="0"/>
-              <a:t>NO submissions beyond this already generous 10 day window for any reason. That window IS your flexibility should anything arise.</a:t>
-            </a:r>
-          </a:p>
-          <a:p>
-            <a:endParaRPr lang="en-US" dirty="0"/>
-          </a:p>
-        </p:txBody>
-      </p:sp>
-      <p:sp>
-        <p:nvSpPr>
-          <p:cNvPr id="4" name="Slide Number Placeholder 3"/>
-          <p:cNvSpPr>
-            <a:spLocks noGrp="1"/>
-          </p:cNvSpPr>
-          <p:nvPr>
-            <p:ph type="sldNum" sz="quarter" idx="12"/>
-          </p:nvPr>
-        </p:nvSpPr>
-        <p:spPr/>
-        <p:txBody>
-          <a:bodyPr/>
-          <a:lstStyle/>
-          <a:p>
-            <a:fld id="{F26D9103-0C5C-48AC-B68E-3ED2C1647047}" type="slidenum">
-              <a:rPr lang="en-US" smtClean="0"/>
-              <a:pPr/>
-              <a:t>20</a:t>
-            </a:fld>
-            <a:endParaRPr lang="en-US"/>
+              <a:t>Due date is last few days of lecture (that is when presentations will happen)</a:t>
+            </a:r>
           </a:p>
         </p:txBody>
       </p:sp>
     </p:spTree>
     <p:extLst>
       <p:ext uri="{BB962C8B-B14F-4D97-AF65-F5344CB8AC3E}">
-        <p14:creationId xmlns:p14="http://schemas.microsoft.com/office/powerpoint/2010/main" val="3112164517"/>
+        <p14:creationId xmlns:p14="http://schemas.microsoft.com/office/powerpoint/2010/main" val="298926439"/>
       </p:ext>
     </p:extLst>
   </p:cSld>
@@ -15716,104 +15989,12 @@
       </p:grpSpPr>
       <p:sp>
         <p:nvSpPr>
-          <p:cNvPr id="12290" name="Rectangle 2"/>
-          <p:cNvSpPr>
-            <a:spLocks noGrp="1" noChangeArrowheads="1"/>
-          </p:cNvSpPr>
-          <p:nvPr>
-            <p:ph type="title"/>
-          </p:nvPr>
-        </p:nvSpPr>
-        <p:spPr>
-          <a:xfrm>
-            <a:off x="1778558" y="398586"/>
-            <a:ext cx="8432242" cy="886890"/>
-          </a:xfrm>
-        </p:spPr>
-        <p:txBody>
-          <a:bodyPr/>
-          <a:lstStyle/>
-          <a:p>
-            <a:pPr algn="ctr"/>
-            <a:r>
-              <a:rPr lang="en-US" dirty="0"/>
-              <a:t>Homework Collaboration</a:t>
-            </a:r>
-          </a:p>
-        </p:txBody>
-      </p:sp>
-      <p:sp>
-        <p:nvSpPr>
-          <p:cNvPr id="12291" name="Rectangle 3"/>
-          <p:cNvSpPr>
-            <a:spLocks noGrp="1" noChangeArrowheads="1"/>
-          </p:cNvSpPr>
-          <p:nvPr>
-            <p:ph idx="1"/>
-          </p:nvPr>
-        </p:nvSpPr>
-        <p:spPr>
-          <a:xfrm>
-            <a:off x="1600200" y="1643027"/>
-            <a:ext cx="8969939" cy="4599511"/>
-          </a:xfrm>
-        </p:spPr>
-        <p:txBody>
-          <a:bodyPr>
-            <a:normAutofit/>
-          </a:bodyPr>
-          <a:lstStyle/>
-          <a:p>
-            <a:r>
-              <a:rPr lang="en-US" dirty="0"/>
-              <a:t>You may work in groups of up to 3 on written assignments</a:t>
-            </a:r>
-          </a:p>
-          <a:p>
-            <a:pPr lvl="1"/>
-            <a:r>
-              <a:rPr lang="en-US" dirty="0"/>
-              <a:t>This is most of the assignments</a:t>
-            </a:r>
-          </a:p>
-          <a:p>
-            <a:pPr lvl="1"/>
-            <a:r>
-              <a:rPr lang="en-US" dirty="0"/>
-              <a:t>Once submission per group is fine. </a:t>
-            </a:r>
-            <a:r>
-              <a:rPr lang="en-US" dirty="0" err="1"/>
-              <a:t>Gradescope</a:t>
-            </a:r>
-            <a:r>
-              <a:rPr lang="en-US" dirty="0"/>
-              <a:t> supports this quite easily.</a:t>
-            </a:r>
-          </a:p>
-          <a:p>
-            <a:pPr lvl="1"/>
-            <a:endParaRPr lang="en-US" dirty="0"/>
-          </a:p>
-          <a:p>
-            <a:r>
-              <a:rPr lang="en-US" dirty="0"/>
-              <a:t>On programming assignments (currently, just 1) you are expected to work independently.</a:t>
-            </a:r>
-          </a:p>
-          <a:p>
-            <a:endParaRPr lang="en-US" dirty="0"/>
-          </a:p>
-        </p:txBody>
-      </p:sp>
-      <p:sp>
-        <p:nvSpPr>
-          <p:cNvPr id="4" name="Slide Number Placeholder 3"/>
+          <p:cNvPr id="5" name="Title 4"/>
           <p:cNvSpPr>
             <a:spLocks noGrp="1"/>
           </p:cNvSpPr>
           <p:nvPr>
-            <p:ph type="sldNum" sz="quarter" idx="12"/>
+            <p:ph type="title"/>
           </p:nvPr>
         </p:nvSpPr>
         <p:spPr/>
@@ -15821,11 +16002,28 @@
           <a:bodyPr/>
           <a:lstStyle/>
           <a:p>
-            <a:fld id="{F26D9103-0C5C-48AC-B68E-3ED2C1647047}" type="slidenum">
-              <a:rPr lang="en-US" smtClean="0"/>
-              <a:pPr/>
-              <a:t>21</a:t>
-            </a:fld>
+            <a:r>
+              <a:rPr lang="en-US" dirty="0"/>
+              <a:t>Attendance / Participation</a:t>
+            </a:r>
+          </a:p>
+        </p:txBody>
+      </p:sp>
+      <p:sp>
+        <p:nvSpPr>
+          <p:cNvPr id="6" name="Text Placeholder 5"/>
+          <p:cNvSpPr>
+            <a:spLocks noGrp="1"/>
+          </p:cNvSpPr>
+          <p:nvPr>
+            <p:ph type="body" idx="1"/>
+          </p:nvPr>
+        </p:nvSpPr>
+        <p:spPr/>
+        <p:txBody>
+          <a:bodyPr/>
+          <a:lstStyle/>
+          <a:p>
             <a:endParaRPr lang="en-US"/>
           </a:p>
         </p:txBody>
@@ -15833,7 +16031,7 @@
     </p:spTree>
     <p:extLst>
       <p:ext uri="{BB962C8B-B14F-4D97-AF65-F5344CB8AC3E}">
-        <p14:creationId xmlns:p14="http://schemas.microsoft.com/office/powerpoint/2010/main" val="3237934718"/>
+        <p14:creationId xmlns:p14="http://schemas.microsoft.com/office/powerpoint/2010/main" val="1859867436"/>
       </p:ext>
     </p:extLst>
   </p:cSld>
@@ -15862,9 +16060,9 @@
       </p:grpSpPr>
       <p:sp>
         <p:nvSpPr>
-          <p:cNvPr id="12290" name="Rectangle 2"/>
+          <p:cNvPr id="18434" name="Title 1"/>
           <p:cNvSpPr>
-            <a:spLocks noGrp="1" noChangeArrowheads="1"/>
+            <a:spLocks noGrp="1"/>
           </p:cNvSpPr>
           <p:nvPr>
             <p:ph type="title"/>
@@ -15872,8 +16070,8 @@
         </p:nvSpPr>
         <p:spPr>
           <a:xfrm>
-            <a:off x="1778558" y="398586"/>
-            <a:ext cx="8432242" cy="886890"/>
+            <a:off x="1141413" y="357262"/>
+            <a:ext cx="9905998" cy="707027"/>
           </a:xfrm>
         </p:spPr>
         <p:txBody>
@@ -15883,16 +16081,16 @@
             <a:pPr algn="ctr"/>
             <a:r>
               <a:rPr lang="en-US" dirty="0"/>
-              <a:t>Homework Grade Philosophy</a:t>
+              <a:t>Attendance is Required</a:t>
             </a:r>
           </a:p>
         </p:txBody>
       </p:sp>
       <p:sp>
         <p:nvSpPr>
-          <p:cNvPr id="12291" name="Rectangle 3"/>
+          <p:cNvPr id="18435" name="Content Placeholder 2"/>
           <p:cNvSpPr>
-            <a:spLocks noGrp="1" noChangeArrowheads="1"/>
+            <a:spLocks noGrp="1"/>
           </p:cNvSpPr>
           <p:nvPr>
             <p:ph idx="1"/>
@@ -15900,92 +16098,85 @@
         </p:nvSpPr>
         <p:spPr>
           <a:xfrm>
-            <a:off x="1600200" y="1572689"/>
-            <a:ext cx="8969939" cy="4599511"/>
+            <a:off x="1743670" y="1523999"/>
+            <a:ext cx="8826469" cy="5033319"/>
           </a:xfrm>
         </p:spPr>
         <p:txBody>
           <a:bodyPr>
-            <a:normAutofit/>
+            <a:normAutofit fontScale="92500"/>
           </a:bodyPr>
           <a:lstStyle/>
           <a:p>
+            <a:pPr algn="l"/>
+            <a:r>
+              <a:rPr lang="en-US" b="1" i="1" u="sng" dirty="0"/>
+              <a:t>Why</a:t>
+            </a:r>
             <a:r>
               <a:rPr lang="en-US" dirty="0"/>
-              <a:t>The purpose of homework is to PRACTICE!</a:t>
-            </a:r>
-          </a:p>
-          <a:p>
+              <a:t>: Because I feel that your presence is how I will “prove” that you have been exposed to the material. This justifies fewer quizzes and fewer Friday classes.</a:t>
+            </a:r>
+          </a:p>
+          <a:p>
+            <a:pPr algn="l"/>
             <a:endParaRPr lang="en-US" dirty="0"/>
           </a:p>
           <a:p>
+            <a:pPr algn="l"/>
+            <a:r>
+              <a:rPr lang="en-US" b="1" i="1" u="sng" dirty="0"/>
+              <a:t>How</a:t>
+            </a:r>
             <a:r>
               <a:rPr lang="en-US" dirty="0"/>
-              <a:t>I want you to:</a:t>
-            </a:r>
-          </a:p>
-          <a:p>
-            <a:pPr lvl="1"/>
+              <a:t>: 20 names will be chosen at random from the roster each class. If you are chosen and not present, you lose 2 percent on final grade.</a:t>
+            </a:r>
+          </a:p>
+          <a:p>
+            <a:pPr algn="l"/>
+            <a:endParaRPr lang="en-US" dirty="0"/>
+          </a:p>
+          <a:p>
+            <a:pPr algn="l"/>
+            <a:r>
+              <a:rPr lang="en-US" b="1" i="1" u="sng" dirty="0"/>
+              <a:t>When</a:t>
+            </a:r>
             <a:r>
               <a:rPr lang="en-US" dirty="0"/>
-              <a:t>Attempt every problem on your own</a:t>
-            </a:r>
-          </a:p>
-          <a:p>
-            <a:pPr lvl="1"/>
+              <a:t>: All classes (including Friday homework lab days)</a:t>
+            </a:r>
+          </a:p>
+          <a:p>
+            <a:pPr algn="l"/>
+            <a:endParaRPr lang="en-US" dirty="0"/>
+          </a:p>
+          <a:p>
+            <a:pPr algn="l"/>
+            <a:r>
+              <a:rPr lang="en-US" b="1" i="1" u="sng" dirty="0"/>
+              <a:t>Exceptions</a:t>
+            </a:r>
             <a:r>
               <a:rPr lang="en-US" dirty="0"/>
-              <a:t>Then work with your group to get the solutions figured out</a:t>
-            </a:r>
-          </a:p>
-          <a:p>
-            <a:pPr lvl="1"/>
+              <a:t>: None except </a:t>
+            </a:r>
+            <a:r>
+              <a:rPr lang="en-US" dirty="0" err="1"/>
+              <a:t>UVa</a:t>
+            </a:r>
             <a:r>
               <a:rPr lang="en-US" dirty="0"/>
-              <a:t>Study the solutions for </a:t>
-            </a:r>
-            <a:r>
-              <a:rPr lang="en-US" dirty="0" err="1"/>
-              <a:t>homeworks</a:t>
-            </a:r>
-            <a:r>
-              <a:rPr lang="en-US" dirty="0"/>
-              <a:t> (these homework problems WILL appear on quizzes).</a:t>
-            </a:r>
-          </a:p>
-          <a:p>
-            <a:endParaRPr lang="en-US" dirty="0"/>
-          </a:p>
-        </p:txBody>
-      </p:sp>
-      <p:sp>
-        <p:nvSpPr>
-          <p:cNvPr id="4" name="Slide Number Placeholder 3"/>
-          <p:cNvSpPr>
-            <a:spLocks noGrp="1"/>
-          </p:cNvSpPr>
-          <p:nvPr>
-            <p:ph type="sldNum" sz="quarter" idx="12"/>
-          </p:nvPr>
-        </p:nvSpPr>
-        <p:spPr/>
-        <p:txBody>
-          <a:bodyPr/>
-          <a:lstStyle/>
-          <a:p>
-            <a:fld id="{F26D9103-0C5C-48AC-B68E-3ED2C1647047}" type="slidenum">
-              <a:rPr lang="en-US" smtClean="0"/>
-              <a:pPr/>
-              <a:t>22</a:t>
-            </a:fld>
-            <a:endParaRPr lang="en-US"/>
+              <a:t> officially recognized religious observances</a:t>
+            </a:r>
           </a:p>
         </p:txBody>
       </p:sp>
     </p:spTree>
     <p:extLst>
       <p:ext uri="{BB962C8B-B14F-4D97-AF65-F5344CB8AC3E}">
-        <p14:creationId xmlns:p14="http://schemas.microsoft.com/office/powerpoint/2010/main" val="3014866706"/>
+        <p14:creationId xmlns:p14="http://schemas.microsoft.com/office/powerpoint/2010/main" val="1068799530"/>
       </p:ext>
     </p:extLst>
   </p:cSld>
@@ -16014,7 +16205,7 @@
       </p:grpSpPr>
       <p:sp>
         <p:nvSpPr>
-          <p:cNvPr id="18434" name="Title 1"/>
+          <p:cNvPr id="5" name="Title 4"/>
           <p:cNvSpPr>
             <a:spLocks noGrp="1"/>
           </p:cNvSpPr>
@@ -16022,17 +16213,11 @@
             <p:ph type="title"/>
           </p:nvPr>
         </p:nvSpPr>
-        <p:spPr>
-          <a:xfrm>
-            <a:off x="1998858" y="327866"/>
-            <a:ext cx="7958331" cy="887986"/>
-          </a:xfrm>
-        </p:spPr>
+        <p:spPr/>
         <p:txBody>
           <a:bodyPr/>
           <a:lstStyle/>
           <a:p>
-            <a:pPr algn="ctr"/>
             <a:r>
               <a:rPr lang="en-US" dirty="0"/>
               <a:t>Grading Overview</a:t>
@@ -16042,88 +16227,12 @@
       </p:sp>
       <p:sp>
         <p:nvSpPr>
-          <p:cNvPr id="3" name="Content Placeholder 2">
-            <a:extLst>
-              <a:ext uri="{FF2B5EF4-FFF2-40B4-BE49-F238E27FC236}">
-                <a16:creationId xmlns:a16="http://schemas.microsoft.com/office/drawing/2014/main" id="{267DFEF5-BEAA-974F-B91B-2D8B6E94C721}"/>
-              </a:ext>
-            </a:extLst>
-          </p:cNvPr>
+          <p:cNvPr id="6" name="Text Placeholder 5"/>
           <p:cNvSpPr>
             <a:spLocks noGrp="1"/>
           </p:cNvSpPr>
           <p:nvPr>
-            <p:ph idx="1"/>
-          </p:nvPr>
-        </p:nvSpPr>
-        <p:spPr>
-          <a:xfrm>
-            <a:off x="1577591" y="1526633"/>
-            <a:ext cx="8601389" cy="4950367"/>
-          </a:xfrm>
-        </p:spPr>
-        <p:txBody>
-          <a:bodyPr>
-            <a:normAutofit/>
-          </a:bodyPr>
-          <a:lstStyle/>
-          <a:p>
-            <a:r>
-              <a:rPr lang="en-US" dirty="0"/>
-              <a:t>Final letter grade will be a weighted average:</a:t>
-            </a:r>
-          </a:p>
-          <a:p>
-            <a:endParaRPr lang="en-US" dirty="0"/>
-          </a:p>
-          <a:p>
-            <a:r>
-              <a:rPr lang="en-US" b="1" i="1" u="sng" dirty="0"/>
-              <a:t>Homework</a:t>
-            </a:r>
-            <a:r>
-              <a:rPr lang="en-US" dirty="0"/>
-              <a:t>: 25 percent (split over about 6 or 7 </a:t>
-            </a:r>
-            <a:r>
-              <a:rPr lang="en-US" dirty="0" err="1"/>
-              <a:t>homeworks</a:t>
-            </a:r>
-            <a:r>
-              <a:rPr lang="en-US" dirty="0"/>
-              <a:t>)</a:t>
-            </a:r>
-          </a:p>
-          <a:p>
-            <a:r>
-              <a:rPr lang="en-US" b="1" i="1" u="sng" dirty="0"/>
-              <a:t>Quizzes (Mods 1-5)</a:t>
-            </a:r>
-            <a:r>
-              <a:rPr lang="en-US" dirty="0"/>
-              <a:t>: 60 percent (12 percent each)</a:t>
-            </a:r>
-          </a:p>
-          <a:p>
-            <a:r>
-              <a:rPr lang="en-US" b="1" i="1" u="sng" dirty="0"/>
-              <a:t>Final Exam Quiz</a:t>
-            </a:r>
-            <a:r>
-              <a:rPr lang="en-US" dirty="0"/>
-              <a:t>: 15 percent</a:t>
-            </a:r>
-          </a:p>
-        </p:txBody>
-      </p:sp>
-      <p:sp>
-        <p:nvSpPr>
-          <p:cNvPr id="4" name="Slide Number Placeholder 3"/>
-          <p:cNvSpPr>
-            <a:spLocks noGrp="1"/>
-          </p:cNvSpPr>
-          <p:nvPr>
-            <p:ph type="sldNum" sz="quarter" idx="12"/>
+            <p:ph type="body" idx="1"/>
           </p:nvPr>
         </p:nvSpPr>
         <p:spPr/>
@@ -16131,19 +16240,14 @@
           <a:bodyPr/>
           <a:lstStyle/>
           <a:p>
-            <a:fld id="{F26D9103-0C5C-48AC-B68E-3ED2C1647047}" type="slidenum">
-              <a:rPr lang="en-US" smtClean="0"/>
-              <a:pPr/>
-              <a:t>23</a:t>
-            </a:fld>
-            <a:endParaRPr lang="en-US" dirty="0"/>
+            <a:endParaRPr lang="en-US"/>
           </a:p>
         </p:txBody>
       </p:sp>
     </p:spTree>
     <p:extLst>
       <p:ext uri="{BB962C8B-B14F-4D97-AF65-F5344CB8AC3E}">
-        <p14:creationId xmlns:p14="http://schemas.microsoft.com/office/powerpoint/2010/main" val="160555418"/>
+        <p14:creationId xmlns:p14="http://schemas.microsoft.com/office/powerpoint/2010/main" val="2666963623"/>
       </p:ext>
     </p:extLst>
   </p:cSld>
@@ -16182,8 +16286,8 @@
         </p:nvSpPr>
         <p:spPr>
           <a:xfrm>
-            <a:off x="1141413" y="497938"/>
-            <a:ext cx="9905998" cy="969122"/>
+            <a:off x="1998858" y="327866"/>
+            <a:ext cx="7958331" cy="887986"/>
           </a:xfrm>
         </p:spPr>
         <p:txBody>
@@ -16193,624 +16297,17 @@
             <a:pPr algn="ctr"/>
             <a:r>
               <a:rPr lang="en-US" dirty="0"/>
-              <a:t>Office Hours</a:t>
+              <a:t>Grading Overview</a:t>
             </a:r>
           </a:p>
         </p:txBody>
       </p:sp>
       <p:sp>
         <p:nvSpPr>
-          <p:cNvPr id="18435" name="Content Placeholder 2"/>
-          <p:cNvSpPr>
-            <a:spLocks noGrp="1"/>
-          </p:cNvSpPr>
-          <p:nvPr>
-            <p:ph idx="1"/>
-          </p:nvPr>
-        </p:nvSpPr>
-        <p:spPr/>
-        <p:txBody>
-          <a:bodyPr>
-            <a:normAutofit/>
-          </a:bodyPr>
-          <a:lstStyle/>
-          <a:p>
-            <a:pPr algn="l"/>
-            <a:r>
-              <a:rPr lang="en-US" dirty="0"/>
-              <a:t>Let’s discuss office hours by looking at the course website.</a:t>
-            </a:r>
-          </a:p>
-        </p:txBody>
-      </p:sp>
-      <p:sp>
-        <p:nvSpPr>
-          <p:cNvPr id="4" name="Slide Number Placeholder 3"/>
-          <p:cNvSpPr>
-            <a:spLocks noGrp="1"/>
-          </p:cNvSpPr>
-          <p:nvPr>
-            <p:ph type="sldNum" sz="quarter" idx="12"/>
-          </p:nvPr>
-        </p:nvSpPr>
-        <p:spPr/>
-        <p:txBody>
-          <a:bodyPr/>
-          <a:lstStyle/>
-          <a:p>
-            <a:fld id="{F26D9103-0C5C-48AC-B68E-3ED2C1647047}" type="slidenum">
-              <a:rPr lang="en-US" smtClean="0"/>
-              <a:pPr/>
-              <a:t>24</a:t>
-            </a:fld>
-            <a:endParaRPr lang="en-US" dirty="0"/>
-          </a:p>
-        </p:txBody>
-      </p:sp>
-    </p:spTree>
-    <p:extLst>
-      <p:ext uri="{BB962C8B-B14F-4D97-AF65-F5344CB8AC3E}">
-        <p14:creationId xmlns:p14="http://schemas.microsoft.com/office/powerpoint/2010/main" val="3481522597"/>
-      </p:ext>
-    </p:extLst>
-  </p:cSld>
-  <p:clrMapOvr>
-    <a:masterClrMapping/>
-  </p:clrMapOvr>
-</p:sld>
-</file>
-
-<file path=ppt/slides/slide25.xml><?xml version="1.0" encoding="utf-8"?>
-<p:sld xmlns:a="http://schemas.openxmlformats.org/drawingml/2006/main" xmlns:r="http://schemas.openxmlformats.org/officeDocument/2006/relationships" xmlns:p="http://schemas.openxmlformats.org/presentationml/2006/main">
-  <p:cSld>
-    <p:spTree>
-      <p:nvGrpSpPr>
-        <p:cNvPr id="1" name=""/>
-        <p:cNvGrpSpPr/>
-        <p:nvPr/>
-      </p:nvGrpSpPr>
-      <p:grpSpPr>
-        <a:xfrm>
-          <a:off x="0" y="0"/>
-          <a:ext cx="0" cy="0"/>
-          <a:chOff x="0" y="0"/>
-          <a:chExt cx="0" cy="0"/>
-        </a:xfrm>
-      </p:grpSpPr>
-      <p:sp>
-        <p:nvSpPr>
-          <p:cNvPr id="16386" name="Title 1"/>
-          <p:cNvSpPr>
-            <a:spLocks noGrp="1"/>
-          </p:cNvSpPr>
-          <p:nvPr>
-            <p:ph type="title"/>
-          </p:nvPr>
-        </p:nvSpPr>
-        <p:spPr>
-          <a:xfrm>
-            <a:off x="1141413" y="397455"/>
-            <a:ext cx="9905998" cy="828445"/>
-          </a:xfrm>
-        </p:spPr>
-        <p:txBody>
-          <a:bodyPr/>
-          <a:lstStyle/>
-          <a:p>
-            <a:pPr algn="ctr"/>
-            <a:r>
-              <a:rPr lang="en-US" dirty="0"/>
-              <a:t>Homework: Programming Hints</a:t>
-            </a:r>
-          </a:p>
-        </p:txBody>
-      </p:sp>
-      <p:sp>
-        <p:nvSpPr>
-          <p:cNvPr id="16387" name="Content Placeholder 2"/>
-          <p:cNvSpPr>
-            <a:spLocks noGrp="1"/>
-          </p:cNvSpPr>
-          <p:nvPr>
-            <p:ph idx="1"/>
-          </p:nvPr>
-        </p:nvSpPr>
-        <p:spPr>
-          <a:xfrm>
-            <a:off x="1371600" y="1526633"/>
-            <a:ext cx="9654176" cy="4950367"/>
-          </a:xfrm>
-        </p:spPr>
-        <p:txBody>
-          <a:bodyPr>
-            <a:normAutofit fontScale="92500" lnSpcReduction="10000"/>
-          </a:bodyPr>
-          <a:lstStyle/>
-          <a:p>
-            <a:r>
-              <a:rPr lang="en-US" dirty="0"/>
-              <a:t>Understand the problem!</a:t>
-            </a:r>
-          </a:p>
-          <a:p>
-            <a:r>
-              <a:rPr lang="en-US" dirty="0"/>
-              <a:t>Consider all boundary cases</a:t>
-            </a:r>
-          </a:p>
-          <a:p>
-            <a:r>
-              <a:rPr lang="en-US" dirty="0"/>
-              <a:t>Use pre-existing library code</a:t>
-            </a:r>
-          </a:p>
-          <a:p>
-            <a:pPr lvl="1"/>
-            <a:r>
-              <a:rPr lang="en-US" dirty="0"/>
-              <a:t>Number formatting: </a:t>
-            </a:r>
-            <a:r>
-              <a:rPr lang="en-US" dirty="0" err="1"/>
-              <a:t>NumberFormat</a:t>
-            </a:r>
-            <a:r>
-              <a:rPr lang="en-US" dirty="0"/>
-              <a:t> in Java, </a:t>
-            </a:r>
-            <a:r>
-              <a:rPr lang="en-US" dirty="0" err="1"/>
-              <a:t>printf</a:t>
-            </a:r>
-            <a:r>
-              <a:rPr lang="en-US" dirty="0"/>
-              <a:t>() in C/C++</a:t>
-            </a:r>
-          </a:p>
-          <a:p>
-            <a:pPr lvl="1"/>
-            <a:r>
-              <a:rPr lang="en-US" dirty="0"/>
-              <a:t>Input: Scanner in Java, </a:t>
-            </a:r>
-            <a:r>
-              <a:rPr lang="en-US" dirty="0" err="1"/>
-              <a:t>scanf</a:t>
-            </a:r>
-            <a:r>
-              <a:rPr lang="en-US" dirty="0"/>
-              <a:t>() in C, </a:t>
-            </a:r>
-            <a:r>
-              <a:rPr lang="en-US" dirty="0" err="1"/>
-              <a:t>cin</a:t>
-            </a:r>
-            <a:r>
-              <a:rPr lang="en-US" dirty="0"/>
-              <a:t> in C++</a:t>
-            </a:r>
-          </a:p>
-          <a:p>
-            <a:r>
-              <a:rPr lang="en-US" dirty="0"/>
-              <a:t>Know how to handle floating point numbers</a:t>
-            </a:r>
-          </a:p>
-          <a:p>
-            <a:pPr lvl="1"/>
-            <a:r>
-              <a:rPr lang="en-US" dirty="0"/>
-              <a:t>Understand float/double precision issues</a:t>
-            </a:r>
-          </a:p>
-          <a:p>
-            <a:pPr lvl="1"/>
-            <a:r>
-              <a:rPr lang="en-US" dirty="0"/>
-              <a:t>Rounding, floating-point mod</a:t>
-            </a:r>
-          </a:p>
-          <a:p>
-            <a:r>
-              <a:rPr lang="en-US" dirty="0"/>
-              <a:t>Make sure it works for the provided test cases</a:t>
-            </a:r>
-          </a:p>
-          <a:p>
-            <a:r>
-              <a:rPr lang="en-US" dirty="0"/>
-              <a:t>Then write some of your own</a:t>
-            </a:r>
-          </a:p>
-          <a:p>
-            <a:r>
-              <a:rPr lang="en-US" dirty="0"/>
-              <a:t>Make sure you read the language specific details for submission!!!</a:t>
-            </a:r>
-          </a:p>
-        </p:txBody>
-      </p:sp>
-      <p:sp>
-        <p:nvSpPr>
-          <p:cNvPr id="4" name="Slide Number Placeholder 3"/>
-          <p:cNvSpPr>
-            <a:spLocks noGrp="1"/>
-          </p:cNvSpPr>
-          <p:nvPr>
-            <p:ph type="sldNum" sz="quarter" idx="12"/>
-          </p:nvPr>
-        </p:nvSpPr>
-        <p:spPr/>
-        <p:txBody>
-          <a:bodyPr/>
-          <a:lstStyle/>
-          <a:p>
-            <a:fld id="{F26D9103-0C5C-48AC-B68E-3ED2C1647047}" type="slidenum">
-              <a:rPr lang="en-US" smtClean="0"/>
-              <a:pPr/>
-              <a:t>25</a:t>
-            </a:fld>
-            <a:endParaRPr lang="en-US"/>
-          </a:p>
-        </p:txBody>
-      </p:sp>
-    </p:spTree>
-    <p:extLst>
-      <p:ext uri="{BB962C8B-B14F-4D97-AF65-F5344CB8AC3E}">
-        <p14:creationId xmlns:p14="http://schemas.microsoft.com/office/powerpoint/2010/main" val="1237736184"/>
-      </p:ext>
-    </p:extLst>
-  </p:cSld>
-  <p:clrMapOvr>
-    <a:masterClrMapping/>
-  </p:clrMapOvr>
-</p:sld>
-</file>
-
-<file path=ppt/slides/slide26.xml><?xml version="1.0" encoding="utf-8"?>
-<p:sld xmlns:a="http://schemas.openxmlformats.org/drawingml/2006/main" xmlns:r="http://schemas.openxmlformats.org/officeDocument/2006/relationships" xmlns:p="http://schemas.openxmlformats.org/presentationml/2006/main">
-  <p:cSld>
-    <p:spTree>
-      <p:nvGrpSpPr>
-        <p:cNvPr id="1" name=""/>
-        <p:cNvGrpSpPr/>
-        <p:nvPr/>
-      </p:nvGrpSpPr>
-      <p:grpSpPr>
-        <a:xfrm>
-          <a:off x="0" y="0"/>
-          <a:ext cx="0" cy="0"/>
-          <a:chOff x="0" y="0"/>
-          <a:chExt cx="0" cy="0"/>
-        </a:xfrm>
-      </p:grpSpPr>
-      <p:sp>
-        <p:nvSpPr>
-          <p:cNvPr id="2" name="Title 1"/>
-          <p:cNvSpPr>
-            <a:spLocks noGrp="1"/>
-          </p:cNvSpPr>
-          <p:nvPr>
-            <p:ph type="title"/>
-          </p:nvPr>
-        </p:nvSpPr>
-        <p:spPr>
-          <a:xfrm>
-            <a:off x="1141413" y="437648"/>
-            <a:ext cx="9905998" cy="794787"/>
-          </a:xfrm>
-        </p:spPr>
-        <p:txBody>
-          <a:bodyPr/>
-          <a:lstStyle/>
-          <a:p>
-            <a:pPr algn="ctr"/>
-            <a:r>
-              <a:rPr lang="en-US" dirty="0"/>
-              <a:t>Homework: Programming FAQ</a:t>
-            </a:r>
-          </a:p>
-        </p:txBody>
-      </p:sp>
-      <p:sp>
-        <p:nvSpPr>
-          <p:cNvPr id="4" name="Content Placeholder 3"/>
-          <p:cNvSpPr>
-            <a:spLocks noGrp="1"/>
-          </p:cNvSpPr>
-          <p:nvPr>
-            <p:ph idx="1"/>
-          </p:nvPr>
-        </p:nvSpPr>
-        <p:spPr>
-          <a:xfrm>
-            <a:off x="1467229" y="1718106"/>
-            <a:ext cx="9429371" cy="4835094"/>
-          </a:xfrm>
-        </p:spPr>
-        <p:txBody>
-          <a:bodyPr>
-            <a:normAutofit fontScale="92500" lnSpcReduction="10000"/>
-          </a:bodyPr>
-          <a:lstStyle/>
-          <a:p>
-            <a:r>
-              <a:rPr lang="en-US" dirty="0"/>
-              <a:t>Do I need to write my own sorting methods.</a:t>
-            </a:r>
-          </a:p>
-          <a:p>
-            <a:pPr lvl="1"/>
-            <a:r>
-              <a:rPr lang="en-US" dirty="0"/>
-              <a:t>No, unless the point of that assignment is to write sorting methods, you can use libraries for this.</a:t>
-            </a:r>
-          </a:p>
-          <a:p>
-            <a:pPr lvl="1"/>
-            <a:endParaRPr lang="en-US" dirty="0"/>
-          </a:p>
-          <a:p>
-            <a:r>
-              <a:rPr lang="en-US" dirty="0"/>
-              <a:t>Can I get the test cases from submission server?</a:t>
-            </a:r>
-          </a:p>
-          <a:p>
-            <a:pPr lvl="1"/>
-            <a:r>
-              <a:rPr lang="en-US" dirty="0"/>
-              <a:t>No, part of the point is to work on brainstorming cases your code is missing without being told. Submission server will give limited feedback on purpose!</a:t>
-            </a:r>
-          </a:p>
-          <a:p>
-            <a:pPr lvl="1"/>
-            <a:endParaRPr lang="en-US" dirty="0"/>
-          </a:p>
-          <a:p>
-            <a:r>
-              <a:rPr lang="en-US" dirty="0"/>
-              <a:t>Will you help me debug my code?</a:t>
-            </a:r>
-          </a:p>
-          <a:p>
-            <a:pPr lvl="1"/>
-            <a:r>
-              <a:rPr lang="en-US" dirty="0"/>
-              <a:t>No, we won’t. You need to learn how to do this on your own. I’m happy to give you advice on how to approach your debugging problems, but I will not sit down and debug code with you.</a:t>
-            </a:r>
-          </a:p>
-        </p:txBody>
-      </p:sp>
-      <p:sp>
-        <p:nvSpPr>
-          <p:cNvPr id="3" name="Slide Number Placeholder 2"/>
-          <p:cNvSpPr>
-            <a:spLocks noGrp="1"/>
-          </p:cNvSpPr>
-          <p:nvPr>
-            <p:ph type="sldNum" sz="quarter" idx="12"/>
-          </p:nvPr>
-        </p:nvSpPr>
-        <p:spPr/>
-        <p:txBody>
-          <a:bodyPr/>
-          <a:lstStyle/>
-          <a:p>
-            <a:fld id="{F26D9103-0C5C-48AC-B68E-3ED2C1647047}" type="slidenum">
-              <a:rPr lang="en-US" smtClean="0"/>
-              <a:pPr/>
-              <a:t>26</a:t>
-            </a:fld>
-            <a:endParaRPr lang="en-US"/>
-          </a:p>
-        </p:txBody>
-      </p:sp>
-    </p:spTree>
-    <p:extLst>
-      <p:ext uri="{BB962C8B-B14F-4D97-AF65-F5344CB8AC3E}">
-        <p14:creationId xmlns:p14="http://schemas.microsoft.com/office/powerpoint/2010/main" val="109002242"/>
-      </p:ext>
-    </p:extLst>
-  </p:cSld>
-  <p:clrMapOvr>
-    <a:masterClrMapping/>
-  </p:clrMapOvr>
-</p:sld>
-</file>
-
-<file path=ppt/slides/slide27.xml><?xml version="1.0" encoding="utf-8"?>
-<p:sld xmlns:a="http://schemas.openxmlformats.org/drawingml/2006/main" xmlns:r="http://schemas.openxmlformats.org/officeDocument/2006/relationships" xmlns:p="http://schemas.openxmlformats.org/presentationml/2006/main">
-  <p:cSld>
-    <p:spTree>
-      <p:nvGrpSpPr>
-        <p:cNvPr id="1" name=""/>
-        <p:cNvGrpSpPr/>
-        <p:nvPr/>
-      </p:nvGrpSpPr>
-      <p:grpSpPr>
-        <a:xfrm>
-          <a:off x="0" y="0"/>
-          <a:ext cx="0" cy="0"/>
-          <a:chOff x="0" y="0"/>
-          <a:chExt cx="0" cy="0"/>
-        </a:xfrm>
-      </p:grpSpPr>
-      <p:sp>
-        <p:nvSpPr>
-          <p:cNvPr id="17410" name="Title 1"/>
-          <p:cNvSpPr>
-            <a:spLocks noGrp="1"/>
-          </p:cNvSpPr>
-          <p:nvPr>
-            <p:ph type="title"/>
-          </p:nvPr>
-        </p:nvSpPr>
-        <p:spPr>
-          <a:xfrm>
-            <a:off x="1141413" y="457745"/>
-            <a:ext cx="9905998" cy="874078"/>
-          </a:xfrm>
-        </p:spPr>
-        <p:txBody>
-          <a:bodyPr/>
-          <a:lstStyle/>
-          <a:p>
-            <a:pPr algn="ctr"/>
-            <a:r>
-              <a:rPr lang="en-US" dirty="0"/>
-              <a:t>Homework: Written</a:t>
-            </a:r>
-          </a:p>
-        </p:txBody>
-      </p:sp>
-      <p:sp>
-        <p:nvSpPr>
-          <p:cNvPr id="17411" name="Content Placeholder 2"/>
-          <p:cNvSpPr>
-            <a:spLocks noGrp="1"/>
-          </p:cNvSpPr>
-          <p:nvPr>
-            <p:ph idx="1"/>
-          </p:nvPr>
-        </p:nvSpPr>
-        <p:spPr>
-          <a:xfrm>
-            <a:off x="1621861" y="1644997"/>
-            <a:ext cx="9274739" cy="4755803"/>
-          </a:xfrm>
-        </p:spPr>
-        <p:txBody>
-          <a:bodyPr/>
-          <a:lstStyle/>
-          <a:p>
-            <a:r>
-              <a:rPr lang="en-US" dirty="0"/>
-              <a:t>These assignments must be typeset in </a:t>
-            </a:r>
-            <a:r>
-              <a:rPr lang="en-US" dirty="0" err="1"/>
-              <a:t>LaTeX</a:t>
-            </a:r>
-            <a:endParaRPr lang="en-US" dirty="0"/>
-          </a:p>
-          <a:p>
-            <a:endParaRPr lang="en-US" dirty="0"/>
-          </a:p>
-          <a:p>
-            <a:r>
-              <a:rPr lang="en-US" dirty="0"/>
-              <a:t>I will provide a couple tutorials, guides, and templates when the first assignment is given out</a:t>
-            </a:r>
-          </a:p>
-          <a:p>
-            <a:endParaRPr lang="en-US" dirty="0"/>
-          </a:p>
-          <a:p>
-            <a:r>
-              <a:rPr lang="en-US" dirty="0"/>
-              <a:t>You may not embed images of text or formulas!</a:t>
-            </a:r>
-          </a:p>
-          <a:p>
-            <a:endParaRPr lang="en-US" dirty="0"/>
-          </a:p>
-        </p:txBody>
-      </p:sp>
-      <p:sp>
-        <p:nvSpPr>
-          <p:cNvPr id="4" name="Slide Number Placeholder 3"/>
-          <p:cNvSpPr>
-            <a:spLocks noGrp="1"/>
-          </p:cNvSpPr>
-          <p:nvPr>
-            <p:ph type="sldNum" sz="quarter" idx="12"/>
-          </p:nvPr>
-        </p:nvSpPr>
-        <p:spPr/>
-        <p:txBody>
-          <a:bodyPr/>
-          <a:lstStyle/>
-          <a:p>
-            <a:fld id="{F26D9103-0C5C-48AC-B68E-3ED2C1647047}" type="slidenum">
-              <a:rPr lang="en-US" smtClean="0"/>
-              <a:pPr/>
-              <a:t>27</a:t>
-            </a:fld>
-            <a:endParaRPr lang="en-US"/>
-          </a:p>
-        </p:txBody>
-      </p:sp>
-    </p:spTree>
-    <p:extLst>
-      <p:ext uri="{BB962C8B-B14F-4D97-AF65-F5344CB8AC3E}">
-        <p14:creationId xmlns:p14="http://schemas.microsoft.com/office/powerpoint/2010/main" val="4248825475"/>
-      </p:ext>
-    </p:extLst>
-  </p:cSld>
-  <p:clrMapOvr>
-    <a:masterClrMapping/>
-  </p:clrMapOvr>
-</p:sld>
-</file>
-
-<file path=ppt/slides/slide28.xml><?xml version="1.0" encoding="utf-8"?>
-<p:sld xmlns:a="http://schemas.openxmlformats.org/drawingml/2006/main" xmlns:r="http://schemas.openxmlformats.org/officeDocument/2006/relationships" xmlns:p="http://schemas.openxmlformats.org/presentationml/2006/main">
-  <p:cSld>
-    <p:spTree>
-      <p:nvGrpSpPr>
-        <p:cNvPr id="1" name=""/>
-        <p:cNvGrpSpPr/>
-        <p:nvPr/>
-      </p:nvGrpSpPr>
-      <p:grpSpPr>
-        <a:xfrm>
-          <a:off x="0" y="0"/>
-          <a:ext cx="0" cy="0"/>
-          <a:chOff x="0" y="0"/>
-          <a:chExt cx="0" cy="0"/>
-        </a:xfrm>
-      </p:grpSpPr>
-      <p:sp>
-        <p:nvSpPr>
-          <p:cNvPr id="2" name="Title 1">
+          <p:cNvPr id="3" name="Content Placeholder 2">
             <a:extLst>
               <a:ext uri="{FF2B5EF4-FFF2-40B4-BE49-F238E27FC236}">
-                <a16:creationId xmlns:a16="http://schemas.microsoft.com/office/drawing/2014/main" id="{8E5DC06E-652D-CD40-8782-E878E11BC092}"/>
-              </a:ext>
-            </a:extLst>
-          </p:cNvPr>
-          <p:cNvSpPr>
-            <a:spLocks noGrp="1"/>
-          </p:cNvSpPr>
-          <p:nvPr>
-            <p:ph type="title"/>
-          </p:nvPr>
-        </p:nvSpPr>
-        <p:spPr>
-          <a:xfrm>
-            <a:off x="1141413" y="538132"/>
-            <a:ext cx="9905998" cy="799137"/>
-          </a:xfrm>
-        </p:spPr>
-        <p:txBody>
-          <a:bodyPr/>
-          <a:lstStyle/>
-          <a:p>
-            <a:pPr algn="ctr"/>
-            <a:r>
-              <a:rPr lang="en-US" dirty="0"/>
-              <a:t>Use of Online Code Etc.</a:t>
-            </a:r>
-          </a:p>
-        </p:txBody>
-      </p:sp>
-      <p:sp>
-        <p:nvSpPr>
-          <p:cNvPr id="4" name="Content Placeholder 3">
-            <a:extLst>
-              <a:ext uri="{FF2B5EF4-FFF2-40B4-BE49-F238E27FC236}">
-                <a16:creationId xmlns:a16="http://schemas.microsoft.com/office/drawing/2014/main" id="{8C2A69A9-9079-244C-BEAE-11CF7ACAB26E}"/>
+                <a16:creationId xmlns:a16="http://schemas.microsoft.com/office/drawing/2014/main" id="{267DFEF5-BEAA-974F-B91B-2D8B6E94C721}"/>
               </a:ext>
             </a:extLst>
           </p:cNvPr>
@@ -16823,162 +16320,79 @@
         </p:nvSpPr>
         <p:spPr>
           <a:xfrm>
-            <a:off x="1447800" y="1722456"/>
-            <a:ext cx="9420888" cy="4830744"/>
+            <a:off x="1577591" y="1526633"/>
+            <a:ext cx="8601389" cy="4950367"/>
           </a:xfrm>
         </p:spPr>
         <p:txBody>
           <a:bodyPr>
-            <a:normAutofit fontScale="92500"/>
+            <a:normAutofit/>
           </a:bodyPr>
           <a:lstStyle/>
           <a:p>
             <a:r>
-              <a:rPr lang="en-US" u="sng" dirty="0"/>
-              <a:t>Studying</a:t>
-            </a:r>
-            <a:r>
               <a:rPr lang="en-US" dirty="0"/>
-              <a:t> code or proofs online is permitted </a:t>
-            </a:r>
-            <a:r>
-              <a:rPr lang="en-US" u="sng" dirty="0"/>
-              <a:t>but only</a:t>
+              <a:t>Final letter grade will be a weighted average:</a:t>
+            </a:r>
+          </a:p>
+          <a:p>
+            <a:endParaRPr lang="en-US" dirty="0"/>
+          </a:p>
+          <a:p>
+            <a:r>
+              <a:rPr lang="en-US" b="1" i="1" u="sng" dirty="0"/>
+              <a:t>Homework</a:t>
             </a:r>
             <a:r>
               <a:rPr lang="en-US" dirty="0"/>
-              <a:t> for getting ideas</a:t>
-            </a:r>
-          </a:p>
-          <a:p>
+              <a:t>: 40 percent (split over about 6 or 7 </a:t>
+            </a:r>
+            <a:r>
+              <a:rPr lang="en-US" dirty="0" err="1"/>
+              <a:t>homeworks</a:t>
+            </a:r>
             <a:r>
               <a:rPr lang="en-US" dirty="0"/>
-              <a:t>Copying or reusing code or proofs from an online source violates the pledge</a:t>
-            </a:r>
-          </a:p>
-          <a:p>
-            <a:pPr lvl="1"/>
+              <a:t>)</a:t>
+            </a:r>
+          </a:p>
+          <a:p>
+            <a:r>
+              <a:rPr lang="en-US" b="1" i="1" u="sng" dirty="0"/>
+              <a:t>Quizzes</a:t>
+            </a:r>
             <a:r>
               <a:rPr lang="en-US" dirty="0"/>
-              <a:t>You must cite sources of any online code you use in this way in a comment in your source file(s)</a:t>
-            </a:r>
-          </a:p>
-          <a:p>
-            <a:pPr lvl="1"/>
-            <a:endParaRPr lang="en-US" dirty="0"/>
-          </a:p>
-          <a:p>
+              <a:t>: 30 percent (12 percent each)</a:t>
+            </a:r>
+          </a:p>
+          <a:p>
+            <a:r>
+              <a:rPr lang="en-US" b="1" i="1" u="sng" dirty="0"/>
+              <a:t>Attendance:</a:t>
+            </a:r>
             <a:r>
               <a:rPr lang="en-US" dirty="0"/>
-              <a:t>Remember:  the purpose of the homework is</a:t>
-            </a:r>
-          </a:p>
-          <a:p>
-            <a:pPr lvl="1"/>
+              <a:t> 12 percent (2 percent off for each miss)</a:t>
+            </a:r>
+            <a:endParaRPr lang="en-US" b="1" i="1" u="sng" dirty="0"/>
+          </a:p>
+          <a:p>
+            <a:r>
+              <a:rPr lang="en-US" b="1" i="1" u="sng" dirty="0"/>
+              <a:t>Final Project</a:t>
+            </a:r>
             <a:r>
               <a:rPr lang="en-US" dirty="0"/>
-              <a:t>To </a:t>
-            </a:r>
-            <a:r>
-              <a:rPr lang="en-US" b="1" i="1" u="sng" dirty="0"/>
-              <a:t>practice</a:t>
-            </a:r>
-            <a:r>
-              <a:rPr lang="en-US" dirty="0"/>
-              <a:t> in an environment that is lower-stress</a:t>
-            </a:r>
-          </a:p>
-          <a:p>
-            <a:pPr lvl="1"/>
-            <a:r>
-              <a:rPr lang="en-US" dirty="0"/>
-              <a:t>To </a:t>
-            </a:r>
-            <a:r>
-              <a:rPr lang="en-US" b="1" i="1" u="sng" dirty="0"/>
-              <a:t>push yourself </a:t>
-            </a:r>
-            <a:r>
-              <a:rPr lang="en-US" dirty="0"/>
-              <a:t>to solve think about the theory of computation and to prepare you for the quizzes, NOT just to get a grade.</a:t>
-            </a:r>
-          </a:p>
-          <a:p>
-            <a:pPr lvl="1"/>
-            <a:r>
-              <a:rPr lang="en-US" dirty="0"/>
-              <a:t>To </a:t>
-            </a:r>
-            <a:r>
-              <a:rPr lang="en-US" b="1" i="1" u="sng" dirty="0"/>
-              <a:t>work out the logical part </a:t>
-            </a:r>
-            <a:r>
-              <a:rPr lang="en-US" dirty="0"/>
-              <a:t>of your brain </a:t>
-            </a:r>
-            <a:r>
-              <a:rPr lang="en-US" dirty="0">
-                <a:sym typeface="Wingdings" pitchFamily="2" charset="2"/>
-              </a:rPr>
-              <a:t></a:t>
-            </a:r>
-            <a:endParaRPr lang="en-US" dirty="0"/>
-          </a:p>
-          <a:p>
-            <a:pPr lvl="1"/>
-            <a:r>
-              <a:rPr lang="en-US" dirty="0"/>
-              <a:t>To focus on </a:t>
-            </a:r>
-            <a:r>
-              <a:rPr lang="en-US" b="1" i="1" u="sng" dirty="0"/>
-              <a:t>attempting to solve problems yourself </a:t>
-            </a:r>
-            <a:r>
-              <a:rPr lang="en-US" dirty="0"/>
-              <a:t>before asking others for assistance.</a:t>
-            </a:r>
-          </a:p>
-          <a:p>
-            <a:endParaRPr lang="en-US" dirty="0"/>
-          </a:p>
-        </p:txBody>
-      </p:sp>
-      <p:sp>
-        <p:nvSpPr>
-          <p:cNvPr id="3" name="Slide Number Placeholder 2">
-            <a:extLst>
-              <a:ext uri="{FF2B5EF4-FFF2-40B4-BE49-F238E27FC236}">
-                <a16:creationId xmlns:a16="http://schemas.microsoft.com/office/drawing/2014/main" id="{56136DFE-FBB4-E24C-ABB6-77FCF4FCA26D}"/>
-              </a:ext>
-            </a:extLst>
-          </p:cNvPr>
-          <p:cNvSpPr>
-            <a:spLocks noGrp="1"/>
-          </p:cNvSpPr>
-          <p:nvPr>
-            <p:ph type="sldNum" sz="quarter" idx="12"/>
-          </p:nvPr>
-        </p:nvSpPr>
-        <p:spPr/>
-        <p:txBody>
-          <a:bodyPr/>
-          <a:lstStyle/>
-          <a:p>
-            <a:fld id="{F26D9103-0C5C-48AC-B68E-3ED2C1647047}" type="slidenum">
-              <a:rPr lang="en-US" smtClean="0"/>
-              <a:pPr/>
-              <a:t>28</a:t>
-            </a:fld>
-            <a:endParaRPr lang="en-US"/>
+              <a:t>: 18 percent</a:t>
+            </a:r>
           </a:p>
         </p:txBody>
       </p:sp>
     </p:spTree>
     <p:extLst>
       <p:ext uri="{BB962C8B-B14F-4D97-AF65-F5344CB8AC3E}">
-        <p14:creationId xmlns:p14="http://schemas.microsoft.com/office/powerpoint/2010/main" val="3316639139"/>
+        <p14:creationId xmlns:p14="http://schemas.microsoft.com/office/powerpoint/2010/main" val="160555418"/>
       </p:ext>
     </p:extLst>
   </p:cSld>
@@ -16988,7 +16402,7 @@
 </p:sld>
 </file>
 
-<file path=ppt/slides/slide29.xml><?xml version="1.0" encoding="utf-8"?>
+<file path=ppt/slides/slide25.xml><?xml version="1.0" encoding="utf-8"?>
 <p:sld xmlns:a="http://schemas.openxmlformats.org/drawingml/2006/main" xmlns:r="http://schemas.openxmlformats.org/officeDocument/2006/relationships" xmlns:p="http://schemas.openxmlformats.org/presentationml/2006/main">
   <p:cSld>
     <p:spTree>
@@ -17028,7 +16442,7 @@
             <a:pPr algn="ctr"/>
             <a:r>
               <a:rPr lang="en-US" dirty="0"/>
-              <a:t>Working in groups</a:t>
+              <a:t>I think that is all…</a:t>
             </a:r>
           </a:p>
         </p:txBody>
@@ -17057,77 +16471,15 @@
           <a:p>
             <a:r>
               <a:rPr lang="en-US" dirty="0"/>
-              <a:t>For the homework, you may work together in groups of 3 or less (written assignments)</a:t>
-            </a:r>
-          </a:p>
-          <a:p>
-            <a:pPr lvl="1"/>
-            <a:r>
-              <a:rPr lang="en-US" dirty="0"/>
-              <a:t>Submit one homework per group (I believe </a:t>
-            </a:r>
-            <a:r>
-              <a:rPr lang="en-US" dirty="0" err="1"/>
-              <a:t>Gradescope</a:t>
-            </a:r>
-            <a:r>
-              <a:rPr lang="en-US" dirty="0"/>
-              <a:t> supports this)</a:t>
-            </a:r>
-          </a:p>
-          <a:p>
-            <a:endParaRPr lang="en-US" dirty="0"/>
-          </a:p>
-          <a:p>
-            <a:r>
-              <a:rPr lang="en-US" dirty="0"/>
-              <a:t>For the programming homework, you may discuss the problems with your group of 3 or less, but you must:</a:t>
-            </a:r>
-          </a:p>
-          <a:p>
-            <a:pPr lvl="1"/>
-            <a:r>
-              <a:rPr lang="en-US" dirty="0"/>
-              <a:t>State who you worked with</a:t>
-            </a:r>
-          </a:p>
-          <a:p>
-            <a:pPr lvl="1"/>
-            <a:r>
-              <a:rPr lang="en-US" dirty="0"/>
-              <a:t>Type up your own implementation!</a:t>
-            </a:r>
-          </a:p>
-        </p:txBody>
-      </p:sp>
-      <p:sp>
-        <p:nvSpPr>
-          <p:cNvPr id="4" name="Slide Number Placeholder 3"/>
-          <p:cNvSpPr>
-            <a:spLocks noGrp="1"/>
-          </p:cNvSpPr>
-          <p:nvPr>
-            <p:ph type="sldNum" sz="quarter" idx="12"/>
-          </p:nvPr>
-        </p:nvSpPr>
-        <p:spPr/>
-        <p:txBody>
-          <a:bodyPr/>
-          <a:lstStyle/>
-          <a:p>
-            <a:fld id="{F26D9103-0C5C-48AC-B68E-3ED2C1647047}" type="slidenum">
-              <a:rPr lang="en-US" smtClean="0"/>
-              <a:pPr/>
-              <a:t>29</a:t>
-            </a:fld>
-            <a:endParaRPr lang="en-US" dirty="0"/>
+              <a:t>Any questions…</a:t>
+            </a:r>
           </a:p>
         </p:txBody>
       </p:sp>
     </p:spTree>
     <p:extLst>
       <p:ext uri="{BB962C8B-B14F-4D97-AF65-F5344CB8AC3E}">
-        <p14:creationId xmlns:p14="http://schemas.microsoft.com/office/powerpoint/2010/main" val="1292368053"/>
+        <p14:creationId xmlns:p14="http://schemas.microsoft.com/office/powerpoint/2010/main" val="755208883"/>
       </p:ext>
     </p:extLst>
   </p:cSld>
@@ -17180,8 +16532,13 @@
             <a:pPr algn="ctr"/>
             <a:r>
               <a:rPr lang="en-US" dirty="0"/>
-              <a:t>My Answers (1 to 10)</a:t>
-            </a:r>
+              <a:t>Course </a:t>
+            </a:r>
+            <a:r>
+              <a:rPr lang="en-US" dirty="0" err="1"/>
+              <a:t>OBjectives</a:t>
+            </a:r>
+            <a:endParaRPr lang="en-US" dirty="0"/>
           </a:p>
         </p:txBody>
       </p:sp>
@@ -17200,13 +16557,13 @@
         </p:nvSpPr>
         <p:spPr>
           <a:xfrm>
-            <a:off x="1141413" y="1219199"/>
-            <a:ext cx="9970724" cy="5320938"/>
+            <a:off x="1396721" y="1473200"/>
+            <a:ext cx="9365064" cy="4800600"/>
           </a:xfrm>
         </p:spPr>
         <p:txBody>
           <a:bodyPr>
-            <a:normAutofit/>
+            <a:normAutofit fontScale="85000" lnSpcReduction="20000"/>
           </a:bodyPr>
           <a:lstStyle/>
           <a:p>
@@ -17214,31 +16571,13 @@
               <a:buNone/>
             </a:pPr>
             <a:r>
-              <a:rPr lang="en-US" b="1" i="1" u="sng" dirty="0"/>
-              <a:t>Q1</a:t>
+              <a:rPr lang="en-US" u="sng" dirty="0"/>
+              <a:t>Students who complete the course will</a:t>
             </a:r>
             <a:r>
               <a:rPr lang="en-US" dirty="0"/>
-              <a:t>: I have heard that DMT 2 is like…a really hard class!</a:t>
-            </a:r>
-            <a:br>
-              <a:rPr lang="en-US" dirty="0"/>
-            </a:br>
-            <a:r>
-              <a:rPr lang="en-US" dirty="0"/>
-              <a:t>	</a:t>
-            </a:r>
-            <a:r>
-              <a:rPr lang="en-US" i="1" u="sng" dirty="0"/>
-              <a:t>8: Yes, the material is hard. There is no way around it </a:t>
-            </a:r>
-            <a:r>
-              <a:rPr lang="en-US" i="1" u="sng" dirty="0">
-                <a:sym typeface="Wingdings" pitchFamily="2" charset="2"/>
-              </a:rPr>
-              <a:t>&lt;sad face&gt;</a:t>
-            </a:r>
-            <a:endParaRPr lang="en-US" i="1" u="sng" dirty="0"/>
+              <a:t>:</a:t>
+            </a:r>
           </a:p>
           <a:p>
             <a:pPr marL="0" indent="0">
@@ -17247,200 +16586,41 @@
             <a:endParaRPr lang="en-US" dirty="0"/>
           </a:p>
           <a:p>
-            <a:pPr marL="0" indent="0">
-              <a:buNone/>
-            </a:pPr>
-            <a:r>
-              <a:rPr lang="en-US" b="1" i="1" u="sng" dirty="0"/>
-              <a:t>Q2</a:t>
-            </a:r>
             <a:r>
               <a:rPr lang="en-US" dirty="0"/>
-              <a:t>: I have heard that DMT 2 is a lot of work!</a:t>
-            </a:r>
-            <a:br>
+              <a:t>Solve challenging optimizations by modeling problems as linear programs and using / understanding linear programming algorithms. </a:t>
+            </a:r>
+          </a:p>
+          <a:p>
+            <a:r>
               <a:rPr lang="en-US" dirty="0"/>
-            </a:br>
+              <a:t>Take advantage of representation structures of data to more efficiently store and retrieve data.</a:t>
+            </a:r>
+          </a:p>
+          <a:p>
             <a:r>
               <a:rPr lang="en-US" dirty="0"/>
-              <a:t>	</a:t>
-            </a:r>
-            <a:r>
-              <a:rPr lang="en-US" i="1" u="sng" dirty="0"/>
-              <a:t>6: A lot of work to understand the concepts, but not a pile of work</a:t>
-            </a:r>
-          </a:p>
-          <a:p>
-            <a:pPr marL="0" indent="0">
-              <a:buNone/>
-            </a:pPr>
-            <a:endParaRPr lang="en-US" dirty="0"/>
-          </a:p>
-          <a:p>
-            <a:pPr marL="0" indent="0">
-              <a:buNone/>
-            </a:pPr>
-            <a:r>
-              <a:rPr lang="en-US" b="1" i="1" u="sng" dirty="0"/>
-              <a:t>Q3</a:t>
-            </a:r>
+              <a:t>Apply analysis concepts to determine the efficacy of approximation algorithms where the optimal solution is unlikely to be found.</a:t>
+            </a:r>
+          </a:p>
+          <a:p>
             <a:r>
               <a:rPr lang="en-US" dirty="0"/>
-              <a:t>: I have heard that DMT 2 material isn’t that important and that you will never really use it!</a:t>
-            </a:r>
-            <a:br>
+              <a:t>Gain an understanding of common algorithmic ideas when working with geometric problems including convex hulls, and large geometric data sets.</a:t>
+            </a:r>
+          </a:p>
+          <a:p>
+            <a:r>
               <a:rPr lang="en-US" dirty="0"/>
-            </a:br>
-            <a:r>
-              <a:rPr lang="en-US" dirty="0"/>
-              <a:t>	</a:t>
-            </a:r>
-            <a:r>
-              <a:rPr lang="en-US" i="1" u="sng" dirty="0"/>
-              <a:t>3: This material is universal and timeless…I’ll explain a bit more verbally</a:t>
-            </a:r>
-          </a:p>
-        </p:txBody>
-      </p:sp>
-      <p:sp>
-        <p:nvSpPr>
-          <p:cNvPr id="4" name="Slide Number Placeholder 3"/>
-          <p:cNvSpPr>
-            <a:spLocks noGrp="1"/>
-          </p:cNvSpPr>
-          <p:nvPr>
-            <p:ph type="sldNum" sz="quarter" idx="12"/>
-          </p:nvPr>
-        </p:nvSpPr>
-        <p:spPr/>
-        <p:txBody>
-          <a:bodyPr/>
-          <a:lstStyle/>
-          <a:p>
-            <a:fld id="{F26D9103-0C5C-48AC-B68E-3ED2C1647047}" type="slidenum">
-              <a:rPr lang="en-US" smtClean="0"/>
-              <a:pPr/>
-              <a:t>3</a:t>
-            </a:fld>
-            <a:endParaRPr lang="en-US" dirty="0"/>
+              <a:t>Be exposed to numerous small but useful algorithms that can be used as common sub-routines to solve larger problems.</a:t>
+            </a:r>
           </a:p>
         </p:txBody>
       </p:sp>
     </p:spTree>
     <p:extLst>
       <p:ext uri="{BB962C8B-B14F-4D97-AF65-F5344CB8AC3E}">
-        <p14:creationId xmlns:p14="http://schemas.microsoft.com/office/powerpoint/2010/main" val="3749058203"/>
-      </p:ext>
-    </p:extLst>
-  </p:cSld>
-  <p:clrMapOvr>
-    <a:masterClrMapping/>
-  </p:clrMapOvr>
-</p:sld>
-</file>
-
-<file path=ppt/slides/slide30.xml><?xml version="1.0" encoding="utf-8"?>
-<p:sld xmlns:a="http://schemas.openxmlformats.org/drawingml/2006/main" xmlns:r="http://schemas.openxmlformats.org/officeDocument/2006/relationships" xmlns:p="http://schemas.openxmlformats.org/presentationml/2006/main">
-  <p:cSld>
-    <p:spTree>
-      <p:nvGrpSpPr>
-        <p:cNvPr id="1" name=""/>
-        <p:cNvGrpSpPr/>
-        <p:nvPr/>
-      </p:nvGrpSpPr>
-      <p:grpSpPr>
-        <a:xfrm>
-          <a:off x="0" y="0"/>
-          <a:ext cx="0" cy="0"/>
-          <a:chOff x="0" y="0"/>
-          <a:chExt cx="0" cy="0"/>
-        </a:xfrm>
-      </p:grpSpPr>
-      <p:sp>
-        <p:nvSpPr>
-          <p:cNvPr id="18434" name="Title 1"/>
-          <p:cNvSpPr>
-            <a:spLocks noGrp="1"/>
-          </p:cNvSpPr>
-          <p:nvPr>
-            <p:ph type="title"/>
-          </p:nvPr>
-        </p:nvSpPr>
-        <p:spPr>
-          <a:xfrm>
-            <a:off x="1141413" y="427600"/>
-            <a:ext cx="9905998" cy="823212"/>
-          </a:xfrm>
-        </p:spPr>
-        <p:txBody>
-          <a:bodyPr/>
-          <a:lstStyle/>
-          <a:p>
-            <a:pPr algn="ctr"/>
-            <a:r>
-              <a:rPr lang="en-US" dirty="0"/>
-              <a:t>I think that is all…</a:t>
-            </a:r>
-          </a:p>
-        </p:txBody>
-      </p:sp>
-      <p:sp>
-        <p:nvSpPr>
-          <p:cNvPr id="18435" name="Content Placeholder 2"/>
-          <p:cNvSpPr>
-            <a:spLocks noGrp="1"/>
-          </p:cNvSpPr>
-          <p:nvPr>
-            <p:ph idx="1"/>
-          </p:nvPr>
-        </p:nvSpPr>
-        <p:spPr>
-          <a:xfrm>
-            <a:off x="1305446" y="1441730"/>
-            <a:ext cx="9819754" cy="5035270"/>
-          </a:xfrm>
-        </p:spPr>
-        <p:txBody>
-          <a:bodyPr>
-            <a:normAutofit/>
-          </a:bodyPr>
-          <a:lstStyle/>
-          <a:p>
-            <a:r>
-              <a:rPr lang="en-US" dirty="0"/>
-              <a:t>Any questions…</a:t>
-            </a:r>
-          </a:p>
-        </p:txBody>
-      </p:sp>
-      <p:sp>
-        <p:nvSpPr>
-          <p:cNvPr id="4" name="Slide Number Placeholder 3"/>
-          <p:cNvSpPr>
-            <a:spLocks noGrp="1"/>
-          </p:cNvSpPr>
-          <p:nvPr>
-            <p:ph type="sldNum" sz="quarter" idx="12"/>
-          </p:nvPr>
-        </p:nvSpPr>
-        <p:spPr/>
-        <p:txBody>
-          <a:bodyPr/>
-          <a:lstStyle/>
-          <a:p>
-            <a:fld id="{F26D9103-0C5C-48AC-B68E-3ED2C1647047}" type="slidenum">
-              <a:rPr lang="en-US" smtClean="0"/>
-              <a:pPr/>
-              <a:t>30</a:t>
-            </a:fld>
-            <a:endParaRPr lang="en-US" dirty="0"/>
-          </a:p>
-        </p:txBody>
-      </p:sp>
-    </p:spTree>
-    <p:extLst>
-      <p:ext uri="{BB962C8B-B14F-4D97-AF65-F5344CB8AC3E}">
-        <p14:creationId xmlns:p14="http://schemas.microsoft.com/office/powerpoint/2010/main" val="755208883"/>
+        <p14:creationId xmlns:p14="http://schemas.microsoft.com/office/powerpoint/2010/main" val="13164052"/>
       </p:ext>
     </p:extLst>
   </p:cSld>
@@ -17484,7 +16664,7 @@
           <a:p>
             <a:r>
               <a:rPr lang="en-US" dirty="0"/>
-              <a:t>Course Objectives</a:t>
+              <a:t>Course introduction</a:t>
             </a:r>
           </a:p>
         </p:txBody>
@@ -17508,34 +16688,10 @@
           </a:p>
         </p:txBody>
       </p:sp>
-      <p:sp>
-        <p:nvSpPr>
-          <p:cNvPr id="3" name="Slide Number Placeholder 2"/>
-          <p:cNvSpPr>
-            <a:spLocks noGrp="1"/>
-          </p:cNvSpPr>
-          <p:nvPr>
-            <p:ph type="sldNum" sz="quarter" idx="12"/>
-          </p:nvPr>
-        </p:nvSpPr>
-        <p:spPr/>
-        <p:txBody>
-          <a:bodyPr/>
-          <a:lstStyle/>
-          <a:p>
-            <a:fld id="{F26D9103-0C5C-48AC-B68E-3ED2C1647047}" type="slidenum">
-              <a:rPr lang="en-US" smtClean="0"/>
-              <a:pPr/>
-              <a:t>4</a:t>
-            </a:fld>
-            <a:endParaRPr lang="en-US"/>
-          </a:p>
-        </p:txBody>
-      </p:sp>
     </p:spTree>
     <p:extLst>
       <p:ext uri="{BB962C8B-B14F-4D97-AF65-F5344CB8AC3E}">
-        <p14:creationId xmlns:p14="http://schemas.microsoft.com/office/powerpoint/2010/main" val="3729940868"/>
+        <p14:creationId xmlns:p14="http://schemas.microsoft.com/office/powerpoint/2010/main" val="2857772485"/>
       </p:ext>
     </p:extLst>
   </p:cSld>
@@ -17564,21 +16720,24 @@
       </p:grpSpPr>
       <p:sp>
         <p:nvSpPr>
-          <p:cNvPr id="6146" name="Rectangle 2"/>
+          <p:cNvPr id="2" name="Title 1">
+            <a:extLst>
+              <a:ext uri="{FF2B5EF4-FFF2-40B4-BE49-F238E27FC236}">
+                <a16:creationId xmlns:a16="http://schemas.microsoft.com/office/drawing/2014/main" id="{10E4624E-6BA1-BB4D-8A7A-500B5099ECEB}"/>
+              </a:ext>
+            </a:extLst>
+          </p:cNvPr>
           <p:cNvSpPr>
-            <a:spLocks noGrp="1" noChangeArrowheads="1"/>
+            <a:spLocks noGrp="1"/>
           </p:cNvSpPr>
           <p:nvPr>
             <p:ph type="title"/>
-            <p:custDataLst>
-              <p:tags r:id="rId1"/>
-            </p:custDataLst>
           </p:nvPr>
         </p:nvSpPr>
         <p:spPr>
           <a:xfrm>
-            <a:off x="1141413" y="322184"/>
-            <a:ext cx="9905998" cy="897015"/>
+            <a:off x="1141413" y="347214"/>
+            <a:ext cx="9905998" cy="697816"/>
           </a:xfrm>
         </p:spPr>
         <p:txBody>
@@ -17588,111 +16747,89 @@
             <a:pPr algn="ctr"/>
             <a:r>
               <a:rPr lang="en-US" dirty="0"/>
-              <a:t>Course </a:t>
-            </a:r>
-            <a:r>
-              <a:rPr lang="en-US" dirty="0" err="1"/>
-              <a:t>OBjectives</a:t>
-            </a:r>
-            <a:endParaRPr lang="en-US" dirty="0"/>
+              <a:t>Lectures</a:t>
+            </a:r>
           </a:p>
         </p:txBody>
       </p:sp>
       <p:sp>
         <p:nvSpPr>
-          <p:cNvPr id="6147" name="Rectangle 3"/>
+          <p:cNvPr id="4" name="Content Placeholder 3">
+            <a:extLst>
+              <a:ext uri="{FF2B5EF4-FFF2-40B4-BE49-F238E27FC236}">
+                <a16:creationId xmlns:a16="http://schemas.microsoft.com/office/drawing/2014/main" id="{22F38866-4BB8-1749-AF0C-AB089AECC899}"/>
+              </a:ext>
+            </a:extLst>
+          </p:cNvPr>
           <p:cNvSpPr>
-            <a:spLocks noGrp="1" noChangeArrowheads="1"/>
+            <a:spLocks noGrp="1"/>
           </p:cNvSpPr>
           <p:nvPr>
-            <p:ph idx="1"/>
-            <p:custDataLst>
-              <p:tags r:id="rId2"/>
-            </p:custDataLst>
+            <p:ph sz="half" idx="1"/>
           </p:nvPr>
         </p:nvSpPr>
         <p:spPr>
           <a:xfrm>
-            <a:off x="1396721" y="1473200"/>
-            <a:ext cx="9365064" cy="4800600"/>
+            <a:off x="1141413" y="1045030"/>
+            <a:ext cx="9905997" cy="5111930"/>
           </a:xfrm>
         </p:spPr>
         <p:txBody>
           <a:bodyPr>
-            <a:normAutofit fontScale="77500" lnSpcReduction="20000"/>
+            <a:normAutofit/>
           </a:bodyPr>
           <a:lstStyle/>
           <a:p>
-            <a:pPr marL="0" indent="0">
-              <a:buNone/>
-            </a:pPr>
-            <a:r>
-              <a:rPr lang="en-US" u="sng" dirty="0"/>
-              <a:t>Students who complete the course will</a:t>
-            </a:r>
             <a:r>
               <a:rPr lang="en-US" dirty="0"/>
-              <a:t>:</a:t>
-            </a:r>
-          </a:p>
-          <a:p>
-            <a:pPr marL="0" indent="0">
-              <a:buNone/>
-            </a:pPr>
+              <a:t>Lecture Time</a:t>
+            </a:r>
+          </a:p>
+          <a:p>
+            <a:pPr lvl="1"/>
+            <a:r>
+              <a:rPr lang="en-US" dirty="0"/>
+              <a:t>MWF 9:00 – 9:50 am @ Olsson Hall 018</a:t>
+            </a:r>
+          </a:p>
+          <a:p>
+            <a:pPr lvl="1"/>
             <a:endParaRPr lang="en-US" dirty="0"/>
           </a:p>
           <a:p>
             <a:r>
               <a:rPr lang="en-US" dirty="0"/>
-              <a:t>Improve their mathematical thinking skill and habits, including thinking precisely about definitions, stating assumptions carefully, critically reading arguments, and being able to write convincingly.</a:t>
-            </a:r>
-          </a:p>
-          <a:p>
+              <a:t>Lectures will be recorded and posted on Canvas -&gt; Lecture Recordings</a:t>
+            </a:r>
+          </a:p>
+          <a:p>
+            <a:pPr lvl="1"/>
             <a:r>
               <a:rPr lang="en-US" dirty="0"/>
-              <a:t>Be able to understand both finite and infinite formal models of computation and to reason about what they can and cannot compute.</a:t>
-            </a:r>
-          </a:p>
-          <a:p>
+              <a:t>Using Panopto, so no live broadcast</a:t>
+            </a:r>
+          </a:p>
+          <a:p>
+            <a:pPr lvl="1"/>
             <a:r>
               <a:rPr lang="en-US" dirty="0"/>
-              <a:t>Understand both intuitively and formally what makes some problems too expensive to solve, and what can be done in practice when an unsolvable or intractable problem is encountered.</a:t>
-            </a:r>
+              <a:t>A note about recordings…they are a privilege, not a right.</a:t>
+            </a:r>
+          </a:p>
+          <a:p>
+            <a:pPr lvl="1"/>
+            <a:endParaRPr lang="en-US" dirty="0"/>
           </a:p>
           <a:p>
             <a:r>
               <a:rPr lang="en-US" dirty="0"/>
-              <a:t>Reason formally about the cost of computation, and be able to prove useful bounds on the costs of solving problems, including showing that certain problems are intractable.</a:t>
-            </a:r>
-          </a:p>
-          <a:p>
-            <a:r>
-              <a:rPr lang="en-US" dirty="0"/>
-              <a:t>Learn about some interesting aspects of theoretical computer science, including cryptography and machine learning.</a:t>
-            </a:r>
-          </a:p>
-        </p:txBody>
-      </p:sp>
-      <p:sp>
-        <p:nvSpPr>
-          <p:cNvPr id="4" name="Slide Number Placeholder 3"/>
-          <p:cNvSpPr>
-            <a:spLocks noGrp="1"/>
-          </p:cNvSpPr>
-          <p:nvPr>
-            <p:ph type="sldNum" sz="quarter" idx="12"/>
-          </p:nvPr>
-        </p:nvSpPr>
-        <p:spPr/>
-        <p:txBody>
-          <a:bodyPr/>
-          <a:lstStyle/>
-          <a:p>
-            <a:fld id="{F26D9103-0C5C-48AC-B68E-3ED2C1647047}" type="slidenum">
-              <a:rPr lang="en-US" smtClean="0"/>
-              <a:pPr/>
-              <a:t>5</a:t>
-            </a:fld>
+              <a:t>Lectures will cover course topics, example code, etc.</a:t>
+            </a:r>
+          </a:p>
+          <a:p>
+            <a:endParaRPr lang="en-US" dirty="0"/>
+          </a:p>
+          <a:p>
             <a:endParaRPr lang="en-US" dirty="0"/>
           </a:p>
         </p:txBody>
@@ -17700,7 +16837,7 @@
     </p:spTree>
     <p:extLst>
       <p:ext uri="{BB962C8B-B14F-4D97-AF65-F5344CB8AC3E}">
-        <p14:creationId xmlns:p14="http://schemas.microsoft.com/office/powerpoint/2010/main" val="13164052"/>
+        <p14:creationId xmlns:p14="http://schemas.microsoft.com/office/powerpoint/2010/main" val="1777500093"/>
       </p:ext>
     </p:extLst>
   </p:cSld>
@@ -17729,73 +16866,140 @@
       </p:grpSpPr>
       <p:sp>
         <p:nvSpPr>
-          <p:cNvPr id="5" name="Title 4"/>
+          <p:cNvPr id="7170" name="Rectangle 2"/>
           <p:cNvSpPr>
-            <a:spLocks noGrp="1"/>
+            <a:spLocks noGrp="1" noChangeArrowheads="1"/>
           </p:cNvSpPr>
           <p:nvPr>
             <p:ph type="title"/>
+            <p:custDataLst>
+              <p:tags r:id="rId1"/>
+            </p:custDataLst>
           </p:nvPr>
         </p:nvSpPr>
-        <p:spPr/>
+        <p:spPr>
+          <a:xfrm>
+            <a:off x="1141413" y="338818"/>
+            <a:ext cx="9905998" cy="855280"/>
+          </a:xfrm>
+        </p:spPr>
         <p:txBody>
           <a:bodyPr/>
           <a:lstStyle/>
           <a:p>
+            <a:pPr algn="ctr"/>
             <a:r>
               <a:rPr lang="en-US" dirty="0"/>
-              <a:t>Course introduction</a:t>
+              <a:t>Lectures</a:t>
             </a:r>
           </a:p>
         </p:txBody>
       </p:sp>
       <p:sp>
         <p:nvSpPr>
-          <p:cNvPr id="6" name="Text Placeholder 5"/>
+          <p:cNvPr id="7171" name="Rectangle 3"/>
           <p:cNvSpPr>
-            <a:spLocks noGrp="1"/>
+            <a:spLocks noGrp="1" noChangeArrowheads="1"/>
           </p:cNvSpPr>
           <p:nvPr>
-            <p:ph type="body" idx="1"/>
+            <p:ph idx="1"/>
+            <p:custDataLst>
+              <p:tags r:id="rId2"/>
+            </p:custDataLst>
           </p:nvPr>
         </p:nvSpPr>
-        <p:spPr/>
+        <p:spPr>
+          <a:xfrm>
+            <a:off x="1828800" y="1567652"/>
+            <a:ext cx="8741339" cy="4482292"/>
+          </a:xfrm>
+        </p:spPr>
         <p:txBody>
           <a:bodyPr/>
           <a:lstStyle/>
           <a:p>
-            <a:endParaRPr lang="en-US"/>
-          </a:p>
-        </p:txBody>
-      </p:sp>
-      <p:sp>
-        <p:nvSpPr>
-          <p:cNvPr id="3" name="Slide Number Placeholder 2"/>
-          <p:cNvSpPr>
-            <a:spLocks noGrp="1"/>
-          </p:cNvSpPr>
-          <p:nvPr>
-            <p:ph type="sldNum" sz="quarter" idx="12"/>
-          </p:nvPr>
-        </p:nvSpPr>
-        <p:spPr/>
-        <p:txBody>
-          <a:bodyPr/>
-          <a:lstStyle/>
-          <a:p>
-            <a:fld id="{F26D9103-0C5C-48AC-B68E-3ED2C1647047}" type="slidenum">
-              <a:rPr lang="en-US" smtClean="0"/>
-              <a:pPr/>
-              <a:t>6</a:t>
-            </a:fld>
-            <a:endParaRPr lang="en-US"/>
+            <a:pPr marL="0" indent="0">
+              <a:buNone/>
+            </a:pPr>
+            <a:r>
+              <a:rPr lang="en-US" dirty="0"/>
+              <a:t>Lectures are held in-person, MWF (well, some Fridays)</a:t>
+            </a:r>
+          </a:p>
+          <a:p>
+            <a:pPr marL="0" indent="0">
+              <a:buNone/>
+            </a:pPr>
+            <a:endParaRPr lang="en-US" dirty="0"/>
+          </a:p>
+          <a:p>
+            <a:pPr>
+              <a:buFontTx/>
+              <a:buChar char="-"/>
+            </a:pPr>
+            <a:r>
+              <a:rPr lang="en-US" b="1" i="1" u="sng" dirty="0"/>
+              <a:t>Mon. / Wed.</a:t>
+            </a:r>
+            <a:r>
+              <a:rPr lang="en-US" dirty="0"/>
+              <a:t>: Traditional in-person lectures. Attendance required (more on that later). Recordings available for review.</a:t>
+            </a:r>
+          </a:p>
+          <a:p>
+            <a:pPr>
+              <a:buFontTx/>
+              <a:buChar char="-"/>
+            </a:pPr>
+            <a:r>
+              <a:rPr lang="en-US" b="1" i="1" u="sng" dirty="0"/>
+              <a:t>Friday</a:t>
+            </a:r>
+            <a:r>
+              <a:rPr lang="en-US" dirty="0"/>
+              <a:t>: Combination of homework labs (I’ll explain verbally), quizzes (2 of them), and cancellations</a:t>
+            </a:r>
+          </a:p>
+          <a:p>
+            <a:pPr>
+              <a:buFontTx/>
+              <a:buChar char="-"/>
+            </a:pPr>
+            <a:r>
+              <a:rPr lang="en-US" b="1" i="1" u="sng" dirty="0"/>
+              <a:t>Last four lectures</a:t>
+            </a:r>
+            <a:r>
+              <a:rPr lang="en-US" dirty="0"/>
+              <a:t>: Are reserved for final project </a:t>
+            </a:r>
+            <a:r>
+              <a:rPr lang="en-US" dirty="0" err="1"/>
+              <a:t>presenations</a:t>
+            </a:r>
+            <a:r>
+              <a:rPr lang="en-US" dirty="0"/>
+              <a:t> (more on that in a bit as well).</a:t>
+            </a:r>
+          </a:p>
+          <a:p>
+            <a:pPr marL="0" indent="0">
+              <a:buNone/>
+            </a:pPr>
+            <a:endParaRPr lang="en-US" dirty="0"/>
+          </a:p>
+          <a:p>
+            <a:pPr marL="0" indent="0">
+              <a:buNone/>
+            </a:pPr>
+            <a:endParaRPr lang="en-US" dirty="0"/>
           </a:p>
         </p:txBody>
       </p:sp>
     </p:spTree>
     <p:extLst>
       <p:ext uri="{BB962C8B-B14F-4D97-AF65-F5344CB8AC3E}">
-        <p14:creationId xmlns:p14="http://schemas.microsoft.com/office/powerpoint/2010/main" val="2857772485"/>
+        <p14:creationId xmlns:p14="http://schemas.microsoft.com/office/powerpoint/2010/main" val="3037356022"/>
       </p:ext>
     </p:extLst>
   </p:cSld>
@@ -17874,7 +17078,7 @@
         </p:spPr>
         <p:txBody>
           <a:bodyPr>
-            <a:normAutofit fontScale="77500" lnSpcReduction="20000"/>
+            <a:normAutofit fontScale="85000" lnSpcReduction="20000"/>
           </a:bodyPr>
           <a:lstStyle/>
           <a:p>
@@ -17908,7 +17112,7 @@
             </a:r>
             <a:r>
               <a:rPr lang="en-US" dirty="0"/>
-              <a:t>) if you are in the old curriculum (Maybe a few of you)</a:t>
+              <a:t>) if you are in the old curriculum (Does this apply to anybody anymore?)</a:t>
             </a:r>
           </a:p>
           <a:p>
@@ -17922,7 +17126,7 @@
             <a:pPr lvl="1"/>
             <a:r>
               <a:rPr lang="en-US" dirty="0"/>
-              <a:t>Data Structures: Graphs and generally maturity proving things, etc.</a:t>
+              <a:t>Data Structures: General proficiency with everything from DSA1 and 2.</a:t>
             </a:r>
           </a:p>
           <a:p>
@@ -17935,28 +17139,7 @@
             <a:pPr lvl="1"/>
             <a:r>
               <a:rPr lang="en-US" dirty="0"/>
-              <a:t>Graduates (1):</a:t>
-            </a:r>
-          </a:p>
-          <a:p>
-            <a:pPr lvl="2"/>
-            <a:r>
-              <a:rPr lang="en-US" dirty="0"/>
-              <a:t>TBD</a:t>
-            </a:r>
-          </a:p>
-          <a:p>
-            <a:pPr lvl="1"/>
-            <a:r>
-              <a:rPr lang="en-US" dirty="0"/>
-              <a:t>Undergraduates (~27)</a:t>
-            </a:r>
-          </a:p>
-          <a:p>
-            <a:pPr lvl="2"/>
-            <a:r>
-              <a:rPr lang="en-US" dirty="0"/>
-              <a:t>We have a good sized staff this year!</a:t>
+              <a:t>Undergraduates (3)</a:t>
             </a:r>
           </a:p>
           <a:p>
@@ -17986,30 +17169,6 @@
               <a:rPr lang="en-US" dirty="0"/>
               <a:t>Post all questions about HW, topics, etc. to Piazza NOT email to instructors!</a:t>
             </a:r>
-          </a:p>
-        </p:txBody>
-      </p:sp>
-      <p:sp>
-        <p:nvSpPr>
-          <p:cNvPr id="4" name="Slide Number Placeholder 3"/>
-          <p:cNvSpPr>
-            <a:spLocks noGrp="1"/>
-          </p:cNvSpPr>
-          <p:nvPr>
-            <p:ph type="sldNum" sz="quarter" idx="12"/>
-          </p:nvPr>
-        </p:nvSpPr>
-        <p:spPr/>
-        <p:txBody>
-          <a:bodyPr/>
-          <a:lstStyle/>
-          <a:p>
-            <a:fld id="{F26D9103-0C5C-48AC-B68E-3ED2C1647047}" type="slidenum">
-              <a:rPr lang="en-US" smtClean="0"/>
-              <a:pPr/>
-              <a:t>7</a:t>
-            </a:fld>
-            <a:endParaRPr lang="en-US" dirty="0"/>
           </a:p>
         </p:txBody>
       </p:sp>
@@ -18106,7 +17265,25 @@
               <a:rPr lang="en-US" dirty="0">
                 <a:hlinkClick r:id="rId4"/>
               </a:rPr>
-              <a:t>https://markfloryan.github.io/dmt2/</a:t>
+              <a:t>https://</a:t>
+            </a:r>
+            <a:r>
+              <a:rPr lang="en-US" dirty="0" err="1">
+                <a:hlinkClick r:id="rId5"/>
+              </a:rPr>
+              <a:t>markfloryan</a:t>
+            </a:r>
+            <a:r>
+              <a:rPr lang="en-US" dirty="0" err="1">
+                <a:hlinkClick r:id="rId4"/>
+              </a:rPr>
+              <a:t>.github.io</a:t>
+            </a:r>
+            <a:r>
+              <a:rPr lang="en-US" dirty="0">
+                <a:hlinkClick r:id="rId4"/>
+              </a:rPr>
+              <a:t>/advAlgo/</a:t>
             </a:r>
             <a:endParaRPr lang="en-US" dirty="0"/>
           </a:p>
@@ -18174,30 +17351,6 @@
               <a:buFontTx/>
               <a:buChar char="-"/>
             </a:pPr>
-            <a:endParaRPr lang="en-US" dirty="0"/>
-          </a:p>
-        </p:txBody>
-      </p:sp>
-      <p:sp>
-        <p:nvSpPr>
-          <p:cNvPr id="4" name="Slide Number Placeholder 3"/>
-          <p:cNvSpPr>
-            <a:spLocks noGrp="1"/>
-          </p:cNvSpPr>
-          <p:nvPr>
-            <p:ph type="sldNum" sz="quarter" idx="12"/>
-          </p:nvPr>
-        </p:nvSpPr>
-        <p:spPr/>
-        <p:txBody>
-          <a:bodyPr/>
-          <a:lstStyle/>
-          <a:p>
-            <a:fld id="{F26D9103-0C5C-48AC-B68E-3ED2C1647047}" type="slidenum">
-              <a:rPr lang="en-US" smtClean="0"/>
-              <a:pPr/>
-              <a:t>8</a:t>
-            </a:fld>
             <a:endParaRPr lang="en-US" dirty="0"/>
           </a:p>
         </p:txBody>
@@ -18323,22 +17476,16 @@
           </a:p>
           <a:p>
             <a:r>
-              <a:rPr lang="en-US" b="1" i="1" u="sng" dirty="0"/>
-              <a:t>Jira</a:t>
-            </a:r>
-            <a:r>
               <a:rPr lang="en-US" dirty="0"/>
-              <a:t>: A ticketing system that we will use for student requests. Meant for private messages to Floryan and/or head Tas.</a:t>
-            </a:r>
-          </a:p>
-          <a:p>
+              <a:t>Possible </a:t>
+            </a:r>
             <a:r>
               <a:rPr lang="en-US" b="1" i="1" u="sng" dirty="0"/>
               <a:t>Google Forms</a:t>
             </a:r>
             <a:r>
               <a:rPr lang="en-US" dirty="0"/>
-              <a:t>: Homework extension requests will be submitted through a form.</a:t>
+              <a:t> when necessary…</a:t>
             </a:r>
           </a:p>
           <a:p>
@@ -18350,36 +17497,6 @@
           <a:p>
             <a:pPr lvl="1"/>
             <a:endParaRPr lang="en-US" dirty="0"/>
-          </a:p>
-        </p:txBody>
-      </p:sp>
-      <p:sp>
-        <p:nvSpPr>
-          <p:cNvPr id="3" name="Slide Number Placeholder 2">
-            <a:extLst>
-              <a:ext uri="{FF2B5EF4-FFF2-40B4-BE49-F238E27FC236}">
-                <a16:creationId xmlns:a16="http://schemas.microsoft.com/office/drawing/2014/main" id="{4409C9D4-846F-D543-85FE-C390EBACF5F4}"/>
-              </a:ext>
-            </a:extLst>
-          </p:cNvPr>
-          <p:cNvSpPr>
-            <a:spLocks noGrp="1"/>
-          </p:cNvSpPr>
-          <p:nvPr>
-            <p:ph type="sldNum" sz="quarter" idx="12"/>
-          </p:nvPr>
-        </p:nvSpPr>
-        <p:spPr/>
-        <p:txBody>
-          <a:bodyPr/>
-          <a:lstStyle/>
-          <a:p>
-            <a:fld id="{F26D9103-0C5C-48AC-B68E-3ED2C1647047}" type="slidenum">
-              <a:rPr lang="en-US" smtClean="0"/>
-              <a:pPr/>
-              <a:t>9</a:t>
-            </a:fld>
-            <a:endParaRPr lang="en-US"/>
           </a:p>
         </p:txBody>
       </p:sp>

--- a/slides/00-CourseIntroduction.pptx
+++ b/slides/00-CourseIntroduction.pptx
@@ -221,7 +221,7 @@
           <a:p>
             <a:fld id="{C5B45307-6ED4-B142-BD64-10F739779302}" type="datetimeFigureOut">
               <a:rPr lang="en-US" smtClean="0"/>
-              <a:t>1/6/25</a:t>
+              <a:t>1/13/25</a:t>
             </a:fld>
             <a:endParaRPr lang="en-US"/>
           </a:p>
@@ -4854,7 +4854,7 @@
           <a:p>
             <a:fld id="{EC4347D3-4C9A-C240-8F14-750059DFEEB0}" type="datetimeFigureOut">
               <a:rPr lang="en-US" smtClean="0"/>
-              <a:t>1/6/25</a:t>
+              <a:t>1/13/25</a:t>
             </a:fld>
             <a:endParaRPr lang="en-US"/>
           </a:p>
@@ -5121,7 +5121,7 @@
           <a:p>
             <a:fld id="{EC4347D3-4C9A-C240-8F14-750059DFEEB0}" type="datetimeFigureOut">
               <a:rPr lang="en-US" smtClean="0"/>
-              <a:t>1/6/25</a:t>
+              <a:t>1/13/25</a:t>
             </a:fld>
             <a:endParaRPr lang="en-US"/>
           </a:p>
@@ -5317,7 +5317,7 @@
           <a:p>
             <a:fld id="{EC4347D3-4C9A-C240-8F14-750059DFEEB0}" type="datetimeFigureOut">
               <a:rPr lang="en-US" smtClean="0"/>
-              <a:t>1/6/25</a:t>
+              <a:t>1/13/25</a:t>
             </a:fld>
             <a:endParaRPr lang="en-US"/>
           </a:p>
@@ -5580,7 +5580,7 @@
           <a:p>
             <a:fld id="{EC4347D3-4C9A-C240-8F14-750059DFEEB0}" type="datetimeFigureOut">
               <a:rPr lang="en-US" smtClean="0"/>
-              <a:t>1/6/25</a:t>
+              <a:t>1/13/25</a:t>
             </a:fld>
             <a:endParaRPr lang="en-US"/>
           </a:p>
@@ -6014,7 +6014,7 @@
           <a:p>
             <a:fld id="{EC4347D3-4C9A-C240-8F14-750059DFEEB0}" type="datetimeFigureOut">
               <a:rPr lang="en-US" smtClean="0"/>
-              <a:t>1/6/25</a:t>
+              <a:t>1/13/25</a:t>
             </a:fld>
             <a:endParaRPr lang="en-US"/>
           </a:p>
@@ -6560,7 +6560,7 @@
           <a:p>
             <a:fld id="{EC4347D3-4C9A-C240-8F14-750059DFEEB0}" type="datetimeFigureOut">
               <a:rPr lang="en-US" smtClean="0"/>
-              <a:t>1/6/25</a:t>
+              <a:t>1/13/25</a:t>
             </a:fld>
             <a:endParaRPr lang="en-US"/>
           </a:p>
@@ -7280,7 +7280,7 @@
           <a:p>
             <a:fld id="{EC4347D3-4C9A-C240-8F14-750059DFEEB0}" type="datetimeFigureOut">
               <a:rPr lang="en-US" smtClean="0"/>
-              <a:t>1/6/25</a:t>
+              <a:t>1/13/25</a:t>
             </a:fld>
             <a:endParaRPr lang="en-US"/>
           </a:p>
@@ -7450,7 +7450,7 @@
           <a:p>
             <a:fld id="{EC4347D3-4C9A-C240-8F14-750059DFEEB0}" type="datetimeFigureOut">
               <a:rPr lang="en-US" smtClean="0"/>
-              <a:t>1/6/25</a:t>
+              <a:t>1/13/25</a:t>
             </a:fld>
             <a:endParaRPr lang="en-US"/>
           </a:p>
@@ -7630,7 +7630,7 @@
           <a:p>
             <a:fld id="{EC4347D3-4C9A-C240-8F14-750059DFEEB0}" type="datetimeFigureOut">
               <a:rPr lang="en-US" smtClean="0"/>
-              <a:t>1/6/25</a:t>
+              <a:t>1/13/25</a:t>
             </a:fld>
             <a:endParaRPr lang="en-US"/>
           </a:p>
@@ -7800,7 +7800,7 @@
           <a:p>
             <a:fld id="{EC4347D3-4C9A-C240-8F14-750059DFEEB0}" type="datetimeFigureOut">
               <a:rPr lang="en-US" smtClean="0"/>
-              <a:t>1/6/25</a:t>
+              <a:t>1/13/25</a:t>
             </a:fld>
             <a:endParaRPr lang="en-US"/>
           </a:p>
@@ -8050,7 +8050,7 @@
           <a:p>
             <a:fld id="{EC4347D3-4C9A-C240-8F14-750059DFEEB0}" type="datetimeFigureOut">
               <a:rPr lang="en-US" smtClean="0"/>
-              <a:t>1/6/25</a:t>
+              <a:t>1/13/25</a:t>
             </a:fld>
             <a:endParaRPr lang="en-US"/>
           </a:p>
@@ -8282,7 +8282,7 @@
           <a:p>
             <a:fld id="{EC4347D3-4C9A-C240-8F14-750059DFEEB0}" type="datetimeFigureOut">
               <a:rPr lang="en-US" smtClean="0"/>
-              <a:t>1/6/25</a:t>
+              <a:t>1/13/25</a:t>
             </a:fld>
             <a:endParaRPr lang="en-US"/>
           </a:p>
@@ -8668,7 +8668,7 @@
           <a:p>
             <a:fld id="{EC4347D3-4C9A-C240-8F14-750059DFEEB0}" type="datetimeFigureOut">
               <a:rPr lang="en-US" smtClean="0"/>
-              <a:t>1/6/25</a:t>
+              <a:t>1/13/25</a:t>
             </a:fld>
             <a:endParaRPr lang="en-US"/>
           </a:p>
@@ -8791,7 +8791,7 @@
           <a:p>
             <a:fld id="{EC4347D3-4C9A-C240-8F14-750059DFEEB0}" type="datetimeFigureOut">
               <a:rPr lang="en-US" smtClean="0"/>
-              <a:t>1/6/25</a:t>
+              <a:t>1/13/25</a:t>
             </a:fld>
             <a:endParaRPr lang="en-US"/>
           </a:p>
@@ -8886,7 +8886,7 @@
           <a:p>
             <a:fld id="{EC4347D3-4C9A-C240-8F14-750059DFEEB0}" type="datetimeFigureOut">
               <a:rPr lang="en-US" smtClean="0"/>
-              <a:t>1/6/25</a:t>
+              <a:t>1/13/25</a:t>
             </a:fld>
             <a:endParaRPr lang="en-US"/>
           </a:p>
@@ -9135,7 +9135,7 @@
           <a:p>
             <a:fld id="{EC4347D3-4C9A-C240-8F14-750059DFEEB0}" type="datetimeFigureOut">
               <a:rPr lang="en-US" smtClean="0"/>
-              <a:t>1/6/25</a:t>
+              <a:t>1/13/25</a:t>
             </a:fld>
             <a:endParaRPr lang="en-US"/>
           </a:p>
@@ -9420,7 +9420,7 @@
           <a:p>
             <a:fld id="{EC4347D3-4C9A-C240-8F14-750059DFEEB0}" type="datetimeFigureOut">
               <a:rPr lang="en-US" smtClean="0"/>
-              <a:t>1/6/25</a:t>
+              <a:t>1/13/25</a:t>
             </a:fld>
             <a:endParaRPr lang="en-US"/>
           </a:p>
@@ -12487,7 +12487,7 @@
           <a:p>
             <a:fld id="{EC4347D3-4C9A-C240-8F14-750059DFEEB0}" type="datetimeFigureOut">
               <a:rPr lang="en-US" smtClean="0"/>
-              <a:t>1/6/25</a:t>
+              <a:t>1/13/25</a:t>
             </a:fld>
             <a:endParaRPr lang="en-US"/>
           </a:p>
@@ -16345,7 +16345,7 @@
             </a:r>
             <a:r>
               <a:rPr lang="en-US" dirty="0"/>
-              <a:t>: 40 percent (split over about 6 or 7 </a:t>
+              <a:t>: 40 percent (split over about 6 </a:t>
             </a:r>
             <a:r>
               <a:rPr lang="en-US" dirty="0" err="1"/>
@@ -16363,7 +16363,7 @@
             </a:r>
             <a:r>
               <a:rPr lang="en-US" dirty="0"/>
-              <a:t>: 30 percent (12 percent each)</a:t>
+              <a:t>: 30 percent (15 percent each)</a:t>
             </a:r>
           </a:p>
           <a:p>
@@ -16532,13 +16532,8 @@
             <a:pPr algn="ctr"/>
             <a:r>
               <a:rPr lang="en-US" dirty="0"/>
-              <a:t>Course </a:t>
-            </a:r>
-            <a:r>
-              <a:rPr lang="en-US" dirty="0" err="1"/>
-              <a:t>OBjectives</a:t>
-            </a:r>
-            <a:endParaRPr lang="en-US" dirty="0"/>
+              <a:t>Course Objectives</a:t>
+            </a:r>
           </a:p>
         </p:txBody>
       </p:sp>
@@ -16971,15 +16966,7 @@
             </a:r>
             <a:r>
               <a:rPr lang="en-US" dirty="0"/>
-              <a:t>: Are reserved for final project </a:t>
-            </a:r>
-            <a:r>
-              <a:rPr lang="en-US" dirty="0" err="1"/>
-              <a:t>presenations</a:t>
-            </a:r>
-            <a:r>
-              <a:rPr lang="en-US" dirty="0"/>
-              <a:t> (more on that in a bit as well).</a:t>
+              <a:t>: Are reserved for final project presentations (more on that in a bit as well).</a:t>
             </a:r>
           </a:p>
           <a:p>

--- a/slides/00-CourseIntroduction.pptx
+++ b/slides/00-CourseIntroduction.pptx
@@ -16104,7 +16104,7 @@
         </p:spPr>
         <p:txBody>
           <a:bodyPr>
-            <a:normAutofit fontScale="92500"/>
+            <a:normAutofit fontScale="92500" lnSpcReduction="10000"/>
           </a:bodyPr>
           <a:lstStyle/>
           <a:p>
@@ -16168,7 +16168,7 @@
             </a:r>
             <a:r>
               <a:rPr lang="en-US" dirty="0"/>
-              <a:t> officially recognized religious observances</a:t>
+              <a:t> officially recognized religious observances and SDAC accommodations</a:t>
             </a:r>
           </a:p>
         </p:txBody>
